--- a/36x48-poster.pptx
+++ b/36x48-poster.pptx
@@ -485,7 +485,7 @@
               <a:pPr>
                 <a:defRPr/>
               </a:pPr>
-              <a:t>7/26/25</a:t>
+              <a:t>7/27/25</a:t>
             </a:fld>
             <a:endParaRPr lang="en-US"/>
           </a:p>
@@ -4248,7 +4248,7 @@
       </p:sp>
       <p:sp>
         <p:nvSpPr>
-          <p:cNvPr id="2065" name="AutoShape 17"/>
+          <p:cNvPr id="2066" name="AutoShape 18"/>
           <p:cNvSpPr>
             <a:spLocks noChangeArrowheads="1"/>
           </p:cNvSpPr>
@@ -4256,7 +4256,7 @@
         </p:nvSpPr>
         <p:spPr bwMode="auto">
           <a:xfrm>
-            <a:off x="22344945" y="8531578"/>
+            <a:off x="33189334" y="15036800"/>
             <a:ext cx="9750778" cy="812800"/>
           </a:xfrm>
           <a:prstGeom prst="roundRect">
@@ -4282,7 +4282,7 @@
           </a:effectLst>
         </p:spPr>
         <p:txBody>
-          <a:bodyPr lIns="38887" tIns="18775" rIns="38887" bIns="18775" anchor="ctr"/>
+          <a:bodyPr wrap="none" lIns="38887" tIns="18775" rIns="38887" bIns="18775" anchor="ctr"/>
           <a:lstStyle/>
           <a:p>
             <a:pPr algn="just" defTabSz="366893" eaLnBrk="0" hangingPunct="0">
@@ -4293,11 +4293,6 @@
                 <a:solidFill>
                   <a:srgbClr val="FAFD00"/>
                 </a:solidFill>
-                <a:effectLst>
-                  <a:outerShdw blurRad="38100" dist="38100" dir="2700000" algn="tl">
-                    <a:srgbClr val="000000"/>
-                  </a:outerShdw>
-                </a:effectLst>
                 <a:latin typeface="Helvetica" pitchFamily="34" charset="0"/>
               </a:rPr>
               <a:t>	</a:t>
@@ -4314,14 +4309,14 @@
                 </a:effectLst>
                 <a:latin typeface="Verdana" pitchFamily="34" charset="0"/>
               </a:rPr>
-              <a:t>Results - con’t</a:t>
-            </a:r>
-          </a:p>
-        </p:txBody>
-      </p:sp>
-      <p:sp>
-        <p:nvSpPr>
-          <p:cNvPr id="2066" name="AutoShape 18"/>
+              <a:t>References</a:t>
+            </a:r>
+          </a:p>
+        </p:txBody>
+      </p:sp>
+      <p:sp>
+        <p:nvSpPr>
+          <p:cNvPr id="2067" name="AutoShape 19"/>
           <p:cNvSpPr>
             <a:spLocks noChangeArrowheads="1"/>
           </p:cNvSpPr>
@@ -4329,7 +4324,7 @@
         </p:nvSpPr>
         <p:spPr bwMode="auto">
           <a:xfrm>
-            <a:off x="33189334" y="15036800"/>
+            <a:off x="33121600" y="8534400"/>
             <a:ext cx="9750778" cy="812800"/>
           </a:xfrm>
           <a:prstGeom prst="roundRect">
@@ -4362,16 +4357,21 @@
               <a:defRPr/>
             </a:pPr>
             <a:r>
-              <a:rPr lang="en-US" sz="3911" b="1">
+              <a:rPr lang="en-US" sz="3911" b="1" dirty="0">
                 <a:solidFill>
                   <a:srgbClr val="FAFD00"/>
                 </a:solidFill>
-                <a:latin typeface="Helvetica" pitchFamily="34" charset="0"/>
+                <a:effectLst>
+                  <a:outerShdw blurRad="38100" dist="38100" dir="2700000" algn="tl">
+                    <a:srgbClr val="000000"/>
+                  </a:outerShdw>
+                </a:effectLst>
+                <a:latin typeface="Verdana" pitchFamily="34" charset="0"/>
               </a:rPr>
-              <a:t>	</a:t>
-            </a:r>
-            <a:r>
-              <a:rPr lang="en-US" sz="3911" b="1">
+              <a:t>	 </a:t>
+            </a:r>
+            <a:r>
+              <a:rPr lang="en-US" sz="3911" b="1" dirty="0">
                 <a:solidFill>
                   <a:schemeClr val="bg1"/>
                 </a:solidFill>
@@ -4382,14 +4382,14 @@
                 </a:effectLst>
                 <a:latin typeface="Verdana" pitchFamily="34" charset="0"/>
               </a:rPr>
-              <a:t>References</a:t>
-            </a:r>
-          </a:p>
-        </p:txBody>
-      </p:sp>
-      <p:sp>
-        <p:nvSpPr>
-          <p:cNvPr id="2067" name="AutoShape 19"/>
+              <a:t>Conclusions</a:t>
+            </a:r>
+          </a:p>
+        </p:txBody>
+      </p:sp>
+      <p:sp>
+        <p:nvSpPr>
+          <p:cNvPr id="2071" name="AutoShape 23"/>
           <p:cNvSpPr>
             <a:spLocks noChangeArrowheads="1"/>
           </p:cNvSpPr>
@@ -4397,7 +4397,7 @@
         </p:nvSpPr>
         <p:spPr bwMode="auto">
           <a:xfrm>
-            <a:off x="33121600" y="8534400"/>
+            <a:off x="791448" y="22170679"/>
             <a:ext cx="9750778" cy="812800"/>
           </a:xfrm>
           <a:prstGeom prst="roundRect">
@@ -4430,21 +4430,16 @@
               <a:defRPr/>
             </a:pPr>
             <a:r>
-              <a:rPr lang="en-US" sz="3911" b="1">
+              <a:rPr lang="en-US" sz="3911" b="1" dirty="0">
                 <a:solidFill>
-                  <a:srgbClr val="FAFD00"/>
+                  <a:schemeClr val="bg1"/>
                 </a:solidFill>
-                <a:effectLst>
-                  <a:outerShdw blurRad="38100" dist="38100" dir="2700000" algn="tl">
-                    <a:srgbClr val="000000"/>
-                  </a:outerShdw>
-                </a:effectLst>
-                <a:latin typeface="Verdana" pitchFamily="34" charset="0"/>
+                <a:latin typeface="Helvetica" pitchFamily="34" charset="0"/>
               </a:rPr>
-              <a:t>	 </a:t>
-            </a:r>
-            <a:r>
-              <a:rPr lang="en-US" sz="3911" b="1">
+              <a:t>	</a:t>
+            </a:r>
+            <a:r>
+              <a:rPr lang="en-US" sz="3911" b="1" dirty="0">
                 <a:solidFill>
                   <a:schemeClr val="bg1"/>
                 </a:solidFill>
@@ -4455,14 +4450,14 @@
                 </a:effectLst>
                 <a:latin typeface="Verdana" pitchFamily="34" charset="0"/>
               </a:rPr>
-              <a:t>Conclusions (Disc. or Summary)</a:t>
-            </a:r>
-          </a:p>
-        </p:txBody>
-      </p:sp>
-      <p:sp>
-        <p:nvSpPr>
-          <p:cNvPr id="2071" name="AutoShape 23"/>
+              <a:t>Methods</a:t>
+            </a:r>
+          </a:p>
+        </p:txBody>
+      </p:sp>
+      <p:sp>
+        <p:nvSpPr>
+          <p:cNvPr id="2072" name="AutoShape 24"/>
           <p:cNvSpPr>
             <a:spLocks noChangeArrowheads="1"/>
           </p:cNvSpPr>
@@ -4470,8 +4465,8 @@
         </p:nvSpPr>
         <p:spPr bwMode="auto">
           <a:xfrm>
-            <a:off x="11578167" y="8531578"/>
-            <a:ext cx="9750778" cy="812800"/>
+            <a:off x="11578167" y="8534400"/>
+            <a:ext cx="20527433" cy="812800"/>
           </a:xfrm>
           <a:prstGeom prst="roundRect">
             <a:avLst>
@@ -4503,16 +4498,7 @@
               <a:defRPr/>
             </a:pPr>
             <a:r>
-              <a:rPr lang="en-US" sz="3911" b="1">
-                <a:solidFill>
-                  <a:schemeClr val="bg1"/>
-                </a:solidFill>
-                <a:latin typeface="Helvetica" pitchFamily="34" charset="0"/>
-              </a:rPr>
-              <a:t>	</a:t>
-            </a:r>
-            <a:r>
-              <a:rPr lang="en-US" sz="3911" b="1">
+              <a:rPr lang="en-US" sz="3911" b="1" dirty="0">
                 <a:solidFill>
                   <a:schemeClr val="bg1"/>
                 </a:solidFill>
@@ -4523,14 +4509,14 @@
                 </a:effectLst>
                 <a:latin typeface="Verdana" pitchFamily="34" charset="0"/>
               </a:rPr>
-              <a:t>Methods</a:t>
-            </a:r>
-          </a:p>
-        </p:txBody>
-      </p:sp>
-      <p:sp>
-        <p:nvSpPr>
-          <p:cNvPr id="2072" name="AutoShape 24"/>
+              <a:t>AI Agent Diagram</a:t>
+            </a:r>
+          </a:p>
+        </p:txBody>
+      </p:sp>
+      <p:sp>
+        <p:nvSpPr>
+          <p:cNvPr id="2073" name="AutoShape 25"/>
           <p:cNvSpPr>
             <a:spLocks noChangeArrowheads="1"/>
           </p:cNvSpPr>
@@ -4538,7 +4524,7 @@
         </p:nvSpPr>
         <p:spPr bwMode="auto">
           <a:xfrm>
-            <a:off x="11582400" y="19371733"/>
+            <a:off x="791448" y="13638415"/>
             <a:ext cx="9750778" cy="812800"/>
           </a:xfrm>
           <a:prstGeom prst="roundRect">
@@ -4573,20 +4559,6 @@
             <a:r>
               <a:rPr lang="en-US" sz="3911" b="1" dirty="0">
                 <a:solidFill>
-                  <a:srgbClr val="FAFD00"/>
-                </a:solidFill>
-                <a:effectLst>
-                  <a:outerShdw blurRad="38100" dist="38100" dir="2700000" algn="tl">
-                    <a:srgbClr val="000000"/>
-                  </a:outerShdw>
-                </a:effectLst>
-                <a:latin typeface="Verdana" pitchFamily="34" charset="0"/>
-              </a:rPr>
-              <a:t>	</a:t>
-            </a:r>
-            <a:r>
-              <a:rPr lang="en-US" sz="3911" b="1" dirty="0">
-                <a:solidFill>
                   <a:schemeClr val="bg1"/>
                 </a:solidFill>
                 <a:effectLst>
@@ -4596,14 +4568,131 @@
                 </a:effectLst>
                 <a:latin typeface="Verdana" pitchFamily="34" charset="0"/>
               </a:rPr>
-              <a:t>Results</a:t>
-            </a:r>
-          </a:p>
-        </p:txBody>
-      </p:sp>
-      <p:sp>
-        <p:nvSpPr>
-          <p:cNvPr id="2073" name="AutoShape 25"/>
+              <a:t>	Introduction</a:t>
+            </a:r>
+          </a:p>
+        </p:txBody>
+      </p:sp>
+      <p:sp>
+        <p:nvSpPr>
+          <p:cNvPr id="1038" name="Text Box 82"/>
+          <p:cNvSpPr txBox="1">
+            <a:spLocks noChangeArrowheads="1"/>
+          </p:cNvSpPr>
+          <p:nvPr/>
+        </p:nvSpPr>
+        <p:spPr bwMode="auto">
+          <a:xfrm>
+            <a:off x="33110311" y="17475200"/>
+            <a:ext cx="9750778" cy="1219200"/>
+          </a:xfrm>
+          <a:prstGeom prst="rect">
+            <a:avLst/>
+          </a:prstGeom>
+          <a:noFill/>
+          <a:ln w="12700">
+            <a:noFill/>
+            <a:miter lim="800000"/>
+            <a:headEnd/>
+            <a:tailEnd/>
+          </a:ln>
+        </p:spPr>
+        <p:txBody>
+          <a:bodyPr lIns="203200"/>
+          <a:lstStyle/>
+          <a:p>
+            <a:pPr marL="254003" indent="-254003" algn="just" eaLnBrk="0" hangingPunct="0">
+              <a:lnSpc>
+                <a:spcPct val="90000"/>
+              </a:lnSpc>
+              <a:buFontTx/>
+              <a:buChar char="1"/>
+            </a:pPr>
+            <a:r>
+              <a:rPr lang="en-US" sz="1600" dirty="0">
+                <a:solidFill>
+                  <a:srgbClr val="000062"/>
+                </a:solidFill>
+                <a:latin typeface="Arial" charset="0"/>
+              </a:rPr>
+              <a:t>Quigley HA, Nickells RW, Kerrigan LA, Pease ME, Thibault DJ, Zack DJ. </a:t>
+            </a:r>
+            <a:r>
+              <a:rPr lang="en-US" sz="1600" b="1" dirty="0">
+                <a:solidFill>
+                  <a:srgbClr val="000062"/>
+                </a:solidFill>
+                <a:latin typeface="Arial" charset="0"/>
+              </a:rPr>
+              <a:t>Retinal ganglion cell death in experimental glaucoma and after axotomy occurs by apoptosis</a:t>
+            </a:r>
+            <a:r>
+              <a:rPr lang="en-US" sz="1600" dirty="0">
+                <a:solidFill>
+                  <a:srgbClr val="000062"/>
+                </a:solidFill>
+                <a:latin typeface="Arial" charset="0"/>
+              </a:rPr>
+              <a:t>. </a:t>
+            </a:r>
+            <a:r>
+              <a:rPr lang="en-US" sz="1600" i="1" dirty="0">
+                <a:solidFill>
+                  <a:srgbClr val="000062"/>
+                </a:solidFill>
+                <a:latin typeface="Arial" charset="0"/>
+              </a:rPr>
+              <a:t>Invest </a:t>
+            </a:r>
+            <a:r>
+              <a:rPr lang="en-US" sz="1600" i="1" dirty="0" err="1">
+                <a:solidFill>
+                  <a:srgbClr val="000062"/>
+                </a:solidFill>
+                <a:latin typeface="Arial" charset="0"/>
+              </a:rPr>
+              <a:t>Ophthalmol</a:t>
+            </a:r>
+            <a:r>
+              <a:rPr lang="en-US" sz="1600" i="1" dirty="0">
+                <a:solidFill>
+                  <a:srgbClr val="000062"/>
+                </a:solidFill>
+                <a:latin typeface="Arial" charset="0"/>
+              </a:rPr>
+              <a:t> Vis Sci</a:t>
+            </a:r>
+            <a:r>
+              <a:rPr lang="en-US" sz="1600" dirty="0">
+                <a:solidFill>
+                  <a:srgbClr val="000062"/>
+                </a:solidFill>
+                <a:latin typeface="Arial" charset="0"/>
+              </a:rPr>
+              <a:t> 1995;36:774-86.</a:t>
+            </a:r>
+          </a:p>
+          <a:p>
+            <a:pPr marL="254003" indent="-254003" algn="just" eaLnBrk="0" hangingPunct="0">
+              <a:lnSpc>
+                <a:spcPct val="90000"/>
+              </a:lnSpc>
+            </a:pPr>
+            <a:r>
+              <a:rPr lang="en-US" sz="1600" dirty="0">
+                <a:solidFill>
+                  <a:srgbClr val="000062"/>
+                </a:solidFill>
+                <a:latin typeface="Arial" charset="0"/>
+              </a:rPr>
+              <a:t>, </a:t>
+            </a:r>
+          </a:p>
+        </p:txBody>
+      </p:sp>
+      <p:sp>
+        <p:nvSpPr>
+          <p:cNvPr id="2167" name="AutoShape 119"/>
           <p:cNvSpPr>
             <a:spLocks noChangeArrowheads="1"/>
           </p:cNvSpPr>
@@ -4611,7 +4700,7 @@
         </p:nvSpPr>
         <p:spPr bwMode="auto">
           <a:xfrm>
-            <a:off x="836085" y="12845344"/>
+            <a:off x="811390" y="8534400"/>
             <a:ext cx="9750778" cy="812800"/>
           </a:xfrm>
           <a:prstGeom prst="roundRect">
@@ -4648,6 +4737,15 @@
                 <a:solidFill>
                   <a:schemeClr val="bg1"/>
                 </a:solidFill>
+                <a:latin typeface="Helvetica" pitchFamily="34" charset="0"/>
+              </a:rPr>
+              <a:t>	</a:t>
+            </a:r>
+            <a:r>
+              <a:rPr lang="en-US" sz="3911" b="1" dirty="0">
+                <a:solidFill>
+                  <a:schemeClr val="bg1"/>
+                </a:solidFill>
                 <a:effectLst>
                   <a:outerShdw blurRad="38100" dist="38100" dir="2700000" algn="tl">
                     <a:srgbClr val="000000"/>
@@ -4655,14 +4753,71 @@
                 </a:effectLst>
                 <a:latin typeface="Verdana" pitchFamily="34" charset="0"/>
               </a:rPr>
-              <a:t>	Introduction (Background)</a:t>
-            </a:r>
-          </a:p>
-        </p:txBody>
-      </p:sp>
-      <p:sp>
-        <p:nvSpPr>
-          <p:cNvPr id="1037" name="Rectangle 29"/>
+              <a:t>Abstract</a:t>
+            </a:r>
+          </a:p>
+        </p:txBody>
+      </p:sp>
+      <p:sp>
+        <p:nvSpPr>
+          <p:cNvPr id="1040" name="Text Box 127"/>
+          <p:cNvSpPr txBox="1">
+            <a:spLocks noChangeArrowheads="1"/>
+          </p:cNvSpPr>
+          <p:nvPr/>
+        </p:nvSpPr>
+        <p:spPr bwMode="auto">
+          <a:xfrm>
+            <a:off x="812800" y="9821333"/>
+            <a:ext cx="9750778" cy="912942"/>
+          </a:xfrm>
+          <a:prstGeom prst="rect">
+            <a:avLst/>
+          </a:prstGeom>
+          <a:noFill/>
+          <a:ln w="9525">
+            <a:noFill/>
+            <a:miter lim="800000"/>
+            <a:headEnd/>
+            <a:tailEnd/>
+          </a:ln>
+        </p:spPr>
+        <p:txBody>
+          <a:bodyPr lIns="162560" rIns="162560">
+            <a:spAutoFit/>
+          </a:bodyPr>
+          <a:lstStyle/>
+          <a:p>
+            <a:pPr algn="just">
+              <a:spcBef>
+                <a:spcPct val="50000"/>
+              </a:spcBef>
+            </a:pPr>
+            <a:endParaRPr lang="en-US" sz="2133">
+              <a:solidFill>
+                <a:srgbClr val="000062"/>
+              </a:solidFill>
+              <a:latin typeface="Arial" charset="0"/>
+            </a:endParaRPr>
+          </a:p>
+          <a:p>
+            <a:pPr algn="just">
+              <a:spcBef>
+                <a:spcPct val="50000"/>
+              </a:spcBef>
+            </a:pPr>
+            <a:endParaRPr lang="en-US" sz="2133">
+              <a:solidFill>
+                <a:srgbClr val="000062"/>
+              </a:solidFill>
+              <a:latin typeface="Arial" charset="0"/>
+            </a:endParaRPr>
+          </a:p>
+        </p:txBody>
+      </p:sp>
+      <p:sp>
+        <p:nvSpPr>
+          <p:cNvPr id="1041" name="Rectangle 129"/>
           <p:cNvSpPr>
             <a:spLocks noChangeArrowheads="1"/>
           </p:cNvSpPr>
@@ -4670,8 +4825,8 @@
         </p:nvSpPr>
         <p:spPr bwMode="auto">
           <a:xfrm>
-            <a:off x="811390" y="20658667"/>
-            <a:ext cx="9750778" cy="4605867"/>
+            <a:off x="33110311" y="12135556"/>
+            <a:ext cx="9750778" cy="5396089"/>
           </a:xfrm>
           <a:prstGeom prst="rect">
             <a:avLst/>
@@ -4685,22 +4840,13 @@
           </a:ln>
         </p:spPr>
         <p:txBody>
-          <a:bodyPr lIns="162560" rIns="162560"/>
+          <a:bodyPr lIns="16256" rIns="16256" anchor="ctr"/>
           <a:lstStyle/>
           <a:p>
-            <a:pPr algn="just" eaLnBrk="0" hangingPunct="0">
-              <a:spcBef>
-                <a:spcPct val="50000"/>
-              </a:spcBef>
+            <a:pPr marL="410639" indent="-410639" algn="just" defTabSz="366893" eaLnBrk="0" hangingPunct="0">
+              <a:buFontTx/>
+              <a:buChar char="•"/>
             </a:pPr>
-            <a:br>
-              <a:rPr lang="en-US" sz="2489">
-                <a:solidFill>
-                  <a:srgbClr val="000066"/>
-                </a:solidFill>
-                <a:latin typeface="Arial" charset="0"/>
-              </a:rPr>
-            </a:br>
             <a:endParaRPr lang="en-US" sz="2489">
               <a:solidFill>
                 <a:srgbClr val="000066"/>
@@ -4712,7 +4858,7 @@
       </p:sp>
       <p:sp>
         <p:nvSpPr>
-          <p:cNvPr id="1038" name="Text Box 82"/>
+          <p:cNvPr id="1047" name="Text Box 152"/>
           <p:cNvSpPr txBox="1">
             <a:spLocks noChangeArrowheads="1"/>
           </p:cNvSpPr>
@@ -4720,14 +4866,14 @@
         </p:nvSpPr>
         <p:spPr bwMode="auto">
           <a:xfrm>
-            <a:off x="33110311" y="17475200"/>
-            <a:ext cx="9750778" cy="1219200"/>
+            <a:off x="811388" y="9687801"/>
+            <a:ext cx="9889067" cy="3539430"/>
           </a:xfrm>
           <a:prstGeom prst="rect">
             <a:avLst/>
           </a:prstGeom>
           <a:noFill/>
-          <a:ln w="12700">
+          <a:ln w="9525">
             <a:noFill/>
             <a:miter lim="800000"/>
             <a:headEnd/>
@@ -4735,83 +4881,290 @@
           </a:ln>
         </p:spPr>
         <p:txBody>
-          <a:bodyPr lIns="203200"/>
+          <a:bodyPr lIns="162560" rIns="162560">
+            <a:spAutoFit/>
+          </a:bodyPr>
           <a:lstStyle/>
           <a:p>
-            <a:pPr marL="254003" indent="-254003" algn="just" eaLnBrk="0" hangingPunct="0">
-              <a:lnSpc>
-                <a:spcPct val="90000"/>
-              </a:lnSpc>
-              <a:buFontTx/>
-              <a:buChar char="1"/>
+            <a:pPr algn="just">
+              <a:spcBef>
+                <a:spcPct val="50000"/>
+              </a:spcBef>
             </a:pPr>
             <a:r>
-              <a:rPr lang="en-US" sz="1600">
-                <a:solidFill>
-                  <a:srgbClr val="000062"/>
-                </a:solidFill>
+              <a:rPr lang="en-US" sz="2800" dirty="0">
                 <a:latin typeface="Arial" charset="0"/>
               </a:rPr>
-              <a:t>Quigley HA, Nickells RW, Kerrigan LA, Pease ME, Thibault DJ, Zack DJ. </a:t>
-            </a:r>
-            <a:r>
-              <a:rPr lang="en-US" sz="1600" b="1">
-                <a:solidFill>
-                  <a:srgbClr val="000062"/>
-                </a:solidFill>
+              <a:t>This project presents a real-time voice interaction system enabling natural conversation between users and an AI agent over Twilio. User speech is transcribed by Deepgram and processed by the AI, which generates responses that are converted to speech and played back via Twilio. This hands-free, interactive approach enables seamless AI-driven conversations for customer support, data collection, and other voice-enabled applications.</a:t>
+            </a:r>
+          </a:p>
+        </p:txBody>
+      </p:sp>
+      <p:sp>
+        <p:nvSpPr>
+          <p:cNvPr id="1049" name="Text Box 155"/>
+          <p:cNvSpPr txBox="1">
+            <a:spLocks noChangeArrowheads="1"/>
+          </p:cNvSpPr>
+          <p:nvPr/>
+        </p:nvSpPr>
+        <p:spPr bwMode="auto">
+          <a:xfrm>
+            <a:off x="791448" y="14821759"/>
+            <a:ext cx="9889067" cy="6986528"/>
+          </a:xfrm>
+          <a:prstGeom prst="rect">
+            <a:avLst/>
+          </a:prstGeom>
+          <a:noFill/>
+          <a:ln w="76200">
+            <a:noFill/>
+            <a:miter lim="800000"/>
+            <a:headEnd/>
+            <a:tailEnd/>
+          </a:ln>
+        </p:spPr>
+        <p:txBody>
+          <a:bodyPr lIns="162560" rIns="162560">
+            <a:spAutoFit/>
+          </a:bodyPr>
+          <a:lstStyle/>
+          <a:p>
+            <a:pPr algn="just">
+              <a:spcBef>
+                <a:spcPct val="20000"/>
+              </a:spcBef>
+            </a:pPr>
+            <a:r>
+              <a:rPr lang="en-US" sz="2800" dirty="0">
                 <a:latin typeface="Arial" charset="0"/>
               </a:rPr>
-              <a:t>Retinal ganglion cell death in experimental glaucoma and after axotomy occurs by apoptosis</a:t>
-            </a:r>
-            <a:r>
-              <a:rPr lang="en-US" sz="1600">
-                <a:solidFill>
-                  <a:srgbClr val="000062"/>
-                </a:solidFill>
+              <a:t>Conversational AI is rapidly transforming the way organizations interact with users, offering new levels of accessibility and efficiency. Traditional text-based chatbots have evolved into advanced voice-driven systems, enabling more natural and intuitive exchanges. This project explores the development of a real-time voice interaction system that leverages Twilio for telephony integration, Deepgram for accurate speech-to-text and text-to-speech transcriptions, and advanced AI models for generating dynamic responses. By seamlessly combining these technologies, the system supports interactive, voice-based conversations tailored for customer support, automated data collection, and a variety of hands-free applications. This work demonstrates the potential of modern voice AI to streamline workflows, enhance user experiences, and open new opportunities for intelligent automation across industries.</a:t>
+            </a:r>
+          </a:p>
+        </p:txBody>
+      </p:sp>
+      <p:sp>
+        <p:nvSpPr>
+          <p:cNvPr id="1051" name="Text Box 157"/>
+          <p:cNvSpPr txBox="1">
+            <a:spLocks noChangeArrowheads="1"/>
+          </p:cNvSpPr>
+          <p:nvPr/>
+        </p:nvSpPr>
+        <p:spPr bwMode="auto">
+          <a:xfrm>
+            <a:off x="811388" y="23402815"/>
+            <a:ext cx="9889067" cy="1815882"/>
+          </a:xfrm>
+          <a:prstGeom prst="rect">
+            <a:avLst/>
+          </a:prstGeom>
+          <a:noFill/>
+          <a:ln w="9525">
+            <a:noFill/>
+            <a:miter lim="800000"/>
+            <a:headEnd/>
+            <a:tailEnd/>
+          </a:ln>
+        </p:spPr>
+        <p:txBody>
+          <a:bodyPr lIns="162560" rIns="162560">
+            <a:spAutoFit/>
+          </a:bodyPr>
+          <a:lstStyle/>
+          <a:p>
+            <a:pPr algn="just">
+              <a:spcBef>
+                <a:spcPct val="50000"/>
+              </a:spcBef>
+            </a:pPr>
+            <a:r>
+              <a:rPr lang="en-US" sz="2800" dirty="0">
                 <a:latin typeface="Arial" charset="0"/>
               </a:rPr>
-              <a:t>. </a:t>
-            </a:r>
-            <a:r>
-              <a:rPr lang="en-US" sz="1600" i="1">
-                <a:solidFill>
-                  <a:srgbClr val="000062"/>
-                </a:solidFill>
+              <a:t>The user’s voice is received via Twilio, transcribed to text by Deepgram (STT), processed by the AI agent, converted back to speech by Deepgram (TTS), and played to the user through Twilio.</a:t>
+            </a:r>
+          </a:p>
+        </p:txBody>
+      </p:sp>
+      <p:sp>
+        <p:nvSpPr>
+          <p:cNvPr id="1052" name="Text Box 158"/>
+          <p:cNvSpPr txBox="1">
+            <a:spLocks noChangeArrowheads="1"/>
+          </p:cNvSpPr>
+          <p:nvPr/>
+        </p:nvSpPr>
+        <p:spPr bwMode="auto">
+          <a:xfrm>
+            <a:off x="33121600" y="25400000"/>
+            <a:ext cx="9889067" cy="523220"/>
+          </a:xfrm>
+          <a:prstGeom prst="rect">
+            <a:avLst/>
+          </a:prstGeom>
+          <a:noFill/>
+          <a:ln w="9525">
+            <a:noFill/>
+            <a:miter lim="800000"/>
+            <a:headEnd/>
+            <a:tailEnd/>
+          </a:ln>
+        </p:spPr>
+        <p:txBody>
+          <a:bodyPr lIns="162560" rIns="162560">
+            <a:spAutoFit/>
+          </a:bodyPr>
+          <a:lstStyle/>
+          <a:p>
+            <a:pPr algn="just" fontAlgn="b">
+              <a:spcBef>
+                <a:spcPct val="50000"/>
+              </a:spcBef>
+            </a:pPr>
+            <a:r>
+              <a:rPr lang="en-US" sz="2800" dirty="0">
+                <a:latin typeface="Arial" charset="0"/>
+                <a:cs typeface="Arial" charset="0"/>
+              </a:rPr>
+              <a:t>Hello</a:t>
+            </a:r>
+          </a:p>
+        </p:txBody>
+      </p:sp>
+      <p:sp>
+        <p:nvSpPr>
+          <p:cNvPr id="1060" name="Text Box 212"/>
+          <p:cNvSpPr txBox="1">
+            <a:spLocks noChangeArrowheads="1"/>
+          </p:cNvSpPr>
+          <p:nvPr/>
+        </p:nvSpPr>
+        <p:spPr bwMode="auto">
+          <a:xfrm>
+            <a:off x="33075096" y="9723968"/>
+            <a:ext cx="9889067" cy="1843069"/>
+          </a:xfrm>
+          <a:prstGeom prst="rect">
+            <a:avLst/>
+          </a:prstGeom>
+          <a:noFill/>
+          <a:ln w="9525">
+            <a:noFill/>
+            <a:miter lim="800000"/>
+            <a:headEnd/>
+            <a:tailEnd/>
+          </a:ln>
+        </p:spPr>
+        <p:txBody>
+          <a:bodyPr lIns="162560" rIns="162560">
+            <a:spAutoFit/>
+          </a:bodyPr>
+          <a:lstStyle/>
+          <a:p>
+            <a:pPr algn="just">
+              <a:spcBef>
+                <a:spcPct val="20000"/>
+              </a:spcBef>
+            </a:pPr>
+            <a:r>
+              <a:rPr lang="en-US" sz="2800" dirty="0">
                 <a:latin typeface="Arial" charset="0"/>
               </a:rPr>
-              <a:t>Invest Ophthalmol Vis Sci</a:t>
-            </a:r>
-            <a:r>
-              <a:rPr lang="en-US" sz="1600">
-                <a:solidFill>
-                  <a:srgbClr val="000062"/>
-                </a:solidFill>
+              <a:t>This project demonstrates that integrating modern telephony, speech recognition, and conversational AI technologies enables natural, real-time voice interactions between users and AI agents.</a:t>
+            </a:r>
+          </a:p>
+        </p:txBody>
+      </p:sp>
+      <p:sp>
+        <p:nvSpPr>
+          <p:cNvPr id="1062" name="Text Box 215"/>
+          <p:cNvSpPr txBox="1">
+            <a:spLocks noChangeArrowheads="1"/>
+          </p:cNvSpPr>
+          <p:nvPr/>
+        </p:nvSpPr>
+        <p:spPr bwMode="auto">
+          <a:xfrm>
+            <a:off x="33245778" y="18631605"/>
+            <a:ext cx="9956800" cy="475387"/>
+          </a:xfrm>
+          <a:prstGeom prst="rect">
+            <a:avLst/>
+          </a:prstGeom>
+          <a:noFill/>
+          <a:ln w="63500">
+            <a:noFill/>
+            <a:miter lim="800000"/>
+            <a:headEnd/>
+            <a:tailEnd/>
+          </a:ln>
+        </p:spPr>
+        <p:txBody>
+          <a:bodyPr lIns="162560" rIns="162560">
+            <a:spAutoFit/>
+          </a:bodyPr>
+          <a:lstStyle/>
+          <a:p>
+            <a:pPr algn="just">
+              <a:spcBef>
+                <a:spcPct val="50000"/>
+              </a:spcBef>
+            </a:pPr>
+            <a:r>
+              <a:rPr lang="en-US" sz="2489" dirty="0">
                 <a:latin typeface="Arial" charset="0"/>
               </a:rPr>
-              <a:t> 1995;36:774-86.</a:t>
-            </a:r>
-          </a:p>
-          <a:p>
-            <a:pPr marL="254003" indent="-254003" algn="just" eaLnBrk="0" hangingPunct="0">
-              <a:lnSpc>
-                <a:spcPct val="90000"/>
-              </a:lnSpc>
+              <a:t>Are required -  Standard Format. Can make smaller if needed</a:t>
+            </a:r>
+          </a:p>
+        </p:txBody>
+      </p:sp>
+      <p:sp>
+        <p:nvSpPr>
+          <p:cNvPr id="1064" name="Text Box 220"/>
+          <p:cNvSpPr txBox="1">
+            <a:spLocks noChangeArrowheads="1"/>
+          </p:cNvSpPr>
+          <p:nvPr/>
+        </p:nvSpPr>
+        <p:spPr bwMode="auto">
+          <a:xfrm>
+            <a:off x="16594666" y="23024952"/>
+            <a:ext cx="4673600" cy="475387"/>
+          </a:xfrm>
+          <a:prstGeom prst="rect">
+            <a:avLst/>
+          </a:prstGeom>
+          <a:noFill/>
+          <a:ln w="63500">
+            <a:noFill/>
+            <a:miter lim="800000"/>
+            <a:headEnd/>
+            <a:tailEnd/>
+          </a:ln>
+        </p:spPr>
+        <p:txBody>
+          <a:bodyPr lIns="162560" rIns="162560">
+            <a:spAutoFit/>
+          </a:bodyPr>
+          <a:lstStyle/>
+          <a:p>
+            <a:pPr algn="just">
+              <a:spcBef>
+                <a:spcPct val="50000"/>
+              </a:spcBef>
             </a:pPr>
-            <a:r>
-              <a:rPr lang="en-US" sz="1600">
-                <a:solidFill>
-                  <a:srgbClr val="000062"/>
-                </a:solidFill>
-                <a:latin typeface="Arial" charset="0"/>
-              </a:rPr>
-              <a:t>, </a:t>
-            </a:r>
-          </a:p>
-        </p:txBody>
-      </p:sp>
-      <p:sp>
-        <p:nvSpPr>
-          <p:cNvPr id="2167" name="AutoShape 119"/>
+            <a:endParaRPr lang="en-US" sz="2489">
+              <a:latin typeface="Arial" charset="0"/>
+            </a:endParaRPr>
+          </a:p>
+        </p:txBody>
+      </p:sp>
+      <p:sp>
+        <p:nvSpPr>
+          <p:cNvPr id="2271" name="AutoShape 223"/>
           <p:cNvSpPr>
             <a:spLocks noChangeArrowheads="1"/>
           </p:cNvSpPr>
@@ -4819,7 +5172,7 @@
         </p:nvSpPr>
         <p:spPr bwMode="auto">
           <a:xfrm>
-            <a:off x="811390" y="8534400"/>
+            <a:off x="33245778" y="24180800"/>
             <a:ext cx="9750778" cy="812800"/>
           </a:xfrm>
           <a:prstGeom prst="roundRect">
@@ -4854,7 +5207,7 @@
             <a:r>
               <a:rPr lang="en-US" sz="3911" b="1" dirty="0">
                 <a:solidFill>
-                  <a:schemeClr val="bg1"/>
+                  <a:srgbClr val="FAFD00"/>
                 </a:solidFill>
                 <a:latin typeface="Helvetica" pitchFamily="34" charset="0"/>
               </a:rPr>
@@ -4872,71 +5225,497 @@
                 </a:effectLst>
                 <a:latin typeface="Verdana" pitchFamily="34" charset="0"/>
               </a:rPr>
-              <a:t>Abstract</a:t>
-            </a:r>
-          </a:p>
-        </p:txBody>
-      </p:sp>
-      <p:sp>
-        <p:nvSpPr>
-          <p:cNvPr id="1040" name="Text Box 127"/>
-          <p:cNvSpPr txBox="1">
-            <a:spLocks noChangeArrowheads="1"/>
-          </p:cNvSpPr>
+              <a:t>Acknowledgements</a:t>
+            </a:r>
+          </a:p>
+        </p:txBody>
+      </p:sp>
+      <p:sp>
+        <p:nvSpPr>
+          <p:cNvPr id="68" name="TextBox 67"/>
+          <p:cNvSpPr txBox="1"/>
           <p:nvPr/>
         </p:nvSpPr>
-        <p:spPr bwMode="auto">
+        <p:spPr>
           <a:xfrm>
-            <a:off x="812800" y="9821333"/>
-            <a:ext cx="9750778" cy="912942"/>
+            <a:off x="12728905" y="5913494"/>
+            <a:ext cx="18433388" cy="861774"/>
           </a:xfrm>
           <a:prstGeom prst="rect">
             <a:avLst/>
           </a:prstGeom>
           <a:noFill/>
-          <a:ln w="9525">
-            <a:noFill/>
-            <a:miter lim="800000"/>
-            <a:headEnd/>
-            <a:tailEnd/>
-          </a:ln>
-        </p:spPr>
-        <p:txBody>
-          <a:bodyPr lIns="162560" rIns="162560">
+        </p:spPr>
+        <p:txBody>
+          <a:bodyPr wrap="square">
             <a:spAutoFit/>
           </a:bodyPr>
           <a:lstStyle/>
           <a:p>
-            <a:pPr algn="just">
-              <a:spcBef>
-                <a:spcPct val="50000"/>
-              </a:spcBef>
+            <a:pPr algn="ctr">
+              <a:defRPr/>
             </a:pPr>
-            <a:endParaRPr lang="en-US" sz="2133">
+            <a:r>
+              <a:rPr lang="en-US" sz="5000" dirty="0">
+                <a:effectLst>
+                  <a:outerShdw blurRad="50800" dist="25400" dir="5400000" algn="t" rotWithShape="0">
+                    <a:schemeClr val="accent6">
+                      <a:alpha val="40000"/>
+                    </a:schemeClr>
+                  </a:outerShdw>
+                </a:effectLst>
+                <a:latin typeface="Verdana" pitchFamily="34" charset="0"/>
+                <a:cs typeface="Arial" pitchFamily="34" charset="0"/>
+              </a:rPr>
+              <a:t>Rafael Olmedo*, Javier De La Rosa**, Paul Rad**</a:t>
+            </a:r>
+          </a:p>
+        </p:txBody>
+      </p:sp>
+      <p:sp>
+        <p:nvSpPr>
+          <p:cNvPr id="2" name="TextBox 1">
+            <a:extLst>
+              <a:ext uri="{FF2B5EF4-FFF2-40B4-BE49-F238E27FC236}">
+                <a16:creationId xmlns:a16="http://schemas.microsoft.com/office/drawing/2014/main" id="{EC286AC7-0120-6783-9D62-E28DAF986306}"/>
+              </a:ext>
+            </a:extLst>
+          </p:cNvPr>
+          <p:cNvSpPr txBox="1"/>
+          <p:nvPr/>
+        </p:nvSpPr>
+        <p:spPr>
+          <a:xfrm>
+            <a:off x="13013363" y="6789684"/>
+            <a:ext cx="17864472" cy="1323439"/>
+          </a:xfrm>
+          <a:prstGeom prst="rect">
+            <a:avLst/>
+          </a:prstGeom>
+          <a:noFill/>
+        </p:spPr>
+        <p:txBody>
+          <a:bodyPr wrap="square">
+            <a:spAutoFit/>
+          </a:bodyPr>
+          <a:lstStyle/>
+          <a:p>
+            <a:pPr>
+              <a:defRPr/>
+            </a:pPr>
+            <a:r>
+              <a:rPr lang="en-US" sz="4000" dirty="0">
+                <a:effectLst>
+                  <a:outerShdw blurRad="50800" dist="25400" dir="5400000" algn="t" rotWithShape="0">
+                    <a:schemeClr val="accent6">
+                      <a:alpha val="40000"/>
+                    </a:schemeClr>
+                  </a:outerShdw>
+                </a:effectLst>
+                <a:latin typeface="Verdana" pitchFamily="34" charset="0"/>
+                <a:cs typeface="Arial" pitchFamily="34" charset="0"/>
+              </a:rPr>
+              <a:t>* Master of Applied Artificial Intelligence – Tecnológico de Monterrey</a:t>
+            </a:r>
+          </a:p>
+          <a:p>
+            <a:pPr>
+              <a:defRPr/>
+            </a:pPr>
+            <a:r>
+              <a:rPr lang="en-US" sz="4000" dirty="0">
+                <a:effectLst>
+                  <a:outerShdw blurRad="50800" dist="25400" dir="5400000" algn="t" rotWithShape="0">
+                    <a:schemeClr val="accent6">
+                      <a:alpha val="40000"/>
+                    </a:schemeClr>
+                  </a:outerShdw>
+                </a:effectLst>
+                <a:latin typeface="Verdana" pitchFamily="34" charset="0"/>
+                <a:cs typeface="Arial" pitchFamily="34" charset="0"/>
+              </a:rPr>
+              <a:t>** School of Data Science – The University of Texas at San Antonio</a:t>
+            </a:r>
+          </a:p>
+        </p:txBody>
+      </p:sp>
+      <p:pic>
+        <p:nvPicPr>
+          <p:cNvPr id="6" name="Picture 5" descr="A close-up of a logo&#10;&#10;AI-generated content may be incorrect.">
+            <a:extLst>
+              <a:ext uri="{FF2B5EF4-FFF2-40B4-BE49-F238E27FC236}">
+                <a16:creationId xmlns:a16="http://schemas.microsoft.com/office/drawing/2014/main" id="{30E5E28F-8B1D-4196-50CF-39F58092DBBE}"/>
+              </a:ext>
+            </a:extLst>
+          </p:cNvPr>
+          <p:cNvPicPr>
+            <a:picLocks noChangeAspect="1"/>
+          </p:cNvPicPr>
+          <p:nvPr/>
+        </p:nvPicPr>
+        <p:blipFill>
+          <a:blip r:embed="rId3">
+            <a:extLst>
+              <a:ext uri="{28A0092B-C50C-407E-A947-70E740481C1C}">
+                <a14:useLocalDpi xmlns:a14="http://schemas.microsoft.com/office/drawing/2010/main" val="0"/>
+              </a:ext>
+            </a:extLst>
+          </a:blip>
+          <a:stretch>
+            <a:fillRect/>
+          </a:stretch>
+        </p:blipFill>
+        <p:spPr>
+          <a:xfrm>
+            <a:off x="35003179" y="2047440"/>
+            <a:ext cx="5450037" cy="5450037"/>
+          </a:xfrm>
+          <a:prstGeom prst="rect">
+            <a:avLst/>
+          </a:prstGeom>
+        </p:spPr>
+      </p:pic>
+      <p:pic>
+        <p:nvPicPr>
+          <p:cNvPr id="8" name="Picture 7" descr="A blue and white logo&#10;&#10;AI-generated content may be incorrect.">
+            <a:extLst>
+              <a:ext uri="{FF2B5EF4-FFF2-40B4-BE49-F238E27FC236}">
+                <a16:creationId xmlns:a16="http://schemas.microsoft.com/office/drawing/2014/main" id="{3860810B-13E2-7E56-3ABA-DA7EA511821B}"/>
+              </a:ext>
+            </a:extLst>
+          </p:cNvPr>
+          <p:cNvPicPr>
+            <a:picLocks noChangeAspect="1"/>
+          </p:cNvPicPr>
+          <p:nvPr/>
+        </p:nvPicPr>
+        <p:blipFill>
+          <a:blip r:embed="rId4">
+            <a:extLst>
+              <a:ext uri="{28A0092B-C50C-407E-A947-70E740481C1C}">
+                <a14:useLocalDpi xmlns:a14="http://schemas.microsoft.com/office/drawing/2010/main" val="0"/>
+              </a:ext>
+            </a:extLst>
+          </a:blip>
+          <a:stretch>
+            <a:fillRect/>
+          </a:stretch>
+        </p:blipFill>
+        <p:spPr>
+          <a:xfrm>
+            <a:off x="3304573" y="2490851"/>
+            <a:ext cx="4563216" cy="4563216"/>
+          </a:xfrm>
+          <a:prstGeom prst="rect">
+            <a:avLst/>
+          </a:prstGeom>
+        </p:spPr>
+      </p:pic>
+      <p:sp>
+        <p:nvSpPr>
+          <p:cNvPr id="15" name="Rectangle 14">
+            <a:extLst>
+              <a:ext uri="{FF2B5EF4-FFF2-40B4-BE49-F238E27FC236}">
+                <a16:creationId xmlns:a16="http://schemas.microsoft.com/office/drawing/2014/main" id="{0873D29B-0E20-A717-6D11-CEF4B21C4B7C}"/>
+              </a:ext>
+            </a:extLst>
+          </p:cNvPr>
+          <p:cNvSpPr/>
+          <p:nvPr/>
+        </p:nvSpPr>
+        <p:spPr>
+          <a:xfrm>
+            <a:off x="11548299" y="20689949"/>
+            <a:ext cx="655970" cy="812800"/>
+          </a:xfrm>
+          <a:prstGeom prst="rect">
+            <a:avLst/>
+          </a:prstGeom>
+          <a:solidFill>
+            <a:srgbClr val="FCBFBB"/>
+          </a:solidFill>
+          <a:ln/>
+        </p:spPr>
+        <p:style>
+          <a:lnRef idx="1">
+            <a:schemeClr val="accent6"/>
+          </a:lnRef>
+          <a:fillRef idx="2">
+            <a:schemeClr val="accent6"/>
+          </a:fillRef>
+          <a:effectRef idx="1">
+            <a:schemeClr val="accent6"/>
+          </a:effectRef>
+          <a:fontRef idx="minor">
+            <a:schemeClr val="dk1"/>
+          </a:fontRef>
+        </p:style>
+        <p:txBody>
+          <a:bodyPr rtlCol="0" anchor="ctr"/>
+          <a:lstStyle/>
+          <a:p>
+            <a:pPr algn="ctr"/>
+            <a:r>
+              <a:rPr lang="en-MX" sz="2800" dirty="0">
+                <a:ln w="0"/>
+                <a:solidFill>
+                  <a:schemeClr val="tx1"/>
+                </a:solidFill>
+                <a:effectLst>
+                  <a:outerShdw blurRad="38100" dist="19050" dir="2700000" algn="tl" rotWithShape="0">
+                    <a:schemeClr val="dk1">
+                      <a:alpha val="40000"/>
+                    </a:schemeClr>
+                  </a:outerShdw>
+                </a:effectLst>
+                <a:latin typeface="Arial" panose="020B0604020202020204" pitchFamily="34" charset="0"/>
+                <a:cs typeface="Arial" panose="020B0604020202020204" pitchFamily="34" charset="0"/>
+              </a:rPr>
+              <a:t>Hi</a:t>
+            </a:r>
+          </a:p>
+        </p:txBody>
+      </p:sp>
+      <p:sp>
+        <p:nvSpPr>
+          <p:cNvPr id="16" name="Rectangle 15">
+            <a:extLst>
+              <a:ext uri="{FF2B5EF4-FFF2-40B4-BE49-F238E27FC236}">
+                <a16:creationId xmlns:a16="http://schemas.microsoft.com/office/drawing/2014/main" id="{6DE13110-2E0B-0E67-E942-D1079C23676E}"/>
+              </a:ext>
+            </a:extLst>
+          </p:cNvPr>
+          <p:cNvSpPr/>
+          <p:nvPr/>
+        </p:nvSpPr>
+        <p:spPr>
+          <a:xfrm>
+            <a:off x="17751928" y="20906228"/>
+            <a:ext cx="14353671" cy="1578122"/>
+          </a:xfrm>
+          <a:prstGeom prst="rect">
+            <a:avLst/>
+          </a:prstGeom>
+          <a:solidFill>
+            <a:schemeClr val="accent5">
+              <a:lumMod val="40000"/>
+              <a:lumOff val="60000"/>
+            </a:schemeClr>
+          </a:solidFill>
+          <a:ln/>
+        </p:spPr>
+        <p:style>
+          <a:lnRef idx="1">
+            <a:schemeClr val="accent6"/>
+          </a:lnRef>
+          <a:fillRef idx="2">
+            <a:schemeClr val="accent6"/>
+          </a:fillRef>
+          <a:effectRef idx="1">
+            <a:schemeClr val="accent6"/>
+          </a:effectRef>
+          <a:fontRef idx="minor">
+            <a:schemeClr val="dk1"/>
+          </a:fontRef>
+        </p:style>
+        <p:txBody>
+          <a:bodyPr rtlCol="0" anchor="ctr"/>
+          <a:lstStyle/>
+          <a:p>
+            <a:pPr algn="just"/>
+            <a:r>
+              <a:rPr lang="en-US" sz="2800" dirty="0">
+                <a:ln w="0"/>
+                <a:solidFill>
+                  <a:schemeClr val="tx1"/>
+                </a:solidFill>
+                <a:effectLst>
+                  <a:outerShdw blurRad="38100" dist="19050" dir="2700000" algn="tl" rotWithShape="0">
+                    <a:schemeClr val="dk1">
+                      <a:alpha val="40000"/>
+                    </a:schemeClr>
+                  </a:outerShdw>
+                </a:effectLst>
+                <a:latin typeface="Arial" panose="020B0604020202020204" pitchFamily="34" charset="0"/>
+                <a:cs typeface="Arial" panose="020B0604020202020204" pitchFamily="34" charset="0"/>
+              </a:rPr>
+              <a:t>Hi! I hope you're having a great day. I’ll be happy to help you with the IT Service Ticket Form. To get things started, could you please provide me with your first name, last name, and birth date? Once we have that, we'll move right along with the rest of the form.</a:t>
+            </a:r>
+            <a:endParaRPr lang="en-MX" sz="2800" dirty="0">
+              <a:ln w="0"/>
               <a:solidFill>
-                <a:srgbClr val="000062"/>
+                <a:schemeClr val="tx1"/>
               </a:solidFill>
-              <a:latin typeface="Arial" charset="0"/>
+              <a:effectLst>
+                <a:outerShdw blurRad="38100" dist="19050" dir="2700000" algn="tl" rotWithShape="0">
+                  <a:schemeClr val="dk1">
+                    <a:alpha val="40000"/>
+                  </a:schemeClr>
+                </a:outerShdw>
+              </a:effectLst>
+              <a:latin typeface="Arial" panose="020B0604020202020204" pitchFamily="34" charset="0"/>
+              <a:cs typeface="Arial" panose="020B0604020202020204" pitchFamily="34" charset="0"/>
             </a:endParaRPr>
           </a:p>
-          <a:p>
-            <a:pPr algn="just">
-              <a:spcBef>
-                <a:spcPct val="50000"/>
-              </a:spcBef>
-            </a:pPr>
-            <a:endParaRPr lang="en-US" sz="2133">
+        </p:txBody>
+      </p:sp>
+      <p:sp>
+        <p:nvSpPr>
+          <p:cNvPr id="17" name="Rectangle 16">
+            <a:extLst>
+              <a:ext uri="{FF2B5EF4-FFF2-40B4-BE49-F238E27FC236}">
+                <a16:creationId xmlns:a16="http://schemas.microsoft.com/office/drawing/2014/main" id="{0C9680E9-FAA1-B222-6650-DB87309B94F5}"/>
+              </a:ext>
+            </a:extLst>
+          </p:cNvPr>
+          <p:cNvSpPr/>
+          <p:nvPr/>
+        </p:nvSpPr>
+        <p:spPr>
+          <a:xfrm>
+            <a:off x="17751927" y="22942901"/>
+            <a:ext cx="14353671" cy="1131640"/>
+          </a:xfrm>
+          <a:prstGeom prst="rect">
+            <a:avLst/>
+          </a:prstGeom>
+          <a:solidFill>
+            <a:schemeClr val="accent5">
+              <a:lumMod val="40000"/>
+              <a:lumOff val="60000"/>
+            </a:schemeClr>
+          </a:solidFill>
+          <a:ln/>
+        </p:spPr>
+        <p:style>
+          <a:lnRef idx="1">
+            <a:schemeClr val="accent6"/>
+          </a:lnRef>
+          <a:fillRef idx="2">
+            <a:schemeClr val="accent6"/>
+          </a:fillRef>
+          <a:effectRef idx="1">
+            <a:schemeClr val="accent6"/>
+          </a:effectRef>
+          <a:fontRef idx="minor">
+            <a:schemeClr val="dk1"/>
+          </a:fontRef>
+        </p:style>
+        <p:txBody>
+          <a:bodyPr rtlCol="0" anchor="ctr"/>
+          <a:lstStyle/>
+          <a:p>
+            <a:pPr algn="just"/>
+            <a:r>
+              <a:rPr lang="en-US" sz="2800" dirty="0">
+                <a:ln w="0"/>
+                <a:solidFill>
+                  <a:schemeClr val="tx1"/>
+                </a:solidFill>
+                <a:effectLst>
+                  <a:outerShdw blurRad="38100" dist="19050" dir="2700000" algn="tl" rotWithShape="0">
+                    <a:schemeClr val="dk1">
+                      <a:alpha val="40000"/>
+                    </a:schemeClr>
+                  </a:outerShdw>
+                </a:effectLst>
+                <a:latin typeface="Arial" panose="020B0604020202020204" pitchFamily="34" charset="0"/>
+                <a:cs typeface="Arial" panose="020B0604020202020204" pitchFamily="34" charset="0"/>
+              </a:rPr>
+              <a:t>Great, thanks for that information, Peter! Now let’s move on to the next part. Could you please provide your email address?</a:t>
+            </a:r>
+            <a:endParaRPr lang="en-MX" sz="2800" dirty="0">
+              <a:ln w="0"/>
               <a:solidFill>
-                <a:srgbClr val="000062"/>
+                <a:schemeClr val="tx1"/>
               </a:solidFill>
-              <a:latin typeface="Arial" charset="0"/>
+              <a:effectLst>
+                <a:outerShdw blurRad="38100" dist="19050" dir="2700000" algn="tl" rotWithShape="0">
+                  <a:schemeClr val="dk1">
+                    <a:alpha val="40000"/>
+                  </a:schemeClr>
+                </a:outerShdw>
+              </a:effectLst>
+              <a:latin typeface="Arial" panose="020B0604020202020204" pitchFamily="34" charset="0"/>
+              <a:cs typeface="Arial" panose="020B0604020202020204" pitchFamily="34" charset="0"/>
             </a:endParaRPr>
           </a:p>
         </p:txBody>
       </p:sp>
       <p:sp>
         <p:nvSpPr>
-          <p:cNvPr id="1041" name="Rectangle 129"/>
+          <p:cNvPr id="18" name="Rectangle 17">
+            <a:extLst>
+              <a:ext uri="{FF2B5EF4-FFF2-40B4-BE49-F238E27FC236}">
+                <a16:creationId xmlns:a16="http://schemas.microsoft.com/office/drawing/2014/main" id="{EC68989E-716B-E6B1-FFD1-1101FF47EEBF}"/>
+              </a:ext>
+            </a:extLst>
+          </p:cNvPr>
+          <p:cNvSpPr/>
+          <p:nvPr/>
+        </p:nvSpPr>
+        <p:spPr>
+          <a:xfrm>
+            <a:off x="11507066" y="22219655"/>
+            <a:ext cx="3433232" cy="1042990"/>
+          </a:xfrm>
+          <a:prstGeom prst="rect">
+            <a:avLst/>
+          </a:prstGeom>
+          <a:solidFill>
+            <a:srgbClr val="FCBFBB"/>
+          </a:solidFill>
+          <a:ln/>
+        </p:spPr>
+        <p:style>
+          <a:lnRef idx="1">
+            <a:schemeClr val="accent6"/>
+          </a:lnRef>
+          <a:fillRef idx="2">
+            <a:schemeClr val="accent6"/>
+          </a:fillRef>
+          <a:effectRef idx="1">
+            <a:schemeClr val="accent6"/>
+          </a:effectRef>
+          <a:fontRef idx="minor">
+            <a:schemeClr val="dk1"/>
+          </a:fontRef>
+        </p:style>
+        <p:txBody>
+          <a:bodyPr rtlCol="0" anchor="ctr"/>
+          <a:lstStyle/>
+          <a:p>
+            <a:pPr algn="just"/>
+            <a:r>
+              <a:rPr lang="en-MX" sz="2800" dirty="0">
+                <a:ln w="0"/>
+                <a:solidFill>
+                  <a:schemeClr val="tx1"/>
+                </a:solidFill>
+                <a:effectLst>
+                  <a:outerShdw blurRad="38100" dist="19050" dir="2700000" algn="tl" rotWithShape="0">
+                    <a:schemeClr val="dk1">
+                      <a:alpha val="40000"/>
+                    </a:schemeClr>
+                  </a:outerShdw>
+                </a:effectLst>
+                <a:latin typeface="Arial" panose="020B0604020202020204" pitchFamily="34" charset="0"/>
+                <a:cs typeface="Arial" panose="020B0604020202020204" pitchFamily="34" charset="0"/>
+              </a:rPr>
+              <a:t>Sure, Peter Jones, December 10, 1978</a:t>
+            </a:r>
+          </a:p>
+        </p:txBody>
+      </p:sp>
+      <p:sp>
+        <p:nvSpPr>
+          <p:cNvPr id="47" name="AutoShape 24">
+            <a:extLst>
+              <a:ext uri="{FF2B5EF4-FFF2-40B4-BE49-F238E27FC236}">
+                <a16:creationId xmlns:a16="http://schemas.microsoft.com/office/drawing/2014/main" id="{5C2586B7-9EC1-97DB-24E8-859C545616BE}"/>
+              </a:ext>
+            </a:extLst>
+          </p:cNvPr>
           <p:cNvSpPr>
             <a:spLocks noChangeArrowheads="1"/>
           </p:cNvSpPr>
@@ -4944,1496 +5723,8 @@
         </p:nvSpPr>
         <p:spPr bwMode="auto">
           <a:xfrm>
-            <a:off x="33110311" y="12135556"/>
-            <a:ext cx="9750778" cy="5396089"/>
-          </a:xfrm>
-          <a:prstGeom prst="rect">
-            <a:avLst/>
-          </a:prstGeom>
-          <a:noFill/>
-          <a:ln w="12700">
-            <a:noFill/>
-            <a:miter lim="800000"/>
-            <a:headEnd/>
-            <a:tailEnd/>
-          </a:ln>
-        </p:spPr>
-        <p:txBody>
-          <a:bodyPr lIns="16256" rIns="16256" anchor="ctr"/>
-          <a:lstStyle/>
-          <a:p>
-            <a:pPr marL="410639" indent="-410639" algn="just" defTabSz="366893" eaLnBrk="0" hangingPunct="0">
-              <a:buFontTx/>
-              <a:buChar char="•"/>
-            </a:pPr>
-            <a:endParaRPr lang="en-US" sz="2489">
-              <a:solidFill>
-                <a:srgbClr val="000066"/>
-              </a:solidFill>
-              <a:latin typeface="Arial" charset="0"/>
-            </a:endParaRPr>
-          </a:p>
-        </p:txBody>
-      </p:sp>
-      <p:sp>
-        <p:nvSpPr>
-          <p:cNvPr id="1043" name="Text Box 146"/>
-          <p:cNvSpPr txBox="1">
-            <a:spLocks noChangeArrowheads="1"/>
-          </p:cNvSpPr>
-          <p:nvPr/>
-        </p:nvSpPr>
-        <p:spPr bwMode="auto">
-          <a:xfrm>
-            <a:off x="756355" y="24712789"/>
-            <a:ext cx="9889067" cy="4032258"/>
-          </a:xfrm>
-          <a:prstGeom prst="rect">
-            <a:avLst/>
-          </a:prstGeom>
-          <a:noFill/>
-          <a:ln w="9525">
-            <a:noFill/>
-            <a:miter lim="800000"/>
-            <a:headEnd/>
-            <a:tailEnd/>
-          </a:ln>
-        </p:spPr>
-        <p:txBody>
-          <a:bodyPr wrap="square" lIns="162560" rIns="162560">
-            <a:spAutoFit/>
-          </a:bodyPr>
-          <a:lstStyle/>
-          <a:p>
-            <a:pPr algn="just">
-              <a:spcBef>
-                <a:spcPct val="50000"/>
-              </a:spcBef>
-            </a:pPr>
-            <a:r>
-              <a:rPr lang="en-US" sz="4267" b="1" dirty="0">
-                <a:latin typeface="Arial" charset="0"/>
-              </a:rPr>
-              <a:t>This poster is 36” x 54”, so it is four columns wide instead of 36” x 48” which is more standard. All Textboxes 12” wide, variable ht. </a:t>
-            </a:r>
-            <a:br>
-              <a:rPr lang="en-US" sz="4267" b="1" dirty="0">
-                <a:latin typeface="Arial" charset="0"/>
-              </a:rPr>
-            </a:br>
-            <a:r>
-              <a:rPr lang="en-US" sz="4267" b="1" dirty="0">
-                <a:latin typeface="Arial" charset="0"/>
-              </a:rPr>
-              <a:t>0.2 internal LR margins</a:t>
-            </a:r>
-            <a:br>
-              <a:rPr lang="en-US" sz="4267" b="1" dirty="0">
-                <a:latin typeface="Arial" charset="0"/>
-              </a:rPr>
-            </a:br>
-            <a:r>
-              <a:rPr lang="en-US" sz="4267" b="1" dirty="0">
-                <a:latin typeface="Arial" charset="0"/>
-              </a:rPr>
-              <a:t>0.05 internal top/bottom margins  </a:t>
-            </a:r>
-          </a:p>
-        </p:txBody>
-      </p:sp>
-      <p:sp>
-        <p:nvSpPr>
-          <p:cNvPr id="1044" name="Text Box 147"/>
-          <p:cNvSpPr txBox="1">
-            <a:spLocks noChangeArrowheads="1"/>
-          </p:cNvSpPr>
-          <p:nvPr/>
-        </p:nvSpPr>
-        <p:spPr bwMode="auto">
-          <a:xfrm>
-            <a:off x="862189" y="29048120"/>
-            <a:ext cx="9889067" cy="1186735"/>
-          </a:xfrm>
-          <a:prstGeom prst="rect">
-            <a:avLst/>
-          </a:prstGeom>
-          <a:noFill/>
-          <a:ln w="9525">
-            <a:noFill/>
-            <a:miter lim="800000"/>
-            <a:headEnd/>
-            <a:tailEnd/>
-          </a:ln>
-        </p:spPr>
-        <p:txBody>
-          <a:bodyPr lIns="162560" rIns="162560">
-            <a:spAutoFit/>
-          </a:bodyPr>
-          <a:lstStyle/>
-          <a:p>
-            <a:pPr algn="just">
-              <a:spcBef>
-                <a:spcPct val="50000"/>
-              </a:spcBef>
-            </a:pPr>
-            <a:r>
-              <a:rPr lang="en-US" sz="3556" b="1" dirty="0">
-                <a:latin typeface="Arial" charset="0"/>
-              </a:rPr>
-              <a:t>In this column, items are positioned horizontally, 1.0” from the top left corner</a:t>
-            </a:r>
-          </a:p>
-        </p:txBody>
-      </p:sp>
-      <p:sp>
-        <p:nvSpPr>
-          <p:cNvPr id="1045" name="Text Box 149"/>
-          <p:cNvSpPr txBox="1">
-            <a:spLocks noChangeArrowheads="1"/>
-          </p:cNvSpPr>
-          <p:nvPr/>
-        </p:nvSpPr>
-        <p:spPr bwMode="auto">
-          <a:xfrm>
-            <a:off x="11551233" y="27494118"/>
-            <a:ext cx="9889067" cy="2062296"/>
-          </a:xfrm>
-          <a:prstGeom prst="rect">
-            <a:avLst/>
-          </a:prstGeom>
-          <a:noFill/>
-          <a:ln w="9525">
-            <a:noFill/>
-            <a:miter lim="800000"/>
-            <a:headEnd/>
-            <a:tailEnd/>
-          </a:ln>
-        </p:spPr>
-        <p:txBody>
-          <a:bodyPr lIns="162560" rIns="162560">
-            <a:spAutoFit/>
-          </a:bodyPr>
-          <a:lstStyle/>
-          <a:p>
-            <a:pPr algn="just">
-              <a:spcBef>
-                <a:spcPct val="50000"/>
-              </a:spcBef>
-            </a:pPr>
-            <a:r>
-              <a:rPr lang="en-US" sz="4267" b="1" dirty="0">
-                <a:latin typeface="Arial" charset="0"/>
-              </a:rPr>
-              <a:t>In this column, items are positioned horizontally, 14.25” from the top left corner</a:t>
-            </a:r>
-          </a:p>
-        </p:txBody>
-      </p:sp>
-      <p:sp>
-        <p:nvSpPr>
-          <p:cNvPr id="1046" name="Text Box 151"/>
-          <p:cNvSpPr txBox="1">
-            <a:spLocks noChangeArrowheads="1"/>
-          </p:cNvSpPr>
-          <p:nvPr/>
-        </p:nvSpPr>
-        <p:spPr bwMode="auto">
-          <a:xfrm>
-            <a:off x="903112" y="23345193"/>
-            <a:ext cx="9889067" cy="1241494"/>
-          </a:xfrm>
-          <a:prstGeom prst="rect">
-            <a:avLst/>
-          </a:prstGeom>
-          <a:noFill/>
-          <a:ln w="63500">
-            <a:noFill/>
-            <a:miter lim="800000"/>
-            <a:headEnd/>
-            <a:tailEnd/>
-          </a:ln>
-        </p:spPr>
-        <p:txBody>
-          <a:bodyPr>
-            <a:spAutoFit/>
-          </a:bodyPr>
-          <a:lstStyle/>
-          <a:p>
-            <a:pPr algn="just">
-              <a:spcBef>
-                <a:spcPct val="50000"/>
-              </a:spcBef>
-            </a:pPr>
-            <a:r>
-              <a:rPr lang="en-US" sz="2489" dirty="0">
-                <a:latin typeface="Arial" charset="0"/>
-              </a:rPr>
-              <a:t>All body text 26-30 pts (28 here). I prefer Ariel or Verdana.  Nice dark color (blue or black).  No yellow.  No red or yellow on a blue background.</a:t>
-            </a:r>
-          </a:p>
-        </p:txBody>
-      </p:sp>
-      <p:sp>
-        <p:nvSpPr>
-          <p:cNvPr id="1047" name="Text Box 152"/>
-          <p:cNvSpPr txBox="1">
-            <a:spLocks noChangeArrowheads="1"/>
-          </p:cNvSpPr>
-          <p:nvPr/>
-        </p:nvSpPr>
-        <p:spPr bwMode="auto">
-          <a:xfrm>
-            <a:off x="811389" y="9685867"/>
-            <a:ext cx="9889067" cy="2773708"/>
-          </a:xfrm>
-          <a:prstGeom prst="rect">
-            <a:avLst/>
-          </a:prstGeom>
-          <a:noFill/>
-          <a:ln w="9525">
-            <a:noFill/>
-            <a:miter lim="800000"/>
-            <a:headEnd/>
-            <a:tailEnd/>
-          </a:ln>
-        </p:spPr>
-        <p:txBody>
-          <a:bodyPr lIns="162560" rIns="162560">
-            <a:spAutoFit/>
-          </a:bodyPr>
-          <a:lstStyle/>
-          <a:p>
-            <a:pPr algn="just">
-              <a:spcBef>
-                <a:spcPct val="50000"/>
-              </a:spcBef>
-            </a:pPr>
-            <a:r>
-              <a:rPr lang="en-US" sz="2489" dirty="0">
-                <a:latin typeface="Arial" charset="0"/>
-              </a:rPr>
-              <a:t>This project presents a real-time voice interaction system enabling natural conversation between users and an AI agent over Twilio. User speech is transcribed by Deepgram and processed by the AI, which generates responses that are converted to speech and played back via Twilio. This hands-free, interactive approach enables seamless AI-driven conversations for customer support, data collection, and other voice-enabled applications.</a:t>
-            </a:r>
-          </a:p>
-        </p:txBody>
-      </p:sp>
-      <p:sp>
-        <p:nvSpPr>
-          <p:cNvPr id="1049" name="Text Box 155"/>
-          <p:cNvSpPr txBox="1">
-            <a:spLocks noChangeArrowheads="1"/>
-          </p:cNvSpPr>
-          <p:nvPr/>
-        </p:nvSpPr>
-        <p:spPr bwMode="auto">
-          <a:xfrm>
-            <a:off x="812801" y="14265310"/>
-            <a:ext cx="9889067" cy="1318118"/>
-          </a:xfrm>
-          <a:prstGeom prst="rect">
-            <a:avLst/>
-          </a:prstGeom>
-          <a:noFill/>
-          <a:ln w="76200">
-            <a:noFill/>
-            <a:miter lim="800000"/>
-            <a:headEnd/>
-            <a:tailEnd/>
-          </a:ln>
-        </p:spPr>
-        <p:txBody>
-          <a:bodyPr lIns="162560" rIns="162560">
-            <a:spAutoFit/>
-          </a:bodyPr>
-          <a:lstStyle/>
-          <a:p>
-            <a:pPr algn="just">
-              <a:spcBef>
-                <a:spcPct val="20000"/>
-              </a:spcBef>
-            </a:pPr>
-            <a:r>
-              <a:rPr lang="en-US" sz="2489" dirty="0">
-                <a:latin typeface="Arial" charset="0"/>
-              </a:rPr>
-              <a:t>Make very brief.  Foundation for your work. Why you chose to study.</a:t>
-            </a:r>
-          </a:p>
-          <a:p>
-            <a:pPr algn="just">
-              <a:spcBef>
-                <a:spcPct val="20000"/>
-              </a:spcBef>
-            </a:pPr>
-            <a:r>
-              <a:rPr lang="en-US" sz="2489" dirty="0">
-                <a:latin typeface="Arial" charset="0"/>
-              </a:rPr>
-              <a:t>Equivalent of 1 double spaced 81/2x11.  Separate into easy to read paragraphs.</a:t>
-            </a:r>
-          </a:p>
-        </p:txBody>
-      </p:sp>
-      <p:sp>
-        <p:nvSpPr>
-          <p:cNvPr id="1050" name="Text Box 156"/>
-          <p:cNvSpPr txBox="1">
-            <a:spLocks noChangeArrowheads="1"/>
-          </p:cNvSpPr>
-          <p:nvPr/>
-        </p:nvSpPr>
-        <p:spPr bwMode="auto">
-          <a:xfrm>
-            <a:off x="33121600" y="28244800"/>
-            <a:ext cx="9889067" cy="2062296"/>
-          </a:xfrm>
-          <a:prstGeom prst="rect">
-            <a:avLst/>
-          </a:prstGeom>
-          <a:noFill/>
-          <a:ln w="9525">
-            <a:noFill/>
-            <a:miter lim="800000"/>
-            <a:headEnd/>
-            <a:tailEnd/>
-          </a:ln>
-        </p:spPr>
-        <p:txBody>
-          <a:bodyPr lIns="162560" rIns="162560">
-            <a:spAutoFit/>
-          </a:bodyPr>
-          <a:lstStyle/>
-          <a:p>
-            <a:pPr algn="just">
-              <a:spcBef>
-                <a:spcPct val="50000"/>
-              </a:spcBef>
-            </a:pPr>
-            <a:r>
-              <a:rPr lang="en-US" sz="4267" b="1">
-                <a:latin typeface="Arial" charset="0"/>
-              </a:rPr>
-              <a:t>In this column, items are positioned horizontally, 40.75” from the top left corner</a:t>
-            </a:r>
-          </a:p>
-        </p:txBody>
-      </p:sp>
-      <p:sp>
-        <p:nvSpPr>
-          <p:cNvPr id="1051" name="Text Box 157"/>
-          <p:cNvSpPr txBox="1">
-            <a:spLocks noChangeArrowheads="1"/>
-          </p:cNvSpPr>
-          <p:nvPr/>
-        </p:nvSpPr>
-        <p:spPr bwMode="auto">
-          <a:xfrm>
-            <a:off x="11582400" y="9753600"/>
-            <a:ext cx="9889067" cy="1241494"/>
-          </a:xfrm>
-          <a:prstGeom prst="rect">
-            <a:avLst/>
-          </a:prstGeom>
-          <a:noFill/>
-          <a:ln w="9525">
-            <a:noFill/>
-            <a:miter lim="800000"/>
-            <a:headEnd/>
-            <a:tailEnd/>
-          </a:ln>
-        </p:spPr>
-        <p:txBody>
-          <a:bodyPr lIns="162560" rIns="162560">
-            <a:spAutoFit/>
-          </a:bodyPr>
-          <a:lstStyle/>
-          <a:p>
-            <a:pPr algn="just">
-              <a:spcBef>
-                <a:spcPct val="50000"/>
-              </a:spcBef>
-            </a:pPr>
-            <a:r>
-              <a:rPr lang="en-US" sz="2489">
-                <a:latin typeface="Arial" charset="0"/>
-              </a:rPr>
-              <a:t>Can include summary figure; flow chart, image, photographs.  Can bullet to shorten.  Few words as possible. sure to include</a:t>
-            </a:r>
-            <a:r>
-              <a:rPr lang="en-US" sz="2489">
-                <a:latin typeface="Arial" charset="0"/>
-                <a:cs typeface="Arial" charset="0"/>
-              </a:rPr>
-              <a:t> subjects, experimental design, statistical methods, drugs and equipment used</a:t>
-            </a:r>
-            <a:endParaRPr lang="en-US" sz="2489">
-              <a:latin typeface="Arial" charset="0"/>
-            </a:endParaRPr>
-          </a:p>
-        </p:txBody>
-      </p:sp>
-      <p:sp>
-        <p:nvSpPr>
-          <p:cNvPr id="1052" name="Text Box 158"/>
-          <p:cNvSpPr txBox="1">
-            <a:spLocks noChangeArrowheads="1"/>
-          </p:cNvSpPr>
-          <p:nvPr/>
-        </p:nvSpPr>
-        <p:spPr bwMode="auto">
-          <a:xfrm>
-            <a:off x="33121600" y="25400000"/>
-            <a:ext cx="9889067" cy="2199128"/>
-          </a:xfrm>
-          <a:prstGeom prst="rect">
-            <a:avLst/>
-          </a:prstGeom>
-          <a:noFill/>
-          <a:ln w="9525">
-            <a:noFill/>
-            <a:miter lim="800000"/>
-            <a:headEnd/>
-            <a:tailEnd/>
-          </a:ln>
-        </p:spPr>
-        <p:txBody>
-          <a:bodyPr lIns="162560" rIns="162560">
-            <a:spAutoFit/>
-          </a:bodyPr>
-          <a:lstStyle/>
-          <a:p>
-            <a:pPr algn="just" fontAlgn="b">
-              <a:spcBef>
-                <a:spcPct val="50000"/>
-              </a:spcBef>
-            </a:pPr>
-            <a:r>
-              <a:rPr lang="en-US" sz="2489" b="1" dirty="0">
-                <a:latin typeface="Arial" charset="0"/>
-                <a:cs typeface="Arial" charset="0"/>
-              </a:rPr>
-              <a:t>Funding Organization/Agency/Source &amp; Acknowledgements, possible conflicts of interest </a:t>
-            </a:r>
-            <a:r>
-              <a:rPr lang="en-US" sz="2489" dirty="0">
-                <a:latin typeface="Arial" charset="0"/>
-                <a:cs typeface="Arial" charset="0"/>
-              </a:rPr>
-              <a:t>- usually placed at the bottom right of the poster. One paragraph (short).  Can make smaller if needed.</a:t>
-            </a:r>
-          </a:p>
-          <a:p>
-            <a:pPr algn="just" fontAlgn="b">
-              <a:spcBef>
-                <a:spcPct val="50000"/>
-              </a:spcBef>
-            </a:pPr>
-            <a:r>
-              <a:rPr lang="en-US" sz="2489" dirty="0">
-                <a:latin typeface="Arial" charset="0"/>
-                <a:cs typeface="Arial" charset="0"/>
-              </a:rPr>
-              <a:t>Partially funded by the Department of Education Ronald E. McNair Scholars Grant at the University of Texas at San Antonio.</a:t>
-            </a:r>
-          </a:p>
-        </p:txBody>
-      </p:sp>
-      <p:sp>
-        <p:nvSpPr>
-          <p:cNvPr id="1053" name="Text Box 160"/>
-          <p:cNvSpPr txBox="1">
-            <a:spLocks noChangeArrowheads="1"/>
-          </p:cNvSpPr>
-          <p:nvPr/>
-        </p:nvSpPr>
-        <p:spPr bwMode="auto">
-          <a:xfrm>
-            <a:off x="11582400" y="20519702"/>
-            <a:ext cx="9956800" cy="6412718"/>
-          </a:xfrm>
-          <a:prstGeom prst="rect">
-            <a:avLst/>
-          </a:prstGeom>
-          <a:noFill/>
-          <a:ln w="63500">
-            <a:noFill/>
-            <a:miter lim="800000"/>
-            <a:headEnd/>
-            <a:tailEnd/>
-          </a:ln>
-        </p:spPr>
-        <p:txBody>
-          <a:bodyPr lIns="162560" rIns="162560">
-            <a:spAutoFit/>
-          </a:bodyPr>
-          <a:lstStyle/>
-          <a:p>
-            <a:pPr algn="just">
-              <a:spcBef>
-                <a:spcPct val="50000"/>
-              </a:spcBef>
-            </a:pPr>
-            <a:r>
-              <a:rPr lang="en-US" sz="2489" dirty="0">
-                <a:latin typeface="Arial" charset="0"/>
-              </a:rPr>
-              <a:t>Figure Based.  Put words to explain figures so that they can stand alone.  Try using figures/graphs most, because they convey the most information.  If you use a table, you must add in words near it to explain it and its significance.</a:t>
-            </a:r>
-          </a:p>
-          <a:p>
-            <a:pPr algn="just">
-              <a:spcBef>
-                <a:spcPct val="50000"/>
-              </a:spcBef>
-            </a:pPr>
-            <a:r>
-              <a:rPr lang="en-US" sz="2489" dirty="0">
-                <a:latin typeface="Arial" charset="0"/>
-              </a:rPr>
-              <a:t>Manipulate images/photographs outside of PowerPoint (Photoshop, </a:t>
-            </a:r>
-            <a:r>
-              <a:rPr lang="en-US" sz="2489" dirty="0" err="1">
-                <a:latin typeface="Arial" charset="0"/>
-              </a:rPr>
-              <a:t>etc</a:t>
-            </a:r>
-            <a:r>
-              <a:rPr lang="en-US" sz="2489" dirty="0">
-                <a:latin typeface="Arial" charset="0"/>
-              </a:rPr>
-              <a:t>).  Try not to resize within PowerPoint, because of possible printing problems.  They should be at 240 dots per inch (dpi, pixels) and of the correct size.  They should be .jpg, .bmp, .</a:t>
-            </a:r>
-            <a:r>
-              <a:rPr lang="en-US" sz="2489" dirty="0" err="1">
-                <a:latin typeface="Arial" charset="0"/>
-              </a:rPr>
-              <a:t>tif</a:t>
-            </a:r>
-            <a:r>
-              <a:rPr lang="en-US" sz="2489" dirty="0">
-                <a:latin typeface="Arial" charset="0"/>
-              </a:rPr>
-              <a:t>, or .gif format.</a:t>
-            </a:r>
-          </a:p>
-          <a:p>
-            <a:pPr algn="just">
-              <a:spcBef>
-                <a:spcPct val="50000"/>
-              </a:spcBef>
-            </a:pPr>
-            <a:r>
-              <a:rPr lang="en-US" sz="2489" dirty="0">
-                <a:latin typeface="Arial" charset="0"/>
-              </a:rPr>
-              <a:t>Excel graphs can be copied from within Excel and dropped into place.  They can be stretched and reshaped with no trouble from within PowerPoint.  Click once on them </a:t>
-            </a:r>
-            <a:r>
-              <a:rPr lang="en-US" sz="2489" dirty="0" err="1">
-                <a:latin typeface="Arial" charset="0"/>
-              </a:rPr>
-              <a:t>them</a:t>
-            </a:r>
-            <a:r>
-              <a:rPr lang="en-US" sz="2489" dirty="0">
-                <a:latin typeface="Arial" charset="0"/>
-              </a:rPr>
-              <a:t> to manipulate or format them (if you click twice, you get a spread sheet).  If you click on their corner then hold down the shift key, you will increase them proportionally, and not get odd-looking skinny or squashed lettering. </a:t>
-            </a:r>
-          </a:p>
-          <a:p>
-            <a:pPr algn="just">
-              <a:spcBef>
-                <a:spcPct val="50000"/>
-              </a:spcBef>
-            </a:pPr>
-            <a:r>
-              <a:rPr lang="en-US" sz="2489" dirty="0">
-                <a:latin typeface="Arial" charset="0"/>
-              </a:rPr>
-              <a:t>Tables from Excel or Word can also be manipulated.  </a:t>
-            </a:r>
-          </a:p>
-        </p:txBody>
-      </p:sp>
-      <p:sp>
-        <p:nvSpPr>
-          <p:cNvPr id="1054" name="Text Box 178"/>
-          <p:cNvSpPr txBox="1">
-            <a:spLocks noChangeArrowheads="1"/>
-          </p:cNvSpPr>
-          <p:nvPr/>
-        </p:nvSpPr>
-        <p:spPr bwMode="auto">
-          <a:xfrm>
-            <a:off x="856546" y="15895937"/>
-            <a:ext cx="9889067" cy="4880503"/>
-          </a:xfrm>
-          <a:prstGeom prst="rect">
-            <a:avLst/>
-          </a:prstGeom>
-          <a:noFill/>
-          <a:ln w="63500">
-            <a:noFill/>
-            <a:miter lim="800000"/>
-            <a:headEnd/>
-            <a:tailEnd/>
-          </a:ln>
-        </p:spPr>
-        <p:txBody>
-          <a:bodyPr lIns="162560" rIns="162560">
-            <a:spAutoFit/>
-          </a:bodyPr>
-          <a:lstStyle/>
-          <a:p>
-            <a:pPr algn="just">
-              <a:spcBef>
-                <a:spcPct val="50000"/>
-              </a:spcBef>
-            </a:pPr>
-            <a:r>
-              <a:rPr lang="en-US" sz="2489" dirty="0">
-                <a:latin typeface="Arial" charset="0"/>
-              </a:rPr>
-              <a:t>Hint 1. To make the objects in one area move as a group, highlight them all by holding down the shift key and clicking on them consecutively.  Then go to the draw button and choose group.  They should now move together. If you have images on a background, do not resize by stretching the whole item; ungroup first and resize the background.  Before you turn it in for printing, please ungroup everything.</a:t>
-            </a:r>
-          </a:p>
-          <a:p>
-            <a:pPr algn="just">
-              <a:spcBef>
-                <a:spcPct val="50000"/>
-              </a:spcBef>
-            </a:pPr>
-            <a:r>
-              <a:rPr lang="en-US" sz="2489" dirty="0">
-                <a:latin typeface="Arial" charset="0"/>
-              </a:rPr>
-              <a:t>Hint 2.  When you want to move something, but want to maintain either its horizontal or vertical position (ex., moving down one of the heading boxes), hold down the shift key, click on the item and drag it.  The first direction you move (</a:t>
-            </a:r>
-            <a:r>
-              <a:rPr lang="en-US" sz="2489" dirty="0" err="1">
-                <a:latin typeface="Arial" charset="0"/>
-              </a:rPr>
-              <a:t>horiz</a:t>
-            </a:r>
-            <a:r>
-              <a:rPr lang="en-US" sz="2489" dirty="0">
-                <a:latin typeface="Arial" charset="0"/>
-              </a:rPr>
-              <a:t>. or vert.) will be the only way that it can go…no diagonal.  </a:t>
-            </a:r>
-          </a:p>
-        </p:txBody>
-      </p:sp>
-      <p:sp>
-        <p:nvSpPr>
-          <p:cNvPr id="1055" name="Text Box 171"/>
-          <p:cNvSpPr txBox="1">
-            <a:spLocks noChangeArrowheads="1"/>
-          </p:cNvSpPr>
-          <p:nvPr/>
-        </p:nvSpPr>
-        <p:spPr bwMode="auto">
-          <a:xfrm>
-            <a:off x="22352000" y="28380267"/>
-            <a:ext cx="9956800" cy="1077026"/>
-          </a:xfrm>
-          <a:prstGeom prst="rect">
-            <a:avLst/>
-          </a:prstGeom>
-          <a:solidFill>
-            <a:schemeClr val="bg1"/>
-          </a:solidFill>
-          <a:ln w="9525">
-            <a:solidFill>
-              <a:srgbClr val="000000"/>
-            </a:solidFill>
-            <a:miter lim="800000"/>
-            <a:headEnd/>
-            <a:tailEnd/>
-          </a:ln>
-        </p:spPr>
-        <p:txBody>
-          <a:bodyPr>
-            <a:spAutoFit/>
-          </a:bodyPr>
-          <a:lstStyle/>
-          <a:p>
-            <a:pPr algn="just">
-              <a:spcBef>
-                <a:spcPct val="50000"/>
-              </a:spcBef>
-            </a:pPr>
-            <a:r>
-              <a:rPr lang="en-US" sz="2133">
-                <a:latin typeface="Arial" charset="0"/>
-              </a:rPr>
-              <a:t>Figure 3.  Progressive shrinkage of tumor size over 1 mo. with treatment of high dose compound X ((p&lt;0.01). Tumors in carrier-injected controls significantly (p&lt;0.01) increased in size over the same time.  n = 5 at all time points.</a:t>
-            </a:r>
-          </a:p>
-        </p:txBody>
-      </p:sp>
-      <p:sp>
-        <p:nvSpPr>
-          <p:cNvPr id="1056" name="Text Box 183"/>
-          <p:cNvSpPr txBox="1">
-            <a:spLocks noChangeArrowheads="1"/>
-          </p:cNvSpPr>
-          <p:nvPr/>
-        </p:nvSpPr>
-        <p:spPr bwMode="auto">
-          <a:xfrm>
-            <a:off x="23842133" y="20387734"/>
-            <a:ext cx="6637867" cy="530017"/>
-          </a:xfrm>
-          <a:prstGeom prst="rect">
-            <a:avLst/>
-          </a:prstGeom>
-          <a:solidFill>
-            <a:schemeClr val="bg1"/>
-          </a:solidFill>
-          <a:ln w="9525">
-            <a:solidFill>
-              <a:schemeClr val="tx1"/>
-            </a:solidFill>
-            <a:miter lim="800000"/>
-            <a:headEnd/>
-            <a:tailEnd/>
-          </a:ln>
-        </p:spPr>
-        <p:txBody>
-          <a:bodyPr>
-            <a:spAutoFit/>
-          </a:bodyPr>
-          <a:lstStyle/>
-          <a:p>
-            <a:pPr algn="ctr">
-              <a:spcBef>
-                <a:spcPct val="50000"/>
-              </a:spcBef>
-            </a:pPr>
-            <a:r>
-              <a:rPr lang="en-US" sz="2844" b="1">
-                <a:solidFill>
-                  <a:srgbClr val="990099"/>
-                </a:solidFill>
-                <a:latin typeface="Arial" charset="0"/>
-              </a:rPr>
-              <a:t>Time Course of Tumor Reduction</a:t>
-            </a:r>
-          </a:p>
-        </p:txBody>
-      </p:sp>
-      <p:sp>
-        <p:nvSpPr>
-          <p:cNvPr id="1057" name="Text Box 162"/>
-          <p:cNvSpPr txBox="1">
-            <a:spLocks noChangeArrowheads="1"/>
-          </p:cNvSpPr>
-          <p:nvPr/>
-        </p:nvSpPr>
-        <p:spPr bwMode="auto">
-          <a:xfrm>
-            <a:off x="11717867" y="11040533"/>
-            <a:ext cx="9618133" cy="858440"/>
-          </a:xfrm>
-          <a:prstGeom prst="rect">
-            <a:avLst/>
-          </a:prstGeom>
-          <a:solidFill>
-            <a:schemeClr val="bg1"/>
-          </a:solidFill>
-          <a:ln w="9525">
-            <a:solidFill>
-              <a:schemeClr val="bg1"/>
-            </a:solidFill>
-            <a:miter lim="800000"/>
-            <a:headEnd/>
-            <a:tailEnd/>
-          </a:ln>
-        </p:spPr>
-        <p:txBody>
-          <a:bodyPr lIns="162560" rIns="162560">
-            <a:spAutoFit/>
-          </a:bodyPr>
-          <a:lstStyle/>
-          <a:p>
-            <a:pPr algn="just">
-              <a:spcBef>
-                <a:spcPct val="50000"/>
-              </a:spcBef>
-            </a:pPr>
-            <a:r>
-              <a:rPr lang="en-US" sz="2489">
-                <a:solidFill>
-                  <a:srgbClr val="000062"/>
-                </a:solidFill>
-                <a:latin typeface="Arial" charset="0"/>
-              </a:rPr>
-              <a:t>Photographs and tables will look best on gray, cream or light-colored complimentary background.  </a:t>
-            </a:r>
-          </a:p>
-        </p:txBody>
-      </p:sp>
-      <p:sp>
-        <p:nvSpPr>
-          <p:cNvPr id="1058" name="Text Box 190"/>
-          <p:cNvSpPr txBox="1">
-            <a:spLocks noChangeArrowheads="1"/>
-          </p:cNvSpPr>
-          <p:nvPr/>
-        </p:nvSpPr>
-        <p:spPr bwMode="auto">
-          <a:xfrm>
-            <a:off x="22352000" y="17949334"/>
-            <a:ext cx="9956800" cy="1733488"/>
-          </a:xfrm>
-          <a:prstGeom prst="rect">
-            <a:avLst/>
-          </a:prstGeom>
-          <a:solidFill>
-            <a:schemeClr val="bg1"/>
-          </a:solidFill>
-          <a:ln w="9525">
-            <a:solidFill>
-              <a:srgbClr val="000000"/>
-            </a:solidFill>
-            <a:miter lim="800000"/>
-            <a:headEnd/>
-            <a:tailEnd/>
-          </a:ln>
-        </p:spPr>
-        <p:txBody>
-          <a:bodyPr>
-            <a:spAutoFit/>
-          </a:bodyPr>
-          <a:lstStyle/>
-          <a:p>
-            <a:pPr algn="just">
-              <a:spcBef>
-                <a:spcPct val="50000"/>
-              </a:spcBef>
-            </a:pPr>
-            <a:r>
-              <a:rPr lang="en-US" sz="2133">
-                <a:latin typeface="Arial" charset="0"/>
-              </a:rPr>
-              <a:t>Figure 2.  Compound X significantly (p&lt;0.01) shrank osteosarcoma tumors in nude mice, during 1 mo. of treatment.  Tumors in carrier-injected controls significantly increased in size over the same time (p&lt;0.01).  No behavioral effects or significant weight loss were observed in treated mice during this time.  n = 5 at all time points.</a:t>
-            </a:r>
-          </a:p>
-        </p:txBody>
-      </p:sp>
-      <p:sp>
-        <p:nvSpPr>
-          <p:cNvPr id="1059" name="Text Box 192"/>
-          <p:cNvSpPr txBox="1">
-            <a:spLocks noChangeArrowheads="1"/>
-          </p:cNvSpPr>
-          <p:nvPr/>
-        </p:nvSpPr>
-        <p:spPr bwMode="auto">
-          <a:xfrm>
-            <a:off x="23774400" y="9956801"/>
-            <a:ext cx="7044267" cy="530017"/>
-          </a:xfrm>
-          <a:prstGeom prst="rect">
-            <a:avLst/>
-          </a:prstGeom>
-          <a:solidFill>
-            <a:schemeClr val="bg1"/>
-          </a:solidFill>
-          <a:ln w="9525">
-            <a:solidFill>
-              <a:schemeClr val="tx1"/>
-            </a:solidFill>
-            <a:miter lim="800000"/>
-            <a:headEnd/>
-            <a:tailEnd/>
-          </a:ln>
-        </p:spPr>
-        <p:txBody>
-          <a:bodyPr>
-            <a:spAutoFit/>
-          </a:bodyPr>
-          <a:lstStyle/>
-          <a:p>
-            <a:pPr algn="ctr">
-              <a:spcBef>
-                <a:spcPct val="50000"/>
-              </a:spcBef>
-            </a:pPr>
-            <a:r>
-              <a:rPr lang="en-US" sz="2844" b="1">
-                <a:solidFill>
-                  <a:srgbClr val="990099"/>
-                </a:solidFill>
-                <a:latin typeface="Arial" charset="0"/>
-              </a:rPr>
-              <a:t>Compound X decreased Tumor size</a:t>
-            </a:r>
-          </a:p>
-        </p:txBody>
-      </p:sp>
-      <p:graphicFrame>
-        <p:nvGraphicFramePr>
-          <p:cNvPr id="1026" name="Object 209"/>
-          <p:cNvGraphicFramePr>
-            <a:graphicFrameLocks noChangeAspect="1"/>
-          </p:cNvGraphicFramePr>
-          <p:nvPr/>
-        </p:nvGraphicFramePr>
-        <p:xfrm>
-          <a:off x="22352000" y="10837334"/>
-          <a:ext cx="9956800" cy="6918678"/>
-        </p:xfrm>
-        <a:graphic>
-          <a:graphicData uri="http://schemas.openxmlformats.org/presentationml/2006/ole">
-            <mc:AlternateContent xmlns:mc="http://schemas.openxmlformats.org/markup-compatibility/2006">
-              <mc:Choice xmlns:v="urn:schemas-microsoft-com:vml" Requires="v">
-                <p:oleObj name="Chart" r:id="rId3" imgW="5743956" imgH="3991254" progId="Excel.Chart.8">
-                  <p:embed/>
-                </p:oleObj>
-              </mc:Choice>
-              <mc:Fallback>
-                <p:oleObj name="Chart" r:id="rId3" imgW="5743956" imgH="3991254" progId="Excel.Chart.8">
-                  <p:embed/>
-                  <p:pic>
-                    <p:nvPicPr>
-                      <p:cNvPr id="0" name="Object 209"/>
-                      <p:cNvPicPr>
-                        <a:picLocks noChangeAspect="1" noChangeArrowheads="1"/>
-                      </p:cNvPicPr>
-                      <p:nvPr/>
-                    </p:nvPicPr>
-                    <p:blipFill>
-                      <a:blip r:embed="rId4">
-                        <a:extLst>
-                          <a:ext uri="{28A0092B-C50C-407E-A947-70E740481C1C}">
-                            <a14:useLocalDpi xmlns:a14="http://schemas.microsoft.com/office/drawing/2010/main" val="0"/>
-                          </a:ext>
-                        </a:extLst>
-                      </a:blip>
-                      <a:srcRect/>
-                      <a:stretch>
-                        <a:fillRect/>
-                      </a:stretch>
-                    </p:blipFill>
-                    <p:spPr bwMode="auto">
-                      <a:xfrm>
-                        <a:off x="22352000" y="10837334"/>
-                        <a:ext cx="9956800" cy="6918678"/>
-                      </a:xfrm>
-                      <a:prstGeom prst="rect">
-                        <a:avLst/>
-                      </a:prstGeom>
-                      <a:noFill/>
-                      <a:ln>
-                        <a:noFill/>
-                      </a:ln>
-                      <a:effectLst/>
-                      <a:extLst>
-                        <a:ext uri="{909E8E84-426E-40DD-AFC4-6F175D3DCCD1}">
-                          <a14:hiddenFill xmlns:a14="http://schemas.microsoft.com/office/drawing/2010/main">
-                            <a:solidFill>
-                              <a:schemeClr val="accent1"/>
-                            </a:solidFill>
-                          </a14:hiddenFill>
-                        </a:ext>
-                        <a:ext uri="{91240B29-F687-4F45-9708-019B960494DF}">
-                          <a14:hiddenLine xmlns:a14="http://schemas.microsoft.com/office/drawing/2010/main" w="9525">
-                            <a:solidFill>
-                              <a:schemeClr val="tx1"/>
-                            </a:solidFill>
-                            <a:miter lim="800000"/>
-                            <a:headEnd/>
-                            <a:tailEnd/>
-                          </a14:hiddenLine>
-                        </a:ext>
-                        <a:ext uri="{AF507438-7753-43E0-B8FC-AC1667EBCBE1}">
-                          <a14:hiddenEffects xmlns:a14="http://schemas.microsoft.com/office/drawing/2010/main">
-                            <a:effectLst>
-                              <a:outerShdw dist="35921" dir="2700000" algn="ctr" rotWithShape="0">
-                                <a:schemeClr val="bg2"/>
-                              </a:outerShdw>
-                            </a:effectLst>
-                          </a14:hiddenEffects>
-                        </a:ext>
-                      </a:extLst>
-                    </p:spPr>
-                  </p:pic>
-                </p:oleObj>
-              </mc:Fallback>
-            </mc:AlternateContent>
-          </a:graphicData>
-        </a:graphic>
-      </p:graphicFrame>
-      <p:graphicFrame>
-        <p:nvGraphicFramePr>
-          <p:cNvPr id="1027" name="Object 210"/>
-          <p:cNvGraphicFramePr>
-            <a:graphicFrameLocks noChangeAspect="1"/>
-          </p:cNvGraphicFramePr>
-          <p:nvPr/>
-        </p:nvGraphicFramePr>
-        <p:xfrm>
-          <a:off x="22352000" y="21200534"/>
-          <a:ext cx="9956800" cy="7024511"/>
-        </p:xfrm>
-        <a:graphic>
-          <a:graphicData uri="http://schemas.openxmlformats.org/presentationml/2006/ole">
-            <mc:AlternateContent xmlns:mc="http://schemas.openxmlformats.org/markup-compatibility/2006">
-              <mc:Choice xmlns:v="urn:schemas-microsoft-com:vml" Requires="v">
-                <p:oleObj name="Chart" r:id="rId5" imgW="6534531" imgH="4610608" progId="Excel.Chart.8">
-                  <p:embed/>
-                </p:oleObj>
-              </mc:Choice>
-              <mc:Fallback>
-                <p:oleObj name="Chart" r:id="rId5" imgW="6534531" imgH="4610608" progId="Excel.Chart.8">
-                  <p:embed/>
-                  <p:pic>
-                    <p:nvPicPr>
-                      <p:cNvPr id="0" name="Object 210"/>
-                      <p:cNvPicPr>
-                        <a:picLocks noChangeAspect="1" noChangeArrowheads="1"/>
-                      </p:cNvPicPr>
-                      <p:nvPr/>
-                    </p:nvPicPr>
-                    <p:blipFill>
-                      <a:blip r:embed="rId6">
-                        <a:extLst>
-                          <a:ext uri="{28A0092B-C50C-407E-A947-70E740481C1C}">
-                            <a14:useLocalDpi xmlns:a14="http://schemas.microsoft.com/office/drawing/2010/main" val="0"/>
-                          </a:ext>
-                        </a:extLst>
-                      </a:blip>
-                      <a:srcRect/>
-                      <a:stretch>
-                        <a:fillRect/>
-                      </a:stretch>
-                    </p:blipFill>
-                    <p:spPr bwMode="auto">
-                      <a:xfrm>
-                        <a:off x="22352000" y="21200534"/>
-                        <a:ext cx="9956800" cy="7024511"/>
-                      </a:xfrm>
-                      <a:prstGeom prst="rect">
-                        <a:avLst/>
-                      </a:prstGeom>
-                      <a:noFill/>
-                      <a:ln>
-                        <a:noFill/>
-                      </a:ln>
-                      <a:effectLst/>
-                      <a:extLst>
-                        <a:ext uri="{909E8E84-426E-40DD-AFC4-6F175D3DCCD1}">
-                          <a14:hiddenFill xmlns:a14="http://schemas.microsoft.com/office/drawing/2010/main">
-                            <a:solidFill>
-                              <a:schemeClr val="accent1"/>
-                            </a:solidFill>
-                          </a14:hiddenFill>
-                        </a:ext>
-                        <a:ext uri="{91240B29-F687-4F45-9708-019B960494DF}">
-                          <a14:hiddenLine xmlns:a14="http://schemas.microsoft.com/office/drawing/2010/main" w="9525">
-                            <a:solidFill>
-                              <a:schemeClr val="tx1"/>
-                            </a:solidFill>
-                            <a:miter lim="800000"/>
-                            <a:headEnd/>
-                            <a:tailEnd/>
-                          </a14:hiddenLine>
-                        </a:ext>
-                        <a:ext uri="{AF507438-7753-43E0-B8FC-AC1667EBCBE1}">
-                          <a14:hiddenEffects xmlns:a14="http://schemas.microsoft.com/office/drawing/2010/main">
-                            <a:effectLst>
-                              <a:outerShdw dist="35921" dir="2700000" algn="ctr" rotWithShape="0">
-                                <a:schemeClr val="bg2"/>
-                              </a:outerShdw>
-                            </a:effectLst>
-                          </a14:hiddenEffects>
-                        </a:ext>
-                      </a:extLst>
-                    </p:spPr>
-                  </p:pic>
-                </p:oleObj>
-              </mc:Fallback>
-            </mc:AlternateContent>
-          </a:graphicData>
-        </a:graphic>
-      </p:graphicFrame>
-      <p:sp>
-        <p:nvSpPr>
-          <p:cNvPr id="1060" name="Text Box 212"/>
-          <p:cNvSpPr txBox="1">
-            <a:spLocks noChangeArrowheads="1"/>
-          </p:cNvSpPr>
-          <p:nvPr/>
-        </p:nvSpPr>
-        <p:spPr bwMode="auto">
-          <a:xfrm>
-            <a:off x="33075096" y="9723968"/>
-            <a:ext cx="9889067" cy="4337791"/>
-          </a:xfrm>
-          <a:prstGeom prst="rect">
-            <a:avLst/>
-          </a:prstGeom>
-          <a:noFill/>
-          <a:ln w="9525">
-            <a:noFill/>
-            <a:miter lim="800000"/>
-            <a:headEnd/>
-            <a:tailEnd/>
-          </a:ln>
-        </p:spPr>
-        <p:txBody>
-          <a:bodyPr lIns="162560" rIns="162560">
-            <a:spAutoFit/>
-          </a:bodyPr>
-          <a:lstStyle/>
-          <a:p>
-            <a:pPr algn="just">
-              <a:spcBef>
-                <a:spcPct val="20000"/>
-              </a:spcBef>
-              <a:buFont typeface="Wingdings" pitchFamily="2" charset="2"/>
-              <a:buChar char="Ø"/>
-            </a:pPr>
-            <a:r>
-              <a:rPr lang="en-US" sz="2844" dirty="0">
-                <a:solidFill>
-                  <a:srgbClr val="000099"/>
-                </a:solidFill>
-                <a:latin typeface="Arial" charset="0"/>
-              </a:rPr>
-              <a:t>Large.  </a:t>
-            </a:r>
-          </a:p>
-          <a:p>
-            <a:pPr algn="just">
-              <a:spcBef>
-                <a:spcPct val="20000"/>
-              </a:spcBef>
-              <a:buFont typeface="Wingdings" pitchFamily="2" charset="2"/>
-              <a:buChar char="Ø"/>
-            </a:pPr>
-            <a:r>
-              <a:rPr lang="en-US" sz="2844" dirty="0">
-                <a:solidFill>
-                  <a:srgbClr val="000099"/>
-                </a:solidFill>
-                <a:latin typeface="Arial" charset="0"/>
-              </a:rPr>
-              <a:t>Bullet to stress.  </a:t>
-            </a:r>
-          </a:p>
-          <a:p>
-            <a:pPr algn="just">
-              <a:spcBef>
-                <a:spcPct val="20000"/>
-              </a:spcBef>
-              <a:buFont typeface="Wingdings" pitchFamily="2" charset="2"/>
-              <a:buChar char="Ø"/>
-            </a:pPr>
-            <a:r>
-              <a:rPr lang="en-US" sz="2844" dirty="0">
-                <a:solidFill>
-                  <a:srgbClr val="000099"/>
-                </a:solidFill>
-                <a:latin typeface="Arial" charset="0"/>
-              </a:rPr>
-              <a:t>Few words.  Some people read only this.  </a:t>
-            </a:r>
-          </a:p>
-          <a:p>
-            <a:pPr algn="just">
-              <a:spcBef>
-                <a:spcPct val="20000"/>
-              </a:spcBef>
-              <a:buFont typeface="Wingdings" pitchFamily="2" charset="2"/>
-              <a:buChar char="Ø"/>
-            </a:pPr>
-            <a:r>
-              <a:rPr lang="en-US" sz="2844" dirty="0">
-                <a:solidFill>
-                  <a:srgbClr val="000099"/>
-                </a:solidFill>
-                <a:latin typeface="Arial" charset="0"/>
-              </a:rPr>
-              <a:t>Tie back to real world problem brought up in introduction   </a:t>
-            </a:r>
-          </a:p>
-          <a:p>
-            <a:pPr algn="just">
-              <a:spcBef>
-                <a:spcPct val="20000"/>
-              </a:spcBef>
-              <a:buFont typeface="Wingdings" pitchFamily="2" charset="2"/>
-              <a:buChar char="Ø"/>
-            </a:pPr>
-            <a:r>
-              <a:rPr lang="en-US" sz="2844" dirty="0">
-                <a:solidFill>
-                  <a:srgbClr val="000099"/>
-                </a:solidFill>
-                <a:latin typeface="Arial" charset="0"/>
-              </a:rPr>
-              <a:t> VERY briefly summarize results.</a:t>
-            </a:r>
-          </a:p>
-          <a:p>
-            <a:pPr algn="just">
-              <a:spcBef>
-                <a:spcPct val="20000"/>
-              </a:spcBef>
-              <a:buFont typeface="Wingdings" pitchFamily="2" charset="2"/>
-              <a:buChar char="Ø"/>
-            </a:pPr>
-            <a:r>
-              <a:rPr lang="en-US" sz="2844" dirty="0">
-                <a:solidFill>
-                  <a:srgbClr val="000099"/>
-                </a:solidFill>
-                <a:latin typeface="Arial" charset="0"/>
-              </a:rPr>
-              <a:t> How did your hypothesis work out? </a:t>
-            </a:r>
-          </a:p>
-          <a:p>
-            <a:pPr algn="just">
-              <a:spcBef>
-                <a:spcPct val="20000"/>
-              </a:spcBef>
-              <a:buFont typeface="Wingdings" pitchFamily="2" charset="2"/>
-              <a:buChar char="Ø"/>
-            </a:pPr>
-            <a:r>
-              <a:rPr lang="en-US" sz="2844" dirty="0">
-                <a:solidFill>
-                  <a:srgbClr val="000099"/>
-                </a:solidFill>
-                <a:latin typeface="Arial" charset="0"/>
-              </a:rPr>
-              <a:t> Why was your finding important?</a:t>
-            </a:r>
-          </a:p>
-          <a:p>
-            <a:pPr algn="just">
-              <a:spcBef>
-                <a:spcPct val="50000"/>
-              </a:spcBef>
-            </a:pPr>
-            <a:endParaRPr lang="en-US" sz="2844" dirty="0">
-              <a:solidFill>
-                <a:srgbClr val="000099"/>
-              </a:solidFill>
-              <a:latin typeface="Arial" charset="0"/>
-            </a:endParaRPr>
-          </a:p>
-        </p:txBody>
-      </p:sp>
-      <p:sp>
-        <p:nvSpPr>
-          <p:cNvPr id="1061" name="Line 213"/>
-          <p:cNvSpPr>
-            <a:spLocks noChangeShapeType="1"/>
-          </p:cNvSpPr>
-          <p:nvPr/>
-        </p:nvSpPr>
-        <p:spPr bwMode="auto">
-          <a:xfrm flipH="1" flipV="1">
-            <a:off x="31631467" y="20794133"/>
-            <a:ext cx="1557867" cy="2235200"/>
-          </a:xfrm>
-          <a:prstGeom prst="line">
-            <a:avLst/>
-          </a:prstGeom>
-          <a:noFill/>
-          <a:ln w="155575">
-            <a:solidFill>
-              <a:srgbClr val="FF00FF"/>
-            </a:solidFill>
-            <a:round/>
-            <a:headEnd/>
-            <a:tailEnd type="triangle" w="med" len="med"/>
-          </a:ln>
-        </p:spPr>
-        <p:txBody>
-          <a:bodyPr/>
-          <a:lstStyle/>
-          <a:p>
-            <a:endParaRPr lang="en-US" sz="2133"/>
-          </a:p>
-        </p:txBody>
-      </p:sp>
-      <p:sp>
-        <p:nvSpPr>
-          <p:cNvPr id="1062" name="Text Box 215"/>
-          <p:cNvSpPr txBox="1">
-            <a:spLocks noChangeArrowheads="1"/>
-          </p:cNvSpPr>
-          <p:nvPr/>
-        </p:nvSpPr>
-        <p:spPr bwMode="auto">
-          <a:xfrm>
-            <a:off x="33245778" y="18631605"/>
-            <a:ext cx="9956800" cy="475387"/>
-          </a:xfrm>
-          <a:prstGeom prst="rect">
-            <a:avLst/>
-          </a:prstGeom>
-          <a:noFill/>
-          <a:ln w="63500">
-            <a:noFill/>
-            <a:miter lim="800000"/>
-            <a:headEnd/>
-            <a:tailEnd/>
-          </a:ln>
-        </p:spPr>
-        <p:txBody>
-          <a:bodyPr lIns="162560" rIns="162560">
-            <a:spAutoFit/>
-          </a:bodyPr>
-          <a:lstStyle/>
-          <a:p>
-            <a:pPr algn="just">
-              <a:spcBef>
-                <a:spcPct val="50000"/>
-              </a:spcBef>
-            </a:pPr>
-            <a:r>
-              <a:rPr lang="en-US" sz="2489">
-                <a:latin typeface="Arial" charset="0"/>
-              </a:rPr>
-              <a:t>Are required -  Standard Format. Can make smaller if needed</a:t>
-            </a:r>
-          </a:p>
-        </p:txBody>
-      </p:sp>
-      <p:pic>
-        <p:nvPicPr>
-          <p:cNvPr id="1063" name="Picture 218" descr="mousediagram"/>
-          <p:cNvPicPr>
-            <a:picLocks noChangeAspect="1" noChangeArrowheads="1"/>
-          </p:cNvPicPr>
-          <p:nvPr/>
-        </p:nvPicPr>
-        <p:blipFill>
-          <a:blip r:embed="rId7" cstate="print"/>
-          <a:srcRect/>
-          <a:stretch>
-            <a:fillRect/>
-          </a:stretch>
-        </p:blipFill>
-        <p:spPr bwMode="auto">
-          <a:xfrm>
-            <a:off x="11717867" y="12056534"/>
-            <a:ext cx="4876800" cy="6932789"/>
-          </a:xfrm>
-          <a:prstGeom prst="rect">
-            <a:avLst/>
-          </a:prstGeom>
-          <a:noFill/>
-          <a:ln w="9525">
-            <a:noFill/>
-            <a:miter lim="800000"/>
-            <a:headEnd/>
-            <a:tailEnd/>
-          </a:ln>
-        </p:spPr>
-      </p:pic>
-      <p:sp>
-        <p:nvSpPr>
-          <p:cNvPr id="1064" name="Text Box 220"/>
-          <p:cNvSpPr txBox="1">
-            <a:spLocks noChangeArrowheads="1"/>
-          </p:cNvSpPr>
-          <p:nvPr/>
-        </p:nvSpPr>
-        <p:spPr bwMode="auto">
-          <a:xfrm>
-            <a:off x="16594667" y="12462934"/>
-            <a:ext cx="4673600" cy="475387"/>
-          </a:xfrm>
-          <a:prstGeom prst="rect">
-            <a:avLst/>
-          </a:prstGeom>
-          <a:noFill/>
-          <a:ln w="63500">
-            <a:noFill/>
-            <a:miter lim="800000"/>
-            <a:headEnd/>
-            <a:tailEnd/>
-          </a:ln>
-        </p:spPr>
-        <p:txBody>
-          <a:bodyPr lIns="162560" rIns="162560">
-            <a:spAutoFit/>
-          </a:bodyPr>
-          <a:lstStyle/>
-          <a:p>
-            <a:pPr algn="just">
-              <a:spcBef>
-                <a:spcPct val="50000"/>
-              </a:spcBef>
-            </a:pPr>
-            <a:endParaRPr lang="en-US" sz="2489">
-              <a:latin typeface="Arial" charset="0"/>
-            </a:endParaRPr>
-          </a:p>
-        </p:txBody>
-      </p:sp>
-      <p:sp>
-        <p:nvSpPr>
-          <p:cNvPr id="1065" name="Text Box 221"/>
-          <p:cNvSpPr txBox="1">
-            <a:spLocks noChangeArrowheads="1"/>
-          </p:cNvSpPr>
-          <p:nvPr/>
-        </p:nvSpPr>
-        <p:spPr bwMode="auto">
-          <a:xfrm>
-            <a:off x="16797867" y="12124267"/>
-            <a:ext cx="4673600" cy="6841067"/>
-          </a:xfrm>
-          <a:prstGeom prst="rect">
-            <a:avLst/>
-          </a:prstGeom>
-          <a:solidFill>
-            <a:schemeClr val="bg1"/>
-          </a:solidFill>
-          <a:ln w="9525">
-            <a:noFill/>
-            <a:miter lim="800000"/>
-            <a:headEnd/>
-            <a:tailEnd/>
-          </a:ln>
-        </p:spPr>
-        <p:txBody>
-          <a:bodyPr/>
-          <a:lstStyle/>
-          <a:p>
-            <a:pPr algn="just"/>
-            <a:r>
-              <a:rPr lang="en-US" sz="2133">
-                <a:latin typeface="Arial" charset="0"/>
-              </a:rPr>
-              <a:t>Figure 1.  Protocol.  Tumor cells were obtained from ______________ and cultured.  1 million cells were injected IP into an immune deficient mouse (which).  After __________.  There should be more words here as well, so that you don’t end up with a horrible white gap in your poster.  Enlarge/resize until all space is filled up very cleanly and neatly.  </a:t>
-            </a:r>
-          </a:p>
-        </p:txBody>
-      </p:sp>
-      <p:sp>
-        <p:nvSpPr>
-          <p:cNvPr id="2271" name="AutoShape 223"/>
-          <p:cNvSpPr>
-            <a:spLocks noChangeArrowheads="1"/>
-          </p:cNvSpPr>
-          <p:nvPr/>
-        </p:nvSpPr>
-        <p:spPr bwMode="auto">
-          <a:xfrm>
-            <a:off x="33245778" y="24180800"/>
-            <a:ext cx="9750778" cy="812800"/>
+            <a:off x="11578166" y="18949259"/>
+            <a:ext cx="20527433" cy="812800"/>
           </a:xfrm>
           <a:prstGeom prst="roundRect">
             <a:avLst>
@@ -6469,7 +5760,12 @@
                 <a:solidFill>
                   <a:srgbClr val="FAFD00"/>
                 </a:solidFill>
-                <a:latin typeface="Helvetica" pitchFamily="34" charset="0"/>
+                <a:effectLst>
+                  <a:outerShdw blurRad="38100" dist="38100" dir="2700000" algn="tl">
+                    <a:srgbClr val="000000"/>
+                  </a:outerShdw>
+                </a:effectLst>
+                <a:latin typeface="Verdana" pitchFamily="34" charset="0"/>
               </a:rPr>
               <a:t>	</a:t>
             </a:r>
@@ -6485,320 +5781,530 @@
                 </a:effectLst>
                 <a:latin typeface="Verdana" pitchFamily="34" charset="0"/>
               </a:rPr>
-              <a:t>Acknowledgements</a:t>
-            </a:r>
-          </a:p>
-        </p:txBody>
-      </p:sp>
-      <p:sp>
-        <p:nvSpPr>
-          <p:cNvPr id="1067" name="Text Box 150"/>
-          <p:cNvSpPr txBox="1">
-            <a:spLocks noChangeArrowheads="1"/>
-          </p:cNvSpPr>
+              <a:t>Results</a:t>
+            </a:r>
+          </a:p>
+        </p:txBody>
+      </p:sp>
+      <p:sp>
+        <p:nvSpPr>
+          <p:cNvPr id="61" name="Rectangle 60">
+            <a:extLst>
+              <a:ext uri="{FF2B5EF4-FFF2-40B4-BE49-F238E27FC236}">
+                <a16:creationId xmlns:a16="http://schemas.microsoft.com/office/drawing/2014/main" id="{D338100A-8413-316B-D458-B663F4F920D8}"/>
+              </a:ext>
+            </a:extLst>
+          </p:cNvPr>
+          <p:cNvSpPr/>
           <p:nvPr/>
         </p:nvSpPr>
-        <p:spPr bwMode="auto">
+        <p:spPr>
           <a:xfrm>
-            <a:off x="28786667" y="21336000"/>
-            <a:ext cx="9889067" cy="2062296"/>
+            <a:off x="18097261" y="10074529"/>
+            <a:ext cx="7152190" cy="8217342"/>
           </a:xfrm>
           <a:prstGeom prst="rect">
             <a:avLst/>
           </a:prstGeom>
           <a:solidFill>
-            <a:schemeClr val="bg1"/>
+            <a:srgbClr val="A6CCF7"/>
           </a:solidFill>
-          <a:ln w="88900">
-            <a:solidFill>
-              <a:srgbClr val="FF00FF"/>
-            </a:solidFill>
-            <a:miter lim="800000"/>
-            <a:headEnd/>
-            <a:tailEnd/>
-          </a:ln>
-        </p:spPr>
-        <p:txBody>
-          <a:bodyPr lIns="162560" rIns="162560">
-            <a:spAutoFit/>
-          </a:bodyPr>
+          <a:ln/>
+        </p:spPr>
+        <p:style>
+          <a:lnRef idx="1">
+            <a:schemeClr val="accent6"/>
+          </a:lnRef>
+          <a:fillRef idx="2">
+            <a:schemeClr val="accent6"/>
+          </a:fillRef>
+          <a:effectRef idx="1">
+            <a:schemeClr val="accent6"/>
+          </a:effectRef>
+          <a:fontRef idx="minor">
+            <a:schemeClr val="dk1"/>
+          </a:fontRef>
+        </p:style>
+        <p:txBody>
+          <a:bodyPr rtlCol="0" anchor="ctr"/>
           <a:lstStyle/>
           <a:p>
-            <a:pPr algn="just">
-              <a:spcBef>
-                <a:spcPct val="50000"/>
-              </a:spcBef>
-            </a:pPr>
-            <a:r>
-              <a:rPr lang="en-US" sz="4267" b="1">
-                <a:latin typeface="Arial" charset="0"/>
-              </a:rPr>
-              <a:t>In this column, items are positioned horizontally, 27.5” from the top left corner</a:t>
-            </a:r>
-          </a:p>
-        </p:txBody>
-      </p:sp>
-      <p:sp>
-        <p:nvSpPr>
-          <p:cNvPr id="68" name="TextBox 67"/>
-          <p:cNvSpPr txBox="1"/>
+            <a:pPr algn="ctr"/>
+            <a:endParaRPr lang="en-MX" sz="2800" dirty="0">
+              <a:ln w="0"/>
+              <a:solidFill>
+                <a:schemeClr val="tx1"/>
+              </a:solidFill>
+              <a:effectLst>
+                <a:outerShdw blurRad="38100" dist="19050" dir="2700000" algn="tl" rotWithShape="0">
+                  <a:schemeClr val="dk1">
+                    <a:alpha val="40000"/>
+                  </a:schemeClr>
+                </a:outerShdw>
+              </a:effectLst>
+              <a:latin typeface="Arial" panose="020B0604020202020204" pitchFamily="34" charset="0"/>
+              <a:cs typeface="Arial" panose="020B0604020202020204" pitchFamily="34" charset="0"/>
+            </a:endParaRPr>
+          </a:p>
+        </p:txBody>
+      </p:sp>
+      <p:sp>
+        <p:nvSpPr>
+          <p:cNvPr id="62" name="Rectangle 61">
+            <a:extLst>
+              <a:ext uri="{FF2B5EF4-FFF2-40B4-BE49-F238E27FC236}">
+                <a16:creationId xmlns:a16="http://schemas.microsoft.com/office/drawing/2014/main" id="{38E4EF1F-1703-F0E7-4BAC-6269B4403EFE}"/>
+              </a:ext>
+            </a:extLst>
+          </p:cNvPr>
+          <p:cNvSpPr/>
           <p:nvPr/>
         </p:nvSpPr>
         <p:spPr>
           <a:xfrm>
-            <a:off x="12728905" y="5913494"/>
-            <a:ext cx="18433388" cy="861774"/>
+            <a:off x="18331733" y="10620631"/>
+            <a:ext cx="6730524" cy="2466218"/>
           </a:xfrm>
           <a:prstGeom prst="rect">
             <a:avLst/>
           </a:prstGeom>
-          <a:noFill/>
-        </p:spPr>
-        <p:txBody>
-          <a:bodyPr wrap="square">
-            <a:spAutoFit/>
-          </a:bodyPr>
+          <a:ln/>
+        </p:spPr>
+        <p:style>
+          <a:lnRef idx="2">
+            <a:schemeClr val="dk1"/>
+          </a:lnRef>
+          <a:fillRef idx="1">
+            <a:schemeClr val="lt1"/>
+          </a:fillRef>
+          <a:effectRef idx="0">
+            <a:schemeClr val="dk1"/>
+          </a:effectRef>
+          <a:fontRef idx="minor">
+            <a:schemeClr val="dk1"/>
+          </a:fontRef>
+        </p:style>
+        <p:txBody>
+          <a:bodyPr rtlCol="0" anchor="ctr"/>
           <a:lstStyle/>
           <a:p>
-            <a:pPr algn="ctr">
-              <a:defRPr/>
-            </a:pPr>
-            <a:r>
-              <a:rPr lang="en-US" sz="5000" dirty="0">
+            <a:r>
+              <a:rPr lang="en-MX" sz="2800" b="1" dirty="0">
+                <a:ln w="0"/>
+                <a:solidFill>
+                  <a:schemeClr val="tx1"/>
+                </a:solidFill>
                 <a:effectLst>
-                  <a:outerShdw blurRad="50800" dist="25400" dir="5400000" algn="t" rotWithShape="0">
-                    <a:schemeClr val="accent6">
+                  <a:outerShdw blurRad="38100" dist="19050" dir="2700000" algn="tl" rotWithShape="0">
+                    <a:schemeClr val="dk1">
                       <a:alpha val="40000"/>
                     </a:schemeClr>
                   </a:outerShdw>
                 </a:effectLst>
-                <a:latin typeface="Verdana" pitchFamily="34" charset="0"/>
-                <a:cs typeface="Arial" pitchFamily="34" charset="0"/>
+                <a:latin typeface="Arial" panose="020B0604020202020204" pitchFamily="34" charset="0"/>
+                <a:cs typeface="Arial" panose="020B0604020202020204" pitchFamily="34" charset="0"/>
               </a:rPr>
-              <a:t>Rafael Olmedo*, Javier De La Rosa**, Paul Rad**</a:t>
-            </a:r>
-          </a:p>
-        </p:txBody>
-      </p:sp>
-      <p:sp>
-        <p:nvSpPr>
-          <p:cNvPr id="1077" name="Line 213"/>
-          <p:cNvSpPr>
-            <a:spLocks noChangeShapeType="1"/>
-          </p:cNvSpPr>
+              <a:t>State:</a:t>
+            </a:r>
+          </a:p>
+          <a:p>
+            <a:pPr marL="457200" indent="-457200">
+              <a:buFont typeface="Arial" panose="020B0604020202020204" pitchFamily="34" charset="0"/>
+              <a:buChar char="•"/>
+            </a:pPr>
+            <a:r>
+              <a:rPr lang="en-MX" sz="2800" dirty="0">
+                <a:ln w="0"/>
+                <a:solidFill>
+                  <a:schemeClr val="tx1"/>
+                </a:solidFill>
+                <a:effectLst>
+                  <a:outerShdw blurRad="38100" dist="19050" dir="2700000" algn="tl" rotWithShape="0">
+                    <a:schemeClr val="dk1">
+                      <a:alpha val="40000"/>
+                    </a:schemeClr>
+                  </a:outerShdw>
+                </a:effectLst>
+                <a:latin typeface="Arial" panose="020B0604020202020204" pitchFamily="34" charset="0"/>
+                <a:cs typeface="Arial" panose="020B0604020202020204" pitchFamily="34" charset="0"/>
+              </a:rPr>
+              <a:t>Is user’s identity verified</a:t>
+            </a:r>
+          </a:p>
+          <a:p>
+            <a:pPr marL="457200" indent="-457200">
+              <a:buFont typeface="Arial" panose="020B0604020202020204" pitchFamily="34" charset="0"/>
+              <a:buChar char="•"/>
+            </a:pPr>
+            <a:r>
+              <a:rPr lang="en-MX" sz="2800" dirty="0">
+                <a:ln w="0"/>
+                <a:solidFill>
+                  <a:schemeClr val="tx1"/>
+                </a:solidFill>
+                <a:effectLst>
+                  <a:outerShdw blurRad="38100" dist="19050" dir="2700000" algn="tl" rotWithShape="0">
+                    <a:schemeClr val="dk1">
+                      <a:alpha val="40000"/>
+                    </a:schemeClr>
+                  </a:outerShdw>
+                </a:effectLst>
+                <a:latin typeface="Arial" panose="020B0604020202020204" pitchFamily="34" charset="0"/>
+                <a:cs typeface="Arial" panose="020B0604020202020204" pitchFamily="34" charset="0"/>
+              </a:rPr>
+              <a:t>List of answered questions</a:t>
+            </a:r>
+          </a:p>
+          <a:p>
+            <a:pPr marL="457200" indent="-457200">
+              <a:buFont typeface="Arial" panose="020B0604020202020204" pitchFamily="34" charset="0"/>
+              <a:buChar char="•"/>
+            </a:pPr>
+            <a:r>
+              <a:rPr lang="en-MX" sz="2800" dirty="0">
+                <a:ln w="0"/>
+                <a:solidFill>
+                  <a:schemeClr val="tx1"/>
+                </a:solidFill>
+                <a:effectLst>
+                  <a:outerShdw blurRad="38100" dist="19050" dir="2700000" algn="tl" rotWithShape="0">
+                    <a:schemeClr val="dk1">
+                      <a:alpha val="40000"/>
+                    </a:schemeClr>
+                  </a:outerShdw>
+                </a:effectLst>
+                <a:latin typeface="Arial" panose="020B0604020202020204" pitchFamily="34" charset="0"/>
+                <a:cs typeface="Arial" panose="020B0604020202020204" pitchFamily="34" charset="0"/>
+              </a:rPr>
+              <a:t>Current question for user to answer</a:t>
+            </a:r>
+          </a:p>
+          <a:p>
+            <a:pPr marL="457200" indent="-457200">
+              <a:buFont typeface="Arial" panose="020B0604020202020204" pitchFamily="34" charset="0"/>
+              <a:buChar char="•"/>
+            </a:pPr>
+            <a:r>
+              <a:rPr lang="en-MX" sz="2800" dirty="0">
+                <a:ln w="0"/>
+                <a:solidFill>
+                  <a:schemeClr val="tx1"/>
+                </a:solidFill>
+                <a:effectLst>
+                  <a:outerShdw blurRad="38100" dist="19050" dir="2700000" algn="tl" rotWithShape="0">
+                    <a:schemeClr val="dk1">
+                      <a:alpha val="40000"/>
+                    </a:schemeClr>
+                  </a:outerShdw>
+                </a:effectLst>
+                <a:latin typeface="Arial" panose="020B0604020202020204" pitchFamily="34" charset="0"/>
+                <a:cs typeface="Arial" panose="020B0604020202020204" pitchFamily="34" charset="0"/>
+              </a:rPr>
+              <a:t>Next question to ask user</a:t>
+            </a:r>
+          </a:p>
+        </p:txBody>
+      </p:sp>
+      <p:sp>
+        <p:nvSpPr>
+          <p:cNvPr id="63" name="Rectangle 62">
+            <a:extLst>
+              <a:ext uri="{FF2B5EF4-FFF2-40B4-BE49-F238E27FC236}">
+                <a16:creationId xmlns:a16="http://schemas.microsoft.com/office/drawing/2014/main" id="{9728DDD8-E300-7C9F-41B0-4A8ADBA0F7E7}"/>
+              </a:ext>
+            </a:extLst>
+          </p:cNvPr>
+          <p:cNvSpPr/>
           <p:nvPr/>
         </p:nvSpPr>
-        <p:spPr bwMode="auto">
+        <p:spPr>
           <a:xfrm>
-            <a:off x="32105600" y="12598400"/>
-            <a:ext cx="1219200" cy="1286933"/>
-          </a:xfrm>
-          <a:prstGeom prst="line">
-            <a:avLst/>
-          </a:prstGeom>
-          <a:noFill/>
-          <a:ln w="155575">
-            <a:solidFill>
-              <a:srgbClr val="FF00FF"/>
-            </a:solidFill>
-            <a:round/>
-            <a:headEnd/>
-            <a:tailEnd type="triangle" w="med" len="med"/>
-          </a:ln>
-        </p:spPr>
-        <p:txBody>
-          <a:bodyPr/>
-          <a:lstStyle/>
-          <a:p>
-            <a:endParaRPr lang="en-US" sz="2133"/>
-          </a:p>
-        </p:txBody>
-      </p:sp>
-      <p:sp>
-        <p:nvSpPr>
-          <p:cNvPr id="1078" name="Text Box 150"/>
-          <p:cNvSpPr txBox="1">
-            <a:spLocks noChangeArrowheads="1"/>
-          </p:cNvSpPr>
-          <p:nvPr/>
-        </p:nvSpPr>
-        <p:spPr bwMode="auto">
-          <a:xfrm>
-            <a:off x="26483733" y="12530667"/>
-            <a:ext cx="5825067" cy="1405385"/>
+            <a:off x="18339887" y="13207041"/>
+            <a:ext cx="6694655" cy="1817784"/>
           </a:xfrm>
           <a:prstGeom prst="rect">
             <a:avLst/>
           </a:prstGeom>
-          <a:solidFill>
-            <a:schemeClr val="bg1"/>
-          </a:solidFill>
-          <a:ln w="88900">
-            <a:solidFill>
-              <a:srgbClr val="FF00FF"/>
-            </a:solidFill>
-            <a:miter lim="800000"/>
-            <a:headEnd/>
-            <a:tailEnd/>
-          </a:ln>
-        </p:spPr>
-        <p:txBody>
-          <a:bodyPr lIns="162560" rIns="162560">
-            <a:spAutoFit/>
-          </a:bodyPr>
+          <a:ln/>
+        </p:spPr>
+        <p:style>
+          <a:lnRef idx="2">
+            <a:schemeClr val="dk1"/>
+          </a:lnRef>
+          <a:fillRef idx="1">
+            <a:schemeClr val="lt1"/>
+          </a:fillRef>
+          <a:effectRef idx="0">
+            <a:schemeClr val="dk1"/>
+          </a:effectRef>
+          <a:fontRef idx="minor">
+            <a:schemeClr val="dk1"/>
+          </a:fontRef>
+        </p:style>
+        <p:txBody>
+          <a:bodyPr rtlCol="0" anchor="ctr"/>
           <a:lstStyle/>
           <a:p>
-            <a:pPr algn="just">
-              <a:spcBef>
-                <a:spcPct val="50000"/>
-              </a:spcBef>
-            </a:pPr>
-            <a:r>
-              <a:rPr lang="en-US" sz="2844" b="1">
-                <a:latin typeface="Arial" charset="0"/>
-              </a:rPr>
-              <a:t>Expand and contract components until gaps are minimalized</a:t>
-            </a:r>
-          </a:p>
-        </p:txBody>
-      </p:sp>
-      <p:sp>
-        <p:nvSpPr>
-          <p:cNvPr id="66" name="AutoShape 25"/>
-          <p:cNvSpPr>
-            <a:spLocks noChangeArrowheads="1"/>
-          </p:cNvSpPr>
-          <p:nvPr/>
-        </p:nvSpPr>
-        <p:spPr bwMode="auto">
-          <a:xfrm>
-            <a:off x="903112" y="21911733"/>
-            <a:ext cx="9750778" cy="812800"/>
-          </a:xfrm>
-          <a:prstGeom prst="roundRect">
-            <a:avLst>
-              <a:gd name="adj" fmla="val 50000"/>
-            </a:avLst>
-          </a:prstGeom>
-          <a:solidFill>
-            <a:srgbClr val="000062"/>
-          </a:solidFill>
-          <a:ln w="50800">
-            <a:noFill/>
-            <a:round/>
-            <a:headEnd/>
-            <a:tailEnd/>
-          </a:ln>
-          <a:effectLst>
-            <a:outerShdw dist="165100" dir="2700000" algn="ctr" rotWithShape="0">
-              <a:schemeClr val="tx1">
-                <a:alpha val="50000"/>
-              </a:schemeClr>
-            </a:outerShdw>
-          </a:effectLst>
-        </p:spPr>
-        <p:txBody>
-          <a:bodyPr wrap="none" lIns="38887" tIns="18775" rIns="38887" bIns="18775" anchor="ctr"/>
-          <a:lstStyle/>
-          <a:p>
-            <a:pPr algn="just" defTabSz="366893" eaLnBrk="0" hangingPunct="0">
-              <a:defRPr/>
-            </a:pPr>
-            <a:r>
-              <a:rPr lang="en-US" sz="3911" b="1" dirty="0">
+            <a:r>
+              <a:rPr lang="en-MX" sz="2800" b="1" dirty="0">
+                <a:ln w="0"/>
                 <a:solidFill>
-                  <a:schemeClr val="bg1"/>
+                  <a:schemeClr val="tx1"/>
                 </a:solidFill>
                 <a:effectLst>
-                  <a:outerShdw blurRad="38100" dist="38100" dir="2700000" algn="tl">
-                    <a:srgbClr val="000000"/>
+                  <a:outerShdw blurRad="38100" dist="19050" dir="2700000" algn="tl" rotWithShape="0">
+                    <a:schemeClr val="dk1">
+                      <a:alpha val="40000"/>
+                    </a:schemeClr>
                   </a:outerShdw>
                 </a:effectLst>
-                <a:latin typeface="Verdana" pitchFamily="34" charset="0"/>
+                <a:latin typeface="Arial" panose="020B0604020202020204" pitchFamily="34" charset="0"/>
+                <a:cs typeface="Arial" panose="020B0604020202020204" pitchFamily="34" charset="0"/>
               </a:rPr>
-              <a:t>	Background/Literature Review</a:t>
-            </a:r>
-          </a:p>
-        </p:txBody>
-      </p:sp>
-      <p:pic>
-        <p:nvPicPr>
-          <p:cNvPr id="3" name="Graphic 2">
+              <a:t>Verify Identity Tool:</a:t>
+            </a:r>
+          </a:p>
+          <a:p>
+            <a:r>
+              <a:rPr lang="en-MX" sz="2800" dirty="0">
+                <a:ln w="0"/>
+                <a:solidFill>
+                  <a:schemeClr val="tx1"/>
+                </a:solidFill>
+                <a:effectLst>
+                  <a:outerShdw blurRad="38100" dist="19050" dir="2700000" algn="tl" rotWithShape="0">
+                    <a:schemeClr val="dk1">
+                      <a:alpha val="40000"/>
+                    </a:schemeClr>
+                  </a:outerShdw>
+                </a:effectLst>
+                <a:latin typeface="Arial" panose="020B0604020202020204" pitchFamily="34" charset="0"/>
+                <a:cs typeface="Arial" panose="020B0604020202020204" pitchFamily="34" charset="0"/>
+              </a:rPr>
+              <a:t>Gets the full name and birth date from the user and verifies whether they match with the database information.</a:t>
+            </a:r>
+          </a:p>
+        </p:txBody>
+      </p:sp>
+      <p:sp>
+        <p:nvSpPr>
+          <p:cNvPr id="2240" name="Rectangle 2239">
             <a:extLst>
               <a:ext uri="{FF2B5EF4-FFF2-40B4-BE49-F238E27FC236}">
-                <a16:creationId xmlns:a16="http://schemas.microsoft.com/office/drawing/2014/main" id="{6B776826-D088-D374-99D8-741EB4F2D57D}"/>
+                <a16:creationId xmlns:a16="http://schemas.microsoft.com/office/drawing/2014/main" id="{DD2D45B8-7F18-A428-0B74-737496F1DBD4}"/>
               </a:ext>
             </a:extLst>
           </p:cNvPr>
-          <p:cNvPicPr>
-            <a:picLocks noChangeAspect="1"/>
-          </p:cNvPicPr>
+          <p:cNvSpPr/>
           <p:nvPr/>
-        </p:nvPicPr>
-        <p:blipFill>
-          <a:blip r:embed="rId8">
-            <a:extLst>
-              <a:ext uri="{96DAC541-7B7A-43D3-8B79-37D633B846F1}">
-                <asvg:svgBlip xmlns:asvg="http://schemas.microsoft.com/office/drawing/2016/SVG/main" r:embed="rId9"/>
-              </a:ext>
-            </a:extLst>
-          </a:blip>
-          <a:stretch>
-            <a:fillRect/>
-          </a:stretch>
-        </p:blipFill>
+        </p:nvSpPr>
         <p:spPr>
           <a:xfrm>
-            <a:off x="34145282" y="4026756"/>
-            <a:ext cx="7748693" cy="812800"/>
+            <a:off x="18331733" y="16730290"/>
+            <a:ext cx="6730524" cy="1365577"/>
           </a:xfrm>
           <a:prstGeom prst="rect">
             <a:avLst/>
           </a:prstGeom>
-        </p:spPr>
-      </p:pic>
-      <p:pic>
-        <p:nvPicPr>
-          <p:cNvPr id="5" name="Picture 4" descr="Blue text on a black background&#10;&#10;AI-generated content may be incorrect.">
+          <a:ln/>
+        </p:spPr>
+        <p:style>
+          <a:lnRef idx="2">
+            <a:schemeClr val="dk1"/>
+          </a:lnRef>
+          <a:fillRef idx="1">
+            <a:schemeClr val="lt1"/>
+          </a:fillRef>
+          <a:effectRef idx="0">
+            <a:schemeClr val="dk1"/>
+          </a:effectRef>
+          <a:fontRef idx="minor">
+            <a:schemeClr val="dk1"/>
+          </a:fontRef>
+        </p:style>
+        <p:txBody>
+          <a:bodyPr rtlCol="0" anchor="ctr"/>
+          <a:lstStyle/>
+          <a:p>
+            <a:r>
+              <a:rPr lang="en-MX" sz="2800" b="1" dirty="0">
+                <a:ln w="0"/>
+                <a:solidFill>
+                  <a:schemeClr val="tx1"/>
+                </a:solidFill>
+                <a:effectLst>
+                  <a:outerShdw blurRad="38100" dist="19050" dir="2700000" algn="tl" rotWithShape="0">
+                    <a:schemeClr val="dk1">
+                      <a:alpha val="40000"/>
+                    </a:schemeClr>
+                  </a:outerShdw>
+                </a:effectLst>
+                <a:latin typeface="Arial" panose="020B0604020202020204" pitchFamily="34" charset="0"/>
+                <a:cs typeface="Arial" panose="020B0604020202020204" pitchFamily="34" charset="0"/>
+              </a:rPr>
+              <a:t>Submit Form Tool:</a:t>
+            </a:r>
+          </a:p>
+          <a:p>
+            <a:r>
+              <a:rPr lang="en-MX" sz="2800" dirty="0">
+                <a:ln w="0"/>
+                <a:solidFill>
+                  <a:schemeClr val="tx1"/>
+                </a:solidFill>
+                <a:effectLst>
+                  <a:outerShdw blurRad="38100" dist="19050" dir="2700000" algn="tl" rotWithShape="0">
+                    <a:schemeClr val="dk1">
+                      <a:alpha val="40000"/>
+                    </a:schemeClr>
+                  </a:outerShdw>
+                </a:effectLst>
+                <a:latin typeface="Arial" panose="020B0604020202020204" pitchFamily="34" charset="0"/>
+                <a:cs typeface="Arial" panose="020B0604020202020204" pitchFamily="34" charset="0"/>
+              </a:rPr>
+              <a:t>Submits form to a form service called Jotform.</a:t>
+            </a:r>
+          </a:p>
+        </p:txBody>
+      </p:sp>
+      <p:sp>
+        <p:nvSpPr>
+          <p:cNvPr id="2241" name="Rectangle 2240">
             <a:extLst>
               <a:ext uri="{FF2B5EF4-FFF2-40B4-BE49-F238E27FC236}">
-                <a16:creationId xmlns:a16="http://schemas.microsoft.com/office/drawing/2014/main" id="{4F73A635-499A-AA05-11FC-2996D75AF803}"/>
+                <a16:creationId xmlns:a16="http://schemas.microsoft.com/office/drawing/2014/main" id="{5BFDF31D-3CCB-F983-AE58-A5D778AF0F29}"/>
               </a:ext>
             </a:extLst>
           </p:cNvPr>
-          <p:cNvPicPr>
-            <a:picLocks noChangeAspect="1"/>
-          </p:cNvPicPr>
+          <p:cNvSpPr/>
           <p:nvPr/>
-        </p:nvPicPr>
-        <p:blipFill>
-          <a:blip r:embed="rId10">
-            <a:extLst>
-              <a:ext uri="{28A0092B-C50C-407E-A947-70E740481C1C}">
-                <a14:useLocalDpi xmlns:a14="http://schemas.microsoft.com/office/drawing/2010/main" val="0"/>
-              </a:ext>
-            </a:extLst>
-          </a:blip>
-          <a:stretch>
-            <a:fillRect/>
-          </a:stretch>
-        </p:blipFill>
+        </p:nvSpPr>
         <p:spPr>
           <a:xfrm>
-            <a:off x="2197604" y="3721324"/>
-            <a:ext cx="5391386" cy="1423663"/>
+            <a:off x="18312172" y="15194769"/>
+            <a:ext cx="6722370" cy="1365577"/>
           </a:xfrm>
           <a:prstGeom prst="rect">
             <a:avLst/>
           </a:prstGeom>
-        </p:spPr>
-      </p:pic>
-      <p:sp>
-        <p:nvSpPr>
-          <p:cNvPr id="2" name="TextBox 1">
+          <a:ln/>
+        </p:spPr>
+        <p:style>
+          <a:lnRef idx="2">
+            <a:schemeClr val="dk1"/>
+          </a:lnRef>
+          <a:fillRef idx="1">
+            <a:schemeClr val="lt1"/>
+          </a:fillRef>
+          <a:effectRef idx="0">
+            <a:schemeClr val="dk1"/>
+          </a:effectRef>
+          <a:fontRef idx="minor">
+            <a:schemeClr val="dk1"/>
+          </a:fontRef>
+        </p:style>
+        <p:txBody>
+          <a:bodyPr rtlCol="0" anchor="ctr"/>
+          <a:lstStyle/>
+          <a:p>
+            <a:r>
+              <a:rPr lang="en-MX" sz="2800" b="1" dirty="0">
+                <a:ln w="0"/>
+                <a:solidFill>
+                  <a:schemeClr val="tx1"/>
+                </a:solidFill>
+                <a:effectLst>
+                  <a:outerShdw blurRad="38100" dist="19050" dir="2700000" algn="tl" rotWithShape="0">
+                    <a:schemeClr val="dk1">
+                      <a:alpha val="40000"/>
+                    </a:schemeClr>
+                  </a:outerShdw>
+                </a:effectLst>
+                <a:latin typeface="Arial" panose="020B0604020202020204" pitchFamily="34" charset="0"/>
+                <a:cs typeface="Arial" panose="020B0604020202020204" pitchFamily="34" charset="0"/>
+              </a:rPr>
+              <a:t>Add Question Tool:</a:t>
+            </a:r>
+          </a:p>
+          <a:p>
+            <a:r>
+              <a:rPr lang="en-MX" sz="2800" dirty="0">
+                <a:ln w="0"/>
+                <a:solidFill>
+                  <a:schemeClr val="tx1"/>
+                </a:solidFill>
+                <a:effectLst>
+                  <a:outerShdw blurRad="38100" dist="19050" dir="2700000" algn="tl" rotWithShape="0">
+                    <a:schemeClr val="dk1">
+                      <a:alpha val="40000"/>
+                    </a:schemeClr>
+                  </a:outerShdw>
+                </a:effectLst>
+                <a:latin typeface="Arial" panose="020B0604020202020204" pitchFamily="34" charset="0"/>
+                <a:cs typeface="Arial" panose="020B0604020202020204" pitchFamily="34" charset="0"/>
+              </a:rPr>
+              <a:t>Receives the answer to the current question and updates the </a:t>
+            </a:r>
+            <a:r>
+              <a:rPr lang="en-MX" sz="2800" b="1" dirty="0">
+                <a:ln w="0"/>
+                <a:solidFill>
+                  <a:schemeClr val="tx1"/>
+                </a:solidFill>
+                <a:effectLst>
+                  <a:outerShdw blurRad="38100" dist="19050" dir="2700000" algn="tl" rotWithShape="0">
+                    <a:schemeClr val="dk1">
+                      <a:alpha val="40000"/>
+                    </a:schemeClr>
+                  </a:outerShdw>
+                </a:effectLst>
+                <a:latin typeface="Arial" panose="020B0604020202020204" pitchFamily="34" charset="0"/>
+                <a:cs typeface="Arial" panose="020B0604020202020204" pitchFamily="34" charset="0"/>
+              </a:rPr>
+              <a:t>State</a:t>
+            </a:r>
+            <a:r>
+              <a:rPr lang="en-MX" sz="2800" dirty="0">
+                <a:ln w="0"/>
+                <a:solidFill>
+                  <a:schemeClr val="tx1"/>
+                </a:solidFill>
+                <a:effectLst>
+                  <a:outerShdw blurRad="38100" dist="19050" dir="2700000" algn="tl" rotWithShape="0">
+                    <a:schemeClr val="dk1">
+                      <a:alpha val="40000"/>
+                    </a:schemeClr>
+                  </a:outerShdw>
+                </a:effectLst>
+                <a:latin typeface="Arial" panose="020B0604020202020204" pitchFamily="34" charset="0"/>
+                <a:cs typeface="Arial" panose="020B0604020202020204" pitchFamily="34" charset="0"/>
+              </a:rPr>
+              <a:t>.</a:t>
+            </a:r>
+            <a:endParaRPr lang="en-MX" sz="2800" b="1" dirty="0">
+              <a:ln w="0"/>
+              <a:solidFill>
+                <a:schemeClr val="tx1"/>
+              </a:solidFill>
+              <a:effectLst>
+                <a:outerShdw blurRad="38100" dist="19050" dir="2700000" algn="tl" rotWithShape="0">
+                  <a:schemeClr val="dk1">
+                    <a:alpha val="40000"/>
+                  </a:schemeClr>
+                </a:outerShdw>
+              </a:effectLst>
+              <a:latin typeface="Arial" panose="020B0604020202020204" pitchFamily="34" charset="0"/>
+              <a:cs typeface="Arial" panose="020B0604020202020204" pitchFamily="34" charset="0"/>
+            </a:endParaRPr>
+          </a:p>
+        </p:txBody>
+      </p:sp>
+      <p:sp>
+        <p:nvSpPr>
+          <p:cNvPr id="2246" name="TextBox 2245">
             <a:extLst>
               <a:ext uri="{FF2B5EF4-FFF2-40B4-BE49-F238E27FC236}">
-                <a16:creationId xmlns:a16="http://schemas.microsoft.com/office/drawing/2014/main" id="{EC286AC7-0120-6783-9D62-E28DAF986306}"/>
+                <a16:creationId xmlns:a16="http://schemas.microsoft.com/office/drawing/2014/main" id="{02C6C97B-1E9C-3233-E0BF-53620BA74E87}"/>
               </a:ext>
             </a:extLst>
           </p:cNvPr>
@@ -6807,8 +6313,8 @@
         </p:nvSpPr>
         <p:spPr>
           <a:xfrm>
-            <a:off x="13013363" y="6789684"/>
-            <a:ext cx="17864472" cy="1323439"/>
+            <a:off x="20266318" y="10074529"/>
+            <a:ext cx="2814075" cy="523220"/>
           </a:xfrm>
           <a:prstGeom prst="rect">
             <a:avLst/>
@@ -6816,46 +6322,1813 @@
           <a:noFill/>
         </p:spPr>
         <p:txBody>
+          <a:bodyPr wrap="square" rtlCol="0">
+            <a:spAutoFit/>
+          </a:bodyPr>
+          <a:lstStyle/>
+          <a:p>
+            <a:pPr algn="ctr"/>
+            <a:r>
+              <a:rPr lang="en-MX" sz="2800" b="1" dirty="0">
+                <a:latin typeface="Arial" panose="020B0604020202020204" pitchFamily="34" charset="0"/>
+                <a:cs typeface="Arial" panose="020B0604020202020204" pitchFamily="34" charset="0"/>
+              </a:rPr>
+              <a:t>FormAgent</a:t>
+            </a:r>
+          </a:p>
+        </p:txBody>
+      </p:sp>
+      <p:sp>
+        <p:nvSpPr>
+          <p:cNvPr id="2262" name="Rectangle 2261">
+            <a:extLst>
+              <a:ext uri="{FF2B5EF4-FFF2-40B4-BE49-F238E27FC236}">
+                <a16:creationId xmlns:a16="http://schemas.microsoft.com/office/drawing/2014/main" id="{EA2F36E0-DCED-CF1A-BD03-F752CFDC3D3E}"/>
+              </a:ext>
+            </a:extLst>
+          </p:cNvPr>
+          <p:cNvSpPr/>
+          <p:nvPr/>
+        </p:nvSpPr>
+        <p:spPr>
+          <a:xfrm>
+            <a:off x="28209836" y="13561376"/>
+            <a:ext cx="3070274" cy="1105513"/>
+          </a:xfrm>
+          <a:prstGeom prst="rect">
+            <a:avLst/>
+          </a:prstGeom>
+          <a:solidFill>
+            <a:schemeClr val="accent2">
+              <a:lumMod val="20000"/>
+              <a:lumOff val="80000"/>
+            </a:schemeClr>
+          </a:solidFill>
+          <a:ln/>
+        </p:spPr>
+        <p:style>
+          <a:lnRef idx="1">
+            <a:schemeClr val="accent6"/>
+          </a:lnRef>
+          <a:fillRef idx="2">
+            <a:schemeClr val="accent6"/>
+          </a:fillRef>
+          <a:effectRef idx="1">
+            <a:schemeClr val="accent6"/>
+          </a:effectRef>
+          <a:fontRef idx="minor">
+            <a:schemeClr val="dk1"/>
+          </a:fontRef>
+        </p:style>
+        <p:txBody>
+          <a:bodyPr rtlCol="0" anchor="ctr"/>
+          <a:lstStyle/>
+          <a:p>
+            <a:pPr algn="ctr"/>
+            <a:r>
+              <a:rPr lang="en-MX" sz="2800" dirty="0">
+                <a:ln w="0"/>
+                <a:solidFill>
+                  <a:schemeClr val="tx1"/>
+                </a:solidFill>
+                <a:effectLst>
+                  <a:outerShdw blurRad="38100" dist="19050" dir="2700000" algn="tl" rotWithShape="0">
+                    <a:schemeClr val="dk1">
+                      <a:alpha val="40000"/>
+                    </a:schemeClr>
+                  </a:outerShdw>
+                </a:effectLst>
+                <a:latin typeface="Arial" panose="020B0604020202020204" pitchFamily="34" charset="0"/>
+                <a:cs typeface="Arial" panose="020B0604020202020204" pitchFamily="34" charset="0"/>
+              </a:rPr>
+              <a:t>Form Service</a:t>
+            </a:r>
+          </a:p>
+          <a:p>
+            <a:pPr algn="ctr"/>
+            <a:r>
+              <a:rPr lang="en-MX" sz="2800" dirty="0">
+                <a:ln w="0"/>
+                <a:solidFill>
+                  <a:schemeClr val="tx1"/>
+                </a:solidFill>
+                <a:effectLst>
+                  <a:outerShdw blurRad="38100" dist="19050" dir="2700000" algn="tl" rotWithShape="0">
+                    <a:schemeClr val="dk1">
+                      <a:alpha val="40000"/>
+                    </a:schemeClr>
+                  </a:outerShdw>
+                </a:effectLst>
+                <a:latin typeface="Arial" panose="020B0604020202020204" pitchFamily="34" charset="0"/>
+                <a:cs typeface="Arial" panose="020B0604020202020204" pitchFamily="34" charset="0"/>
+              </a:rPr>
+              <a:t>(Jotform)</a:t>
+            </a:r>
+          </a:p>
+        </p:txBody>
+      </p:sp>
+      <p:sp>
+        <p:nvSpPr>
+          <p:cNvPr id="7" name="TextBox 6">
+            <a:extLst>
+              <a:ext uri="{FF2B5EF4-FFF2-40B4-BE49-F238E27FC236}">
+                <a16:creationId xmlns:a16="http://schemas.microsoft.com/office/drawing/2014/main" id="{B1F2FC60-A25B-EFF5-0CFB-551F1F5BB0CD}"/>
+              </a:ext>
+            </a:extLst>
+          </p:cNvPr>
+          <p:cNvSpPr txBox="1"/>
+          <p:nvPr/>
+        </p:nvSpPr>
+        <p:spPr>
+          <a:xfrm>
+            <a:off x="12234137" y="13085833"/>
+            <a:ext cx="1675835" cy="1938992"/>
+          </a:xfrm>
+          <a:prstGeom prst="rect">
+            <a:avLst/>
+          </a:prstGeom>
+          <a:noFill/>
+        </p:spPr>
+        <p:txBody>
           <a:bodyPr wrap="square">
             <a:spAutoFit/>
           </a:bodyPr>
           <a:lstStyle/>
           <a:p>
-            <a:pPr>
-              <a:defRPr/>
-            </a:pPr>
-            <a:r>
-              <a:rPr lang="en-US" sz="4000" dirty="0">
+            <a:pPr algn="ctr"/>
+            <a:r>
+              <a:rPr lang="en-MX" dirty="0">
+                <a:ln w="0"/>
+                <a:solidFill>
+                  <a:schemeClr val="tx1"/>
+                </a:solidFill>
                 <a:effectLst>
-                  <a:outerShdw blurRad="50800" dist="25400" dir="5400000" algn="t" rotWithShape="0">
-                    <a:schemeClr val="accent6">
+                  <a:outerShdw blurRad="38100" dist="19050" dir="2700000" algn="tl" rotWithShape="0">
+                    <a:schemeClr val="dk1">
                       <a:alpha val="40000"/>
                     </a:schemeClr>
                   </a:outerShdw>
                 </a:effectLst>
-                <a:latin typeface="Verdana" pitchFamily="34" charset="0"/>
-                <a:cs typeface="Arial" pitchFamily="34" charset="0"/>
+                <a:latin typeface="Arial" panose="020B0604020202020204" pitchFamily="34" charset="0"/>
+                <a:cs typeface="Arial" panose="020B0604020202020204" pitchFamily="34" charset="0"/>
               </a:rPr>
-              <a:t>* Master of Applied Artificial Intelligence – Tecnológico de Monterrey</a:t>
-            </a:r>
-          </a:p>
-          <a:p>
-            <a:pPr>
-              <a:defRPr/>
-            </a:pPr>
-            <a:r>
-              <a:rPr lang="en-US" sz="4000" dirty="0">
+              <a:t>Adds current question to answered questions</a:t>
+            </a:r>
+          </a:p>
+        </p:txBody>
+      </p:sp>
+      <p:sp>
+        <p:nvSpPr>
+          <p:cNvPr id="10" name="TextBox 9">
+            <a:extLst>
+              <a:ext uri="{FF2B5EF4-FFF2-40B4-BE49-F238E27FC236}">
+                <a16:creationId xmlns:a16="http://schemas.microsoft.com/office/drawing/2014/main" id="{3B1A08EE-6ECC-9395-F4A7-9A1053A26C09}"/>
+              </a:ext>
+            </a:extLst>
+          </p:cNvPr>
+          <p:cNvSpPr txBox="1"/>
+          <p:nvPr/>
+        </p:nvSpPr>
+        <p:spPr>
+          <a:xfrm>
+            <a:off x="14315211" y="13109207"/>
+            <a:ext cx="1686211" cy="1938992"/>
+          </a:xfrm>
+          <a:prstGeom prst="rect">
+            <a:avLst/>
+          </a:prstGeom>
+          <a:noFill/>
+        </p:spPr>
+        <p:txBody>
+          <a:bodyPr wrap="square">
+            <a:spAutoFit/>
+          </a:bodyPr>
+          <a:lstStyle/>
+          <a:p>
+            <a:pPr algn="ctr"/>
+            <a:r>
+              <a:rPr lang="en-MX" dirty="0">
+                <a:ln w="0"/>
+                <a:solidFill>
+                  <a:schemeClr val="tx1"/>
+                </a:solidFill>
                 <a:effectLst>
-                  <a:outerShdw blurRad="50800" dist="25400" dir="5400000" algn="t" rotWithShape="0">
-                    <a:schemeClr val="accent6">
+                  <a:outerShdw blurRad="38100" dist="19050" dir="2700000" algn="tl" rotWithShape="0">
+                    <a:schemeClr val="dk1">
                       <a:alpha val="40000"/>
                     </a:schemeClr>
                   </a:outerShdw>
                 </a:effectLst>
-                <a:latin typeface="Verdana" pitchFamily="34" charset="0"/>
-                <a:cs typeface="Arial" pitchFamily="34" charset="0"/>
+                <a:latin typeface="Arial" panose="020B0604020202020204" pitchFamily="34" charset="0"/>
+                <a:cs typeface="Arial" panose="020B0604020202020204" pitchFamily="34" charset="0"/>
               </a:rPr>
-              <a:t>** School of Data Science – The University of Texas at San Antonio</a:t>
+              <a:t>Sets current question to next question</a:t>
+            </a:r>
+          </a:p>
+        </p:txBody>
+      </p:sp>
+      <p:sp>
+        <p:nvSpPr>
+          <p:cNvPr id="11" name="TextBox 10">
+            <a:extLst>
+              <a:ext uri="{FF2B5EF4-FFF2-40B4-BE49-F238E27FC236}">
+                <a16:creationId xmlns:a16="http://schemas.microsoft.com/office/drawing/2014/main" id="{D8A884A4-8B04-0D07-52F8-C3A49125501E}"/>
+              </a:ext>
+            </a:extLst>
+          </p:cNvPr>
+          <p:cNvSpPr txBox="1"/>
+          <p:nvPr/>
+        </p:nvSpPr>
+        <p:spPr>
+          <a:xfrm>
+            <a:off x="16363067" y="13109207"/>
+            <a:ext cx="1485070" cy="1938992"/>
+          </a:xfrm>
+          <a:prstGeom prst="rect">
+            <a:avLst/>
+          </a:prstGeom>
+          <a:noFill/>
+        </p:spPr>
+        <p:txBody>
+          <a:bodyPr wrap="square">
+            <a:spAutoFit/>
+          </a:bodyPr>
+          <a:lstStyle/>
+          <a:p>
+            <a:pPr algn="ctr"/>
+            <a:r>
+              <a:rPr lang="en-MX" dirty="0">
+                <a:ln w="0"/>
+                <a:solidFill>
+                  <a:schemeClr val="tx1"/>
+                </a:solidFill>
+                <a:effectLst>
+                  <a:outerShdw blurRad="38100" dist="19050" dir="2700000" algn="tl" rotWithShape="0">
+                    <a:schemeClr val="dk1">
+                      <a:alpha val="40000"/>
+                    </a:schemeClr>
+                  </a:outerShdw>
+                </a:effectLst>
+                <a:latin typeface="Arial" panose="020B0604020202020204" pitchFamily="34" charset="0"/>
+                <a:cs typeface="Arial" panose="020B0604020202020204" pitchFamily="34" charset="0"/>
+              </a:rPr>
+              <a:t>Sets next question to the following question</a:t>
+            </a:r>
+          </a:p>
+        </p:txBody>
+      </p:sp>
+      <p:cxnSp>
+        <p:nvCxnSpPr>
+          <p:cNvPr id="31" name="Elbow Connector 30">
+            <a:extLst>
+              <a:ext uri="{FF2B5EF4-FFF2-40B4-BE49-F238E27FC236}">
+                <a16:creationId xmlns:a16="http://schemas.microsoft.com/office/drawing/2014/main" id="{AC2C25D8-6442-19AE-1B86-2470DEDDF123}"/>
+              </a:ext>
+            </a:extLst>
+          </p:cNvPr>
+          <p:cNvCxnSpPr>
+            <a:cxnSpLocks/>
+            <a:endCxn id="7" idx="2"/>
+          </p:cNvCxnSpPr>
+          <p:nvPr/>
+        </p:nvCxnSpPr>
+        <p:spPr>
+          <a:xfrm rot="10800000">
+            <a:off x="13072055" y="15024825"/>
+            <a:ext cx="5240116" cy="1104828"/>
+          </a:xfrm>
+          <a:prstGeom prst="bentConnector2">
+            <a:avLst/>
+          </a:prstGeom>
+        </p:spPr>
+        <p:style>
+          <a:lnRef idx="3">
+            <a:schemeClr val="dk1"/>
+          </a:lnRef>
+          <a:fillRef idx="0">
+            <a:schemeClr val="dk1"/>
+          </a:fillRef>
+          <a:effectRef idx="2">
+            <a:schemeClr val="dk1"/>
+          </a:effectRef>
+          <a:fontRef idx="minor">
+            <a:schemeClr val="tx1"/>
+          </a:fontRef>
+        </p:style>
+      </p:cxnSp>
+      <p:cxnSp>
+        <p:nvCxnSpPr>
+          <p:cNvPr id="32" name="Elbow Connector 31">
+            <a:extLst>
+              <a:ext uri="{FF2B5EF4-FFF2-40B4-BE49-F238E27FC236}">
+                <a16:creationId xmlns:a16="http://schemas.microsoft.com/office/drawing/2014/main" id="{B50D1804-88A2-038F-3583-61A269D48F46}"/>
+              </a:ext>
+            </a:extLst>
+          </p:cNvPr>
+          <p:cNvCxnSpPr>
+            <a:cxnSpLocks/>
+            <a:stCxn id="2241" idx="1"/>
+            <a:endCxn id="10" idx="2"/>
+          </p:cNvCxnSpPr>
+          <p:nvPr/>
+        </p:nvCxnSpPr>
+        <p:spPr>
+          <a:xfrm rot="10800000">
+            <a:off x="15158318" y="15048200"/>
+            <a:ext cx="3153855" cy="829359"/>
+          </a:xfrm>
+          <a:prstGeom prst="bentConnector2">
+            <a:avLst/>
+          </a:prstGeom>
+        </p:spPr>
+        <p:style>
+          <a:lnRef idx="3">
+            <a:schemeClr val="dk1"/>
+          </a:lnRef>
+          <a:fillRef idx="0">
+            <a:schemeClr val="dk1"/>
+          </a:fillRef>
+          <a:effectRef idx="2">
+            <a:schemeClr val="dk1"/>
+          </a:effectRef>
+          <a:fontRef idx="minor">
+            <a:schemeClr val="tx1"/>
+          </a:fontRef>
+        </p:style>
+      </p:cxnSp>
+      <p:cxnSp>
+        <p:nvCxnSpPr>
+          <p:cNvPr id="36" name="Elbow Connector 35">
+            <a:extLst>
+              <a:ext uri="{FF2B5EF4-FFF2-40B4-BE49-F238E27FC236}">
+                <a16:creationId xmlns:a16="http://schemas.microsoft.com/office/drawing/2014/main" id="{1654E93D-00E3-BDD4-BB73-5E8EB18D7C9C}"/>
+              </a:ext>
+            </a:extLst>
+          </p:cNvPr>
+          <p:cNvCxnSpPr>
+            <a:cxnSpLocks/>
+            <a:endCxn id="11" idx="2"/>
+          </p:cNvCxnSpPr>
+          <p:nvPr/>
+        </p:nvCxnSpPr>
+        <p:spPr>
+          <a:xfrm rot="10800000">
+            <a:off x="17105602" y="15048200"/>
+            <a:ext cx="1206570" cy="600767"/>
+          </a:xfrm>
+          <a:prstGeom prst="bentConnector2">
+            <a:avLst/>
+          </a:prstGeom>
+        </p:spPr>
+        <p:style>
+          <a:lnRef idx="3">
+            <a:schemeClr val="dk1"/>
+          </a:lnRef>
+          <a:fillRef idx="0">
+            <a:schemeClr val="dk1"/>
+          </a:fillRef>
+          <a:effectRef idx="2">
+            <a:schemeClr val="dk1"/>
+          </a:effectRef>
+          <a:fontRef idx="minor">
+            <a:schemeClr val="tx1"/>
+          </a:fontRef>
+        </p:style>
+      </p:cxnSp>
+      <p:cxnSp>
+        <p:nvCxnSpPr>
+          <p:cNvPr id="54" name="Elbow Connector 53">
+            <a:extLst>
+              <a:ext uri="{FF2B5EF4-FFF2-40B4-BE49-F238E27FC236}">
+                <a16:creationId xmlns:a16="http://schemas.microsoft.com/office/drawing/2014/main" id="{9323F0F6-E008-34E3-6829-DC5FE5F4B8FB}"/>
+              </a:ext>
+            </a:extLst>
+          </p:cNvPr>
+          <p:cNvCxnSpPr>
+            <a:cxnSpLocks/>
+            <a:stCxn id="11" idx="0"/>
+          </p:cNvCxnSpPr>
+          <p:nvPr/>
+        </p:nvCxnSpPr>
+        <p:spPr>
+          <a:xfrm rot="5400000" flipH="1" flipV="1">
+            <a:off x="17514202" y="12311237"/>
+            <a:ext cx="389371" cy="1206570"/>
+          </a:xfrm>
+          <a:prstGeom prst="bentConnector2">
+            <a:avLst/>
+          </a:prstGeom>
+          <a:ln>
+            <a:tailEnd type="triangle"/>
+          </a:ln>
+        </p:spPr>
+        <p:style>
+          <a:lnRef idx="3">
+            <a:schemeClr val="dk1"/>
+          </a:lnRef>
+          <a:fillRef idx="0">
+            <a:schemeClr val="dk1"/>
+          </a:fillRef>
+          <a:effectRef idx="2">
+            <a:schemeClr val="dk1"/>
+          </a:effectRef>
+          <a:fontRef idx="minor">
+            <a:schemeClr val="tx1"/>
+          </a:fontRef>
+        </p:style>
+      </p:cxnSp>
+      <p:cxnSp>
+        <p:nvCxnSpPr>
+          <p:cNvPr id="55" name="Elbow Connector 54">
+            <a:extLst>
+              <a:ext uri="{FF2B5EF4-FFF2-40B4-BE49-F238E27FC236}">
+                <a16:creationId xmlns:a16="http://schemas.microsoft.com/office/drawing/2014/main" id="{3CF823DF-CDA6-B550-4277-15320AB1F4FC}"/>
+              </a:ext>
+            </a:extLst>
+          </p:cNvPr>
+          <p:cNvCxnSpPr>
+            <a:cxnSpLocks/>
+            <a:stCxn id="10" idx="0"/>
+          </p:cNvCxnSpPr>
+          <p:nvPr/>
+        </p:nvCxnSpPr>
+        <p:spPr>
+          <a:xfrm rot="5400000" flipH="1" flipV="1">
+            <a:off x="16329330" y="11126364"/>
+            <a:ext cx="811831" cy="3153857"/>
+          </a:xfrm>
+          <a:prstGeom prst="bentConnector2">
+            <a:avLst/>
+          </a:prstGeom>
+          <a:ln>
+            <a:tailEnd type="triangle"/>
+          </a:ln>
+        </p:spPr>
+        <p:style>
+          <a:lnRef idx="3">
+            <a:schemeClr val="dk1"/>
+          </a:lnRef>
+          <a:fillRef idx="0">
+            <a:schemeClr val="dk1"/>
+          </a:fillRef>
+          <a:effectRef idx="2">
+            <a:schemeClr val="dk1"/>
+          </a:effectRef>
+          <a:fontRef idx="minor">
+            <a:schemeClr val="tx1"/>
+          </a:fontRef>
+        </p:style>
+      </p:cxnSp>
+      <p:cxnSp>
+        <p:nvCxnSpPr>
+          <p:cNvPr id="59" name="Elbow Connector 58">
+            <a:extLst>
+              <a:ext uri="{FF2B5EF4-FFF2-40B4-BE49-F238E27FC236}">
+                <a16:creationId xmlns:a16="http://schemas.microsoft.com/office/drawing/2014/main" id="{E6B0E6B3-C192-9559-8206-9B04EBFEA651}"/>
+              </a:ext>
+            </a:extLst>
+          </p:cNvPr>
+          <p:cNvCxnSpPr>
+            <a:cxnSpLocks/>
+            <a:stCxn id="7" idx="0"/>
+            <a:endCxn id="62" idx="1"/>
+          </p:cNvCxnSpPr>
+          <p:nvPr/>
+        </p:nvCxnSpPr>
+        <p:spPr>
+          <a:xfrm rot="5400000" flipH="1" flipV="1">
+            <a:off x="15085848" y="9839948"/>
+            <a:ext cx="1232093" cy="5259678"/>
+          </a:xfrm>
+          <a:prstGeom prst="bentConnector2">
+            <a:avLst/>
+          </a:prstGeom>
+          <a:ln>
+            <a:tailEnd type="triangle"/>
+          </a:ln>
+        </p:spPr>
+        <p:style>
+          <a:lnRef idx="3">
+            <a:schemeClr val="dk1"/>
+          </a:lnRef>
+          <a:fillRef idx="0">
+            <a:schemeClr val="dk1"/>
+          </a:fillRef>
+          <a:effectRef idx="2">
+            <a:schemeClr val="dk1"/>
+          </a:effectRef>
+          <a:fontRef idx="minor">
+            <a:schemeClr val="tx1"/>
+          </a:fontRef>
+        </p:style>
+      </p:cxnSp>
+      <p:cxnSp>
+        <p:nvCxnSpPr>
+          <p:cNvPr id="2265" name="Elbow Connector 2264">
+            <a:extLst>
+              <a:ext uri="{FF2B5EF4-FFF2-40B4-BE49-F238E27FC236}">
+                <a16:creationId xmlns:a16="http://schemas.microsoft.com/office/drawing/2014/main" id="{74B22230-30A6-3D95-C4E4-B13D29E8ECAA}"/>
+              </a:ext>
+            </a:extLst>
+          </p:cNvPr>
+          <p:cNvCxnSpPr>
+            <a:cxnSpLocks/>
+            <a:stCxn id="63" idx="3"/>
+            <a:endCxn id="2268" idx="2"/>
+          </p:cNvCxnSpPr>
+          <p:nvPr/>
+        </p:nvCxnSpPr>
+        <p:spPr>
+          <a:xfrm flipV="1">
+            <a:off x="25034542" y="13722372"/>
+            <a:ext cx="1508282" cy="393561"/>
+          </a:xfrm>
+          <a:prstGeom prst="bentConnector2">
+            <a:avLst/>
+          </a:prstGeom>
+        </p:spPr>
+        <p:style>
+          <a:lnRef idx="3">
+            <a:schemeClr val="dk1"/>
+          </a:lnRef>
+          <a:fillRef idx="0">
+            <a:schemeClr val="dk1"/>
+          </a:fillRef>
+          <a:effectRef idx="2">
+            <a:schemeClr val="dk1"/>
+          </a:effectRef>
+          <a:fontRef idx="minor">
+            <a:schemeClr val="tx1"/>
+          </a:fontRef>
+        </p:style>
+      </p:cxnSp>
+      <p:sp>
+        <p:nvSpPr>
+          <p:cNvPr id="2268" name="TextBox 2267">
+            <a:extLst>
+              <a:ext uri="{FF2B5EF4-FFF2-40B4-BE49-F238E27FC236}">
+                <a16:creationId xmlns:a16="http://schemas.microsoft.com/office/drawing/2014/main" id="{9220FC33-2505-7FD5-10A5-3C5E79FE43BC}"/>
+              </a:ext>
+            </a:extLst>
+          </p:cNvPr>
+          <p:cNvSpPr txBox="1"/>
+          <p:nvPr/>
+        </p:nvSpPr>
+        <p:spPr>
+          <a:xfrm>
+            <a:off x="25374940" y="11783380"/>
+            <a:ext cx="2335768" cy="1938992"/>
+          </a:xfrm>
+          <a:prstGeom prst="rect">
+            <a:avLst/>
+          </a:prstGeom>
+          <a:noFill/>
+        </p:spPr>
+        <p:txBody>
+          <a:bodyPr wrap="square">
+            <a:spAutoFit/>
+          </a:bodyPr>
+          <a:lstStyle/>
+          <a:p>
+            <a:pPr algn="ctr"/>
+            <a:r>
+              <a:rPr lang="en-MX" dirty="0">
+                <a:ln w="0"/>
+                <a:solidFill>
+                  <a:schemeClr val="tx1"/>
+                </a:solidFill>
+                <a:effectLst>
+                  <a:outerShdw blurRad="38100" dist="19050" dir="2700000" algn="tl" rotWithShape="0">
+                    <a:schemeClr val="dk1">
+                      <a:alpha val="40000"/>
+                    </a:schemeClr>
+                  </a:outerShdw>
+                </a:effectLst>
+                <a:latin typeface="Arial" panose="020B0604020202020204" pitchFamily="34" charset="0"/>
+                <a:cs typeface="Arial" panose="020B0604020202020204" pitchFamily="34" charset="0"/>
+              </a:rPr>
+              <a:t>Sets user identity verified to true if verification succeeds</a:t>
+            </a:r>
+          </a:p>
+        </p:txBody>
+      </p:sp>
+      <p:cxnSp>
+        <p:nvCxnSpPr>
+          <p:cNvPr id="2279" name="Elbow Connector 2278">
+            <a:extLst>
+              <a:ext uri="{FF2B5EF4-FFF2-40B4-BE49-F238E27FC236}">
+                <a16:creationId xmlns:a16="http://schemas.microsoft.com/office/drawing/2014/main" id="{0C29E2A2-B412-B6C5-636D-9988698FCFC1}"/>
+              </a:ext>
+            </a:extLst>
+          </p:cNvPr>
+          <p:cNvCxnSpPr>
+            <a:cxnSpLocks/>
+            <a:stCxn id="2268" idx="0"/>
+          </p:cNvCxnSpPr>
+          <p:nvPr/>
+        </p:nvCxnSpPr>
+        <p:spPr>
+          <a:xfrm rot="16200000" flipV="1">
+            <a:off x="25617634" y="10858190"/>
+            <a:ext cx="389372" cy="1461008"/>
+          </a:xfrm>
+          <a:prstGeom prst="bentConnector2">
+            <a:avLst/>
+          </a:prstGeom>
+          <a:ln>
+            <a:tailEnd type="triangle"/>
+          </a:ln>
+        </p:spPr>
+        <p:style>
+          <a:lnRef idx="3">
+            <a:schemeClr val="dk1"/>
+          </a:lnRef>
+          <a:fillRef idx="0">
+            <a:schemeClr val="dk1"/>
+          </a:fillRef>
+          <a:effectRef idx="2">
+            <a:schemeClr val="dk1"/>
+          </a:effectRef>
+          <a:fontRef idx="minor">
+            <a:schemeClr val="tx1"/>
+          </a:fontRef>
+        </p:style>
+      </p:cxnSp>
+      <p:cxnSp>
+        <p:nvCxnSpPr>
+          <p:cNvPr id="2289" name="Elbow Connector 2288">
+            <a:extLst>
+              <a:ext uri="{FF2B5EF4-FFF2-40B4-BE49-F238E27FC236}">
+                <a16:creationId xmlns:a16="http://schemas.microsoft.com/office/drawing/2014/main" id="{903EB441-F4C1-7348-5F72-A5ACA62E02F0}"/>
+              </a:ext>
+            </a:extLst>
+          </p:cNvPr>
+          <p:cNvCxnSpPr>
+            <a:cxnSpLocks/>
+            <a:stCxn id="2240" idx="3"/>
+            <a:endCxn id="2290" idx="2"/>
+          </p:cNvCxnSpPr>
+          <p:nvPr/>
+        </p:nvCxnSpPr>
+        <p:spPr>
+          <a:xfrm flipV="1">
+            <a:off x="25062257" y="16795902"/>
+            <a:ext cx="4682716" cy="617177"/>
+          </a:xfrm>
+          <a:prstGeom prst="bentConnector2">
+            <a:avLst/>
+          </a:prstGeom>
+        </p:spPr>
+        <p:style>
+          <a:lnRef idx="3">
+            <a:schemeClr val="dk1"/>
+          </a:lnRef>
+          <a:fillRef idx="0">
+            <a:schemeClr val="dk1"/>
+          </a:fillRef>
+          <a:effectRef idx="2">
+            <a:schemeClr val="dk1"/>
+          </a:effectRef>
+          <a:fontRef idx="minor">
+            <a:schemeClr val="tx1"/>
+          </a:fontRef>
+        </p:style>
+      </p:cxnSp>
+      <p:sp>
+        <p:nvSpPr>
+          <p:cNvPr id="2290" name="TextBox 2289">
+            <a:extLst>
+              <a:ext uri="{FF2B5EF4-FFF2-40B4-BE49-F238E27FC236}">
+                <a16:creationId xmlns:a16="http://schemas.microsoft.com/office/drawing/2014/main" id="{B41D1C73-8396-59D3-F8A9-BB8BDDB6A663}"/>
+              </a:ext>
+            </a:extLst>
+          </p:cNvPr>
+          <p:cNvSpPr txBox="1"/>
+          <p:nvPr/>
+        </p:nvSpPr>
+        <p:spPr>
+          <a:xfrm>
+            <a:off x="28209836" y="15226242"/>
+            <a:ext cx="3070274" cy="1569660"/>
+          </a:xfrm>
+          <a:prstGeom prst="rect">
+            <a:avLst/>
+          </a:prstGeom>
+          <a:noFill/>
+        </p:spPr>
+        <p:txBody>
+          <a:bodyPr wrap="square">
+            <a:spAutoFit/>
+          </a:bodyPr>
+          <a:lstStyle/>
+          <a:p>
+            <a:pPr algn="ctr"/>
+            <a:r>
+              <a:rPr lang="en-MX" dirty="0">
+                <a:ln w="0"/>
+                <a:solidFill>
+                  <a:schemeClr val="tx1"/>
+                </a:solidFill>
+                <a:effectLst>
+                  <a:outerShdw blurRad="38100" dist="19050" dir="2700000" algn="tl" rotWithShape="0">
+                    <a:schemeClr val="dk1">
+                      <a:alpha val="40000"/>
+                    </a:schemeClr>
+                  </a:outerShdw>
+                </a:effectLst>
+                <a:latin typeface="Arial" panose="020B0604020202020204" pitchFamily="34" charset="0"/>
+                <a:cs typeface="Arial" panose="020B0604020202020204" pitchFamily="34" charset="0"/>
+              </a:rPr>
+              <a:t>Creates a form submission using answered questions from the </a:t>
+            </a:r>
+            <a:r>
+              <a:rPr lang="en-MX" b="1" dirty="0">
+                <a:ln w="0"/>
+                <a:solidFill>
+                  <a:schemeClr val="tx1"/>
+                </a:solidFill>
+                <a:effectLst>
+                  <a:outerShdw blurRad="38100" dist="19050" dir="2700000" algn="tl" rotWithShape="0">
+                    <a:schemeClr val="dk1">
+                      <a:alpha val="40000"/>
+                    </a:schemeClr>
+                  </a:outerShdw>
+                </a:effectLst>
+                <a:latin typeface="Arial" panose="020B0604020202020204" pitchFamily="34" charset="0"/>
+                <a:cs typeface="Arial" panose="020B0604020202020204" pitchFamily="34" charset="0"/>
+              </a:rPr>
+              <a:t>State</a:t>
+            </a:r>
+          </a:p>
+        </p:txBody>
+      </p:sp>
+      <p:cxnSp>
+        <p:nvCxnSpPr>
+          <p:cNvPr id="2303" name="Straight Arrow Connector 2302">
+            <a:extLst>
+              <a:ext uri="{FF2B5EF4-FFF2-40B4-BE49-F238E27FC236}">
+                <a16:creationId xmlns:a16="http://schemas.microsoft.com/office/drawing/2014/main" id="{9518828B-650E-4CCF-3033-451A76E1C47A}"/>
+              </a:ext>
+            </a:extLst>
+          </p:cNvPr>
+          <p:cNvCxnSpPr>
+            <a:stCxn id="2290" idx="0"/>
+            <a:endCxn id="2262" idx="2"/>
+          </p:cNvCxnSpPr>
+          <p:nvPr/>
+        </p:nvCxnSpPr>
+        <p:spPr>
+          <a:xfrm flipV="1">
+            <a:off x="29744973" y="14666889"/>
+            <a:ext cx="0" cy="559353"/>
+          </a:xfrm>
+          <a:prstGeom prst="straightConnector1">
+            <a:avLst/>
+          </a:prstGeom>
+          <a:ln>
+            <a:tailEnd type="triangle"/>
+          </a:ln>
+        </p:spPr>
+        <p:style>
+          <a:lnRef idx="3">
+            <a:schemeClr val="dk1"/>
+          </a:lnRef>
+          <a:fillRef idx="0">
+            <a:schemeClr val="dk1"/>
+          </a:fillRef>
+          <a:effectRef idx="2">
+            <a:schemeClr val="dk1"/>
+          </a:effectRef>
+          <a:fontRef idx="minor">
+            <a:schemeClr val="tx1"/>
+          </a:fontRef>
+        </p:style>
+      </p:cxnSp>
+      <p:sp>
+        <p:nvSpPr>
+          <p:cNvPr id="67" name="Rectangle 66">
+            <a:extLst>
+              <a:ext uri="{FF2B5EF4-FFF2-40B4-BE49-F238E27FC236}">
+                <a16:creationId xmlns:a16="http://schemas.microsoft.com/office/drawing/2014/main" id="{4C36F402-1370-49EF-FDEF-AF048B3A89A7}"/>
+              </a:ext>
+            </a:extLst>
+          </p:cNvPr>
+          <p:cNvSpPr/>
+          <p:nvPr/>
+        </p:nvSpPr>
+        <p:spPr>
+          <a:xfrm>
+            <a:off x="11578166" y="23900592"/>
+            <a:ext cx="3052234" cy="830055"/>
+          </a:xfrm>
+          <a:prstGeom prst="rect">
+            <a:avLst/>
+          </a:prstGeom>
+          <a:solidFill>
+            <a:srgbClr val="FCBFBB"/>
+          </a:solidFill>
+          <a:ln/>
+        </p:spPr>
+        <p:style>
+          <a:lnRef idx="1">
+            <a:schemeClr val="accent6"/>
+          </a:lnRef>
+          <a:fillRef idx="2">
+            <a:schemeClr val="accent6"/>
+          </a:fillRef>
+          <a:effectRef idx="1">
+            <a:schemeClr val="accent6"/>
+          </a:effectRef>
+          <a:fontRef idx="minor">
+            <a:schemeClr val="dk1"/>
+          </a:fontRef>
+        </p:style>
+        <p:txBody>
+          <a:bodyPr rtlCol="0" anchor="ctr"/>
+          <a:lstStyle/>
+          <a:p>
+            <a:pPr algn="just"/>
+            <a:r>
+              <a:rPr lang="en-MX" sz="2800" dirty="0">
+                <a:ln w="0"/>
+                <a:solidFill>
+                  <a:schemeClr val="tx1"/>
+                </a:solidFill>
+                <a:effectLst>
+                  <a:outerShdw blurRad="38100" dist="19050" dir="2700000" algn="tl" rotWithShape="0">
+                    <a:schemeClr val="dk1">
+                      <a:alpha val="40000"/>
+                    </a:schemeClr>
+                  </a:outerShdw>
+                </a:effectLst>
+                <a:latin typeface="Arial" panose="020B0604020202020204" pitchFamily="34" charset="0"/>
+                <a:cs typeface="Arial" panose="020B0604020202020204" pitchFamily="34" charset="0"/>
+              </a:rPr>
+              <a:t>peter@gmail.com</a:t>
+            </a:r>
+          </a:p>
+        </p:txBody>
+      </p:sp>
+      <p:sp>
+        <p:nvSpPr>
+          <p:cNvPr id="69" name="Rectangle 68">
+            <a:extLst>
+              <a:ext uri="{FF2B5EF4-FFF2-40B4-BE49-F238E27FC236}">
+                <a16:creationId xmlns:a16="http://schemas.microsoft.com/office/drawing/2014/main" id="{BFB7E049-8408-CFDF-9111-367D6A759290}"/>
+              </a:ext>
+            </a:extLst>
+          </p:cNvPr>
+          <p:cNvSpPr/>
+          <p:nvPr/>
+        </p:nvSpPr>
+        <p:spPr>
+          <a:xfrm>
+            <a:off x="17751926" y="24529970"/>
+            <a:ext cx="14353671" cy="1131640"/>
+          </a:xfrm>
+          <a:prstGeom prst="rect">
+            <a:avLst/>
+          </a:prstGeom>
+          <a:solidFill>
+            <a:schemeClr val="accent5">
+              <a:lumMod val="40000"/>
+              <a:lumOff val="60000"/>
+            </a:schemeClr>
+          </a:solidFill>
+          <a:ln/>
+        </p:spPr>
+        <p:style>
+          <a:lnRef idx="1">
+            <a:schemeClr val="accent6"/>
+          </a:lnRef>
+          <a:fillRef idx="2">
+            <a:schemeClr val="accent6"/>
+          </a:fillRef>
+          <a:effectRef idx="1">
+            <a:schemeClr val="accent6"/>
+          </a:effectRef>
+          <a:fontRef idx="minor">
+            <a:schemeClr val="dk1"/>
+          </a:fontRef>
+        </p:style>
+        <p:txBody>
+          <a:bodyPr rtlCol="0" anchor="ctr"/>
+          <a:lstStyle/>
+          <a:p>
+            <a:pPr algn="just"/>
+            <a:r>
+              <a:rPr lang="en-US" sz="2800" dirty="0">
+                <a:ln w="0"/>
+                <a:solidFill>
+                  <a:schemeClr val="tx1"/>
+                </a:solidFill>
+                <a:effectLst>
+                  <a:outerShdw blurRad="38100" dist="19050" dir="2700000" algn="tl" rotWithShape="0">
+                    <a:schemeClr val="dk1">
+                      <a:alpha val="40000"/>
+                    </a:schemeClr>
+                  </a:outerShdw>
+                </a:effectLst>
+                <a:latin typeface="Arial" panose="020B0604020202020204" pitchFamily="34" charset="0"/>
+                <a:cs typeface="Arial" panose="020B0604020202020204" pitchFamily="34" charset="0"/>
+              </a:rPr>
+              <a:t>Got it. Now please describe the problem you are facing </a:t>
+            </a:r>
+            <a:endParaRPr lang="en-MX" sz="2800" dirty="0">
+              <a:ln w="0"/>
+              <a:solidFill>
+                <a:schemeClr val="tx1"/>
+              </a:solidFill>
+              <a:effectLst>
+                <a:outerShdw blurRad="38100" dist="19050" dir="2700000" algn="tl" rotWithShape="0">
+                  <a:schemeClr val="dk1">
+                    <a:alpha val="40000"/>
+                  </a:schemeClr>
+                </a:outerShdw>
+              </a:effectLst>
+              <a:latin typeface="Arial" panose="020B0604020202020204" pitchFamily="34" charset="0"/>
+              <a:cs typeface="Arial" panose="020B0604020202020204" pitchFamily="34" charset="0"/>
+            </a:endParaRPr>
+          </a:p>
+        </p:txBody>
+      </p:sp>
+      <p:sp>
+        <p:nvSpPr>
+          <p:cNvPr id="70" name="Rectangle 69">
+            <a:extLst>
+              <a:ext uri="{FF2B5EF4-FFF2-40B4-BE49-F238E27FC236}">
+                <a16:creationId xmlns:a16="http://schemas.microsoft.com/office/drawing/2014/main" id="{44C27077-0837-D6E2-815D-38D4EB5A2A65}"/>
+              </a:ext>
+            </a:extLst>
+          </p:cNvPr>
+          <p:cNvSpPr/>
+          <p:nvPr/>
+        </p:nvSpPr>
+        <p:spPr>
+          <a:xfrm>
+            <a:off x="2151033" y="26784262"/>
+            <a:ext cx="6840567" cy="3162337"/>
+          </a:xfrm>
+          <a:prstGeom prst="rect">
+            <a:avLst/>
+          </a:prstGeom>
+          <a:solidFill>
+            <a:schemeClr val="bg2">
+              <a:lumMod val="20000"/>
+              <a:lumOff val="80000"/>
+            </a:schemeClr>
+          </a:solidFill>
+          <a:ln/>
+        </p:spPr>
+        <p:style>
+          <a:lnRef idx="1">
+            <a:schemeClr val="accent6"/>
+          </a:lnRef>
+          <a:fillRef idx="2">
+            <a:schemeClr val="accent6"/>
+          </a:fillRef>
+          <a:effectRef idx="1">
+            <a:schemeClr val="accent6"/>
+          </a:effectRef>
+          <a:fontRef idx="minor">
+            <a:schemeClr val="dk1"/>
+          </a:fontRef>
+        </p:style>
+        <p:txBody>
+          <a:bodyPr rtlCol="0" anchor="ctr"/>
+          <a:lstStyle/>
+          <a:p>
+            <a:pPr algn="ctr"/>
+            <a:r>
+              <a:rPr lang="en-MX" sz="2800" dirty="0">
+                <a:ln w="0"/>
+                <a:solidFill>
+                  <a:schemeClr val="tx1"/>
+                </a:solidFill>
+                <a:effectLst>
+                  <a:outerShdw blurRad="38100" dist="19050" dir="2700000" algn="tl" rotWithShape="0">
+                    <a:schemeClr val="dk1">
+                      <a:alpha val="40000"/>
+                    </a:schemeClr>
+                  </a:outerShdw>
+                </a:effectLst>
+                <a:latin typeface="Arial" panose="020B0604020202020204" pitchFamily="34" charset="0"/>
+                <a:cs typeface="Arial" panose="020B0604020202020204" pitchFamily="34" charset="0"/>
+              </a:rPr>
+              <a:t>Host Server</a:t>
+            </a:r>
+          </a:p>
+          <a:p>
+            <a:pPr algn="ctr"/>
+            <a:r>
+              <a:rPr lang="en-MX" sz="2800" dirty="0">
+                <a:ln w="0"/>
+                <a:solidFill>
+                  <a:schemeClr val="tx1"/>
+                </a:solidFill>
+                <a:effectLst>
+                  <a:outerShdw blurRad="38100" dist="19050" dir="2700000" algn="tl" rotWithShape="0">
+                    <a:schemeClr val="dk1">
+                      <a:alpha val="40000"/>
+                    </a:schemeClr>
+                  </a:outerShdw>
+                </a:effectLst>
+                <a:latin typeface="Arial" panose="020B0604020202020204" pitchFamily="34" charset="0"/>
+                <a:cs typeface="Arial" panose="020B0604020202020204" pitchFamily="34" charset="0"/>
+              </a:rPr>
+              <a:t>(FastAPI)</a:t>
+            </a:r>
+          </a:p>
+        </p:txBody>
+      </p:sp>
+      <p:sp>
+        <p:nvSpPr>
+          <p:cNvPr id="71" name="Rectangle 70">
+            <a:extLst>
+              <a:ext uri="{FF2B5EF4-FFF2-40B4-BE49-F238E27FC236}">
+                <a16:creationId xmlns:a16="http://schemas.microsoft.com/office/drawing/2014/main" id="{1BABE2E7-646F-5DF7-38FE-ABE4798D3B46}"/>
+              </a:ext>
+            </a:extLst>
+          </p:cNvPr>
+          <p:cNvSpPr/>
+          <p:nvPr/>
+        </p:nvSpPr>
+        <p:spPr>
+          <a:xfrm>
+            <a:off x="6624945" y="28667741"/>
+            <a:ext cx="2142208" cy="1039473"/>
+          </a:xfrm>
+          <a:prstGeom prst="rect">
+            <a:avLst/>
+          </a:prstGeom>
+          <a:solidFill>
+            <a:schemeClr val="accent5">
+              <a:lumMod val="40000"/>
+              <a:lumOff val="60000"/>
+            </a:schemeClr>
+          </a:solidFill>
+          <a:ln/>
+        </p:spPr>
+        <p:style>
+          <a:lnRef idx="1">
+            <a:schemeClr val="accent6"/>
+          </a:lnRef>
+          <a:fillRef idx="2">
+            <a:schemeClr val="accent6"/>
+          </a:fillRef>
+          <a:effectRef idx="1">
+            <a:schemeClr val="accent6"/>
+          </a:effectRef>
+          <a:fontRef idx="minor">
+            <a:schemeClr val="dk1"/>
+          </a:fontRef>
+        </p:style>
+        <p:txBody>
+          <a:bodyPr rtlCol="0" anchor="ctr"/>
+          <a:lstStyle/>
+          <a:p>
+            <a:pPr algn="ctr"/>
+            <a:r>
+              <a:rPr lang="en-MX" sz="2800" dirty="0">
+                <a:ln w="0"/>
+                <a:solidFill>
+                  <a:schemeClr val="tx1"/>
+                </a:solidFill>
+                <a:effectLst>
+                  <a:outerShdw blurRad="38100" dist="19050" dir="2700000" algn="tl" rotWithShape="0">
+                    <a:schemeClr val="dk1">
+                      <a:alpha val="40000"/>
+                    </a:schemeClr>
+                  </a:outerShdw>
+                </a:effectLst>
+                <a:latin typeface="Arial" panose="020B0604020202020204" pitchFamily="34" charset="0"/>
+                <a:cs typeface="Arial" panose="020B0604020202020204" pitchFamily="34" charset="0"/>
+              </a:rPr>
+              <a:t>Deepgram (STT)</a:t>
+            </a:r>
+          </a:p>
+        </p:txBody>
+      </p:sp>
+      <p:sp>
+        <p:nvSpPr>
+          <p:cNvPr id="72" name="Rectangle 71">
+            <a:extLst>
+              <a:ext uri="{FF2B5EF4-FFF2-40B4-BE49-F238E27FC236}">
+                <a16:creationId xmlns:a16="http://schemas.microsoft.com/office/drawing/2014/main" id="{9822C915-D827-7555-7ACA-C6F7AFC85986}"/>
+              </a:ext>
+            </a:extLst>
+          </p:cNvPr>
+          <p:cNvSpPr/>
+          <p:nvPr/>
+        </p:nvSpPr>
+        <p:spPr>
+          <a:xfrm>
+            <a:off x="2353592" y="26979481"/>
+            <a:ext cx="2142208" cy="1039473"/>
+          </a:xfrm>
+          <a:prstGeom prst="rect">
+            <a:avLst/>
+          </a:prstGeom>
+          <a:solidFill>
+            <a:schemeClr val="accent5">
+              <a:lumMod val="40000"/>
+              <a:lumOff val="60000"/>
+            </a:schemeClr>
+          </a:solidFill>
+          <a:ln/>
+        </p:spPr>
+        <p:style>
+          <a:lnRef idx="1">
+            <a:schemeClr val="accent6"/>
+          </a:lnRef>
+          <a:fillRef idx="2">
+            <a:schemeClr val="accent6"/>
+          </a:fillRef>
+          <a:effectRef idx="1">
+            <a:schemeClr val="accent6"/>
+          </a:effectRef>
+          <a:fontRef idx="minor">
+            <a:schemeClr val="dk1"/>
+          </a:fontRef>
+        </p:style>
+        <p:txBody>
+          <a:bodyPr rtlCol="0" anchor="ctr"/>
+          <a:lstStyle/>
+          <a:p>
+            <a:pPr algn="ctr"/>
+            <a:r>
+              <a:rPr lang="en-MX" sz="2800" dirty="0">
+                <a:ln w="0"/>
+                <a:solidFill>
+                  <a:schemeClr val="tx1"/>
+                </a:solidFill>
+                <a:effectLst>
+                  <a:outerShdw blurRad="38100" dist="19050" dir="2700000" algn="tl" rotWithShape="0">
+                    <a:schemeClr val="dk1">
+                      <a:alpha val="40000"/>
+                    </a:schemeClr>
+                  </a:outerShdw>
+                </a:effectLst>
+                <a:latin typeface="Arial" panose="020B0604020202020204" pitchFamily="34" charset="0"/>
+                <a:cs typeface="Arial" panose="020B0604020202020204" pitchFamily="34" charset="0"/>
+              </a:rPr>
+              <a:t>Twilio</a:t>
+            </a:r>
+          </a:p>
+          <a:p>
+            <a:pPr algn="ctr"/>
+            <a:r>
+              <a:rPr lang="en-MX" sz="2800" dirty="0">
+                <a:ln w="0"/>
+                <a:solidFill>
+                  <a:schemeClr val="tx1"/>
+                </a:solidFill>
+                <a:effectLst>
+                  <a:outerShdw blurRad="38100" dist="19050" dir="2700000" algn="tl" rotWithShape="0">
+                    <a:schemeClr val="dk1">
+                      <a:alpha val="40000"/>
+                    </a:schemeClr>
+                  </a:outerShdw>
+                </a:effectLst>
+                <a:latin typeface="Arial" panose="020B0604020202020204" pitchFamily="34" charset="0"/>
+                <a:cs typeface="Arial" panose="020B0604020202020204" pitchFamily="34" charset="0"/>
+              </a:rPr>
+              <a:t>(Outbound)</a:t>
+            </a:r>
+          </a:p>
+        </p:txBody>
+      </p:sp>
+      <p:sp>
+        <p:nvSpPr>
+          <p:cNvPr id="73" name="Rectangle 72">
+            <a:extLst>
+              <a:ext uri="{FF2B5EF4-FFF2-40B4-BE49-F238E27FC236}">
+                <a16:creationId xmlns:a16="http://schemas.microsoft.com/office/drawing/2014/main" id="{1331BD66-49CE-66AC-CD35-31945EE4F569}"/>
+              </a:ext>
+            </a:extLst>
+          </p:cNvPr>
+          <p:cNvSpPr/>
+          <p:nvPr/>
+        </p:nvSpPr>
+        <p:spPr>
+          <a:xfrm>
+            <a:off x="4495800" y="25403483"/>
+            <a:ext cx="2142208" cy="1039473"/>
+          </a:xfrm>
+          <a:prstGeom prst="rect">
+            <a:avLst/>
+          </a:prstGeom>
+          <a:solidFill>
+            <a:schemeClr val="accent5">
+              <a:lumMod val="40000"/>
+              <a:lumOff val="60000"/>
+            </a:schemeClr>
+          </a:solidFill>
+          <a:ln/>
+        </p:spPr>
+        <p:style>
+          <a:lnRef idx="1">
+            <a:schemeClr val="accent6"/>
+          </a:lnRef>
+          <a:fillRef idx="2">
+            <a:schemeClr val="accent6"/>
+          </a:fillRef>
+          <a:effectRef idx="1">
+            <a:schemeClr val="accent6"/>
+          </a:effectRef>
+          <a:fontRef idx="minor">
+            <a:schemeClr val="dk1"/>
+          </a:fontRef>
+        </p:style>
+        <p:txBody>
+          <a:bodyPr rtlCol="0" anchor="ctr"/>
+          <a:lstStyle/>
+          <a:p>
+            <a:pPr algn="ctr"/>
+            <a:r>
+              <a:rPr lang="en-MX" sz="2800" dirty="0">
+                <a:ln w="0"/>
+                <a:solidFill>
+                  <a:schemeClr val="tx1"/>
+                </a:solidFill>
+                <a:effectLst>
+                  <a:outerShdw blurRad="38100" dist="19050" dir="2700000" algn="tl" rotWithShape="0">
+                    <a:schemeClr val="dk1">
+                      <a:alpha val="40000"/>
+                    </a:schemeClr>
+                  </a:outerShdw>
+                </a:effectLst>
+                <a:latin typeface="Arial" panose="020B0604020202020204" pitchFamily="34" charset="0"/>
+                <a:cs typeface="Arial" panose="020B0604020202020204" pitchFamily="34" charset="0"/>
+              </a:rPr>
+              <a:t>User</a:t>
+            </a:r>
+          </a:p>
+        </p:txBody>
+      </p:sp>
+      <p:sp>
+        <p:nvSpPr>
+          <p:cNvPr id="74" name="Rectangle 73">
+            <a:extLst>
+              <a:ext uri="{FF2B5EF4-FFF2-40B4-BE49-F238E27FC236}">
+                <a16:creationId xmlns:a16="http://schemas.microsoft.com/office/drawing/2014/main" id="{1D2790B3-CB08-49EB-04F6-8EF0DA8393FE}"/>
+              </a:ext>
+            </a:extLst>
+          </p:cNvPr>
+          <p:cNvSpPr/>
+          <p:nvPr/>
+        </p:nvSpPr>
+        <p:spPr>
+          <a:xfrm>
+            <a:off x="4482737" y="30243739"/>
+            <a:ext cx="2142208" cy="1039473"/>
+          </a:xfrm>
+          <a:prstGeom prst="rect">
+            <a:avLst/>
+          </a:prstGeom>
+          <a:solidFill>
+            <a:schemeClr val="accent5">
+              <a:lumMod val="40000"/>
+              <a:lumOff val="60000"/>
+            </a:schemeClr>
+          </a:solidFill>
+          <a:ln/>
+        </p:spPr>
+        <p:style>
+          <a:lnRef idx="1">
+            <a:schemeClr val="accent6"/>
+          </a:lnRef>
+          <a:fillRef idx="2">
+            <a:schemeClr val="accent6"/>
+          </a:fillRef>
+          <a:effectRef idx="1">
+            <a:schemeClr val="accent6"/>
+          </a:effectRef>
+          <a:fontRef idx="minor">
+            <a:schemeClr val="dk1"/>
+          </a:fontRef>
+        </p:style>
+        <p:txBody>
+          <a:bodyPr rtlCol="0" anchor="ctr"/>
+          <a:lstStyle/>
+          <a:p>
+            <a:pPr algn="ctr"/>
+            <a:r>
+              <a:rPr lang="en-MX" sz="2800" dirty="0">
+                <a:ln w="0"/>
+                <a:solidFill>
+                  <a:schemeClr val="tx1"/>
+                </a:solidFill>
+                <a:effectLst>
+                  <a:outerShdw blurRad="38100" dist="19050" dir="2700000" algn="tl" rotWithShape="0">
+                    <a:schemeClr val="dk1">
+                      <a:alpha val="40000"/>
+                    </a:schemeClr>
+                  </a:outerShdw>
+                </a:effectLst>
+                <a:latin typeface="Arial" panose="020B0604020202020204" pitchFamily="34" charset="0"/>
+                <a:cs typeface="Arial" panose="020B0604020202020204" pitchFamily="34" charset="0"/>
+              </a:rPr>
+              <a:t>AI Agent</a:t>
+            </a:r>
+          </a:p>
+        </p:txBody>
+      </p:sp>
+      <p:sp>
+        <p:nvSpPr>
+          <p:cNvPr id="75" name="Rectangle 74">
+            <a:extLst>
+              <a:ext uri="{FF2B5EF4-FFF2-40B4-BE49-F238E27FC236}">
+                <a16:creationId xmlns:a16="http://schemas.microsoft.com/office/drawing/2014/main" id="{8646AAD4-EAC6-E9DE-DD87-148216F2A36B}"/>
+              </a:ext>
+            </a:extLst>
+          </p:cNvPr>
+          <p:cNvSpPr/>
+          <p:nvPr/>
+        </p:nvSpPr>
+        <p:spPr>
+          <a:xfrm>
+            <a:off x="2353592" y="28667741"/>
+            <a:ext cx="2142208" cy="1039473"/>
+          </a:xfrm>
+          <a:prstGeom prst="rect">
+            <a:avLst/>
+          </a:prstGeom>
+          <a:solidFill>
+            <a:schemeClr val="accent5">
+              <a:lumMod val="40000"/>
+              <a:lumOff val="60000"/>
+            </a:schemeClr>
+          </a:solidFill>
+          <a:ln/>
+        </p:spPr>
+        <p:style>
+          <a:lnRef idx="1">
+            <a:schemeClr val="accent6"/>
+          </a:lnRef>
+          <a:fillRef idx="2">
+            <a:schemeClr val="accent6"/>
+          </a:fillRef>
+          <a:effectRef idx="1">
+            <a:schemeClr val="accent6"/>
+          </a:effectRef>
+          <a:fontRef idx="minor">
+            <a:schemeClr val="dk1"/>
+          </a:fontRef>
+        </p:style>
+        <p:txBody>
+          <a:bodyPr rtlCol="0" anchor="ctr"/>
+          <a:lstStyle/>
+          <a:p>
+            <a:pPr algn="ctr"/>
+            <a:r>
+              <a:rPr lang="en-MX" sz="2800" dirty="0">
+                <a:ln w="0"/>
+                <a:solidFill>
+                  <a:schemeClr val="tx1"/>
+                </a:solidFill>
+                <a:effectLst>
+                  <a:outerShdw blurRad="38100" dist="19050" dir="2700000" algn="tl" rotWithShape="0">
+                    <a:schemeClr val="dk1">
+                      <a:alpha val="40000"/>
+                    </a:schemeClr>
+                  </a:outerShdw>
+                </a:effectLst>
+                <a:latin typeface="Arial" panose="020B0604020202020204" pitchFamily="34" charset="0"/>
+                <a:cs typeface="Arial" panose="020B0604020202020204" pitchFamily="34" charset="0"/>
+              </a:rPr>
+              <a:t>Deepgram</a:t>
+            </a:r>
+          </a:p>
+          <a:p>
+            <a:pPr algn="ctr"/>
+            <a:r>
+              <a:rPr lang="en-MX" sz="2800" dirty="0">
+                <a:ln w="0"/>
+                <a:solidFill>
+                  <a:schemeClr val="tx1"/>
+                </a:solidFill>
+                <a:effectLst>
+                  <a:outerShdw blurRad="38100" dist="19050" dir="2700000" algn="tl" rotWithShape="0">
+                    <a:schemeClr val="dk1">
+                      <a:alpha val="40000"/>
+                    </a:schemeClr>
+                  </a:outerShdw>
+                </a:effectLst>
+                <a:latin typeface="Arial" panose="020B0604020202020204" pitchFamily="34" charset="0"/>
+                <a:cs typeface="Arial" panose="020B0604020202020204" pitchFamily="34" charset="0"/>
+              </a:rPr>
+              <a:t>(TTS)</a:t>
+            </a:r>
+          </a:p>
+        </p:txBody>
+      </p:sp>
+      <p:sp>
+        <p:nvSpPr>
+          <p:cNvPr id="76" name="Rectangle 75">
+            <a:extLst>
+              <a:ext uri="{FF2B5EF4-FFF2-40B4-BE49-F238E27FC236}">
+                <a16:creationId xmlns:a16="http://schemas.microsoft.com/office/drawing/2014/main" id="{85F7AF56-23F1-9A0F-D011-71F8A8B911E3}"/>
+              </a:ext>
+            </a:extLst>
+          </p:cNvPr>
+          <p:cNvSpPr/>
+          <p:nvPr/>
+        </p:nvSpPr>
+        <p:spPr>
+          <a:xfrm>
+            <a:off x="6638009" y="26979481"/>
+            <a:ext cx="2142208" cy="1039473"/>
+          </a:xfrm>
+          <a:prstGeom prst="rect">
+            <a:avLst/>
+          </a:prstGeom>
+          <a:solidFill>
+            <a:schemeClr val="accent5">
+              <a:lumMod val="40000"/>
+              <a:lumOff val="60000"/>
+            </a:schemeClr>
+          </a:solidFill>
+          <a:ln/>
+        </p:spPr>
+        <p:style>
+          <a:lnRef idx="1">
+            <a:schemeClr val="accent6"/>
+          </a:lnRef>
+          <a:fillRef idx="2">
+            <a:schemeClr val="accent6"/>
+          </a:fillRef>
+          <a:effectRef idx="1">
+            <a:schemeClr val="accent6"/>
+          </a:effectRef>
+          <a:fontRef idx="minor">
+            <a:schemeClr val="dk1"/>
+          </a:fontRef>
+        </p:style>
+        <p:txBody>
+          <a:bodyPr rtlCol="0" anchor="ctr"/>
+          <a:lstStyle/>
+          <a:p>
+            <a:pPr algn="ctr"/>
+            <a:r>
+              <a:rPr lang="en-MX" sz="2800" dirty="0">
+                <a:ln w="0"/>
+                <a:solidFill>
+                  <a:schemeClr val="tx1"/>
+                </a:solidFill>
+                <a:effectLst>
+                  <a:outerShdw blurRad="38100" dist="19050" dir="2700000" algn="tl" rotWithShape="0">
+                    <a:schemeClr val="dk1">
+                      <a:alpha val="40000"/>
+                    </a:schemeClr>
+                  </a:outerShdw>
+                </a:effectLst>
+                <a:latin typeface="Arial" panose="020B0604020202020204" pitchFamily="34" charset="0"/>
+                <a:cs typeface="Arial" panose="020B0604020202020204" pitchFamily="34" charset="0"/>
+              </a:rPr>
+              <a:t>Twilio</a:t>
+            </a:r>
+          </a:p>
+          <a:p>
+            <a:pPr algn="ctr"/>
+            <a:r>
+              <a:rPr lang="en-MX" sz="2800" dirty="0">
+                <a:ln w="0"/>
+                <a:solidFill>
+                  <a:schemeClr val="tx1"/>
+                </a:solidFill>
+                <a:effectLst>
+                  <a:outerShdw blurRad="38100" dist="19050" dir="2700000" algn="tl" rotWithShape="0">
+                    <a:schemeClr val="dk1">
+                      <a:alpha val="40000"/>
+                    </a:schemeClr>
+                  </a:outerShdw>
+                </a:effectLst>
+                <a:latin typeface="Arial" panose="020B0604020202020204" pitchFamily="34" charset="0"/>
+                <a:cs typeface="Arial" panose="020B0604020202020204" pitchFamily="34" charset="0"/>
+              </a:rPr>
+              <a:t>(Inbound)</a:t>
+            </a:r>
+          </a:p>
+        </p:txBody>
+      </p:sp>
+      <p:cxnSp>
+        <p:nvCxnSpPr>
+          <p:cNvPr id="77" name="Elbow Connector 76">
+            <a:extLst>
+              <a:ext uri="{FF2B5EF4-FFF2-40B4-BE49-F238E27FC236}">
+                <a16:creationId xmlns:a16="http://schemas.microsoft.com/office/drawing/2014/main" id="{AE65B1A9-F832-3719-67F7-494DB35CACC7}"/>
+              </a:ext>
+            </a:extLst>
+          </p:cNvPr>
+          <p:cNvCxnSpPr>
+            <a:stCxn id="73" idx="3"/>
+            <a:endCxn id="76" idx="0"/>
+          </p:cNvCxnSpPr>
+          <p:nvPr/>
+        </p:nvCxnSpPr>
+        <p:spPr>
+          <a:xfrm>
+            <a:off x="6638008" y="25923220"/>
+            <a:ext cx="1071105" cy="1056261"/>
+          </a:xfrm>
+          <a:prstGeom prst="bentConnector2">
+            <a:avLst/>
+          </a:prstGeom>
+          <a:ln>
+            <a:tailEnd type="triangle"/>
+          </a:ln>
+        </p:spPr>
+        <p:style>
+          <a:lnRef idx="3">
+            <a:schemeClr val="accent4"/>
+          </a:lnRef>
+          <a:fillRef idx="0">
+            <a:schemeClr val="accent4"/>
+          </a:fillRef>
+          <a:effectRef idx="2">
+            <a:schemeClr val="accent4"/>
+          </a:effectRef>
+          <a:fontRef idx="minor">
+            <a:schemeClr val="tx1"/>
+          </a:fontRef>
+        </p:style>
+      </p:cxnSp>
+      <p:cxnSp>
+        <p:nvCxnSpPr>
+          <p:cNvPr id="78" name="Straight Arrow Connector 77">
+            <a:extLst>
+              <a:ext uri="{FF2B5EF4-FFF2-40B4-BE49-F238E27FC236}">
+                <a16:creationId xmlns:a16="http://schemas.microsoft.com/office/drawing/2014/main" id="{F0448E6E-6ACC-7A05-89C5-662A8D3D642E}"/>
+              </a:ext>
+            </a:extLst>
+          </p:cNvPr>
+          <p:cNvCxnSpPr>
+            <a:stCxn id="76" idx="2"/>
+            <a:endCxn id="71" idx="0"/>
+          </p:cNvCxnSpPr>
+          <p:nvPr/>
+        </p:nvCxnSpPr>
+        <p:spPr>
+          <a:xfrm flipH="1">
+            <a:off x="7696049" y="28018954"/>
+            <a:ext cx="13064" cy="648787"/>
+          </a:xfrm>
+          <a:prstGeom prst="straightConnector1">
+            <a:avLst/>
+          </a:prstGeom>
+          <a:ln>
+            <a:tailEnd type="triangle"/>
+          </a:ln>
+        </p:spPr>
+        <p:style>
+          <a:lnRef idx="3">
+            <a:schemeClr val="accent4"/>
+          </a:lnRef>
+          <a:fillRef idx="0">
+            <a:schemeClr val="accent4"/>
+          </a:fillRef>
+          <a:effectRef idx="2">
+            <a:schemeClr val="accent4"/>
+          </a:effectRef>
+          <a:fontRef idx="minor">
+            <a:schemeClr val="tx1"/>
+          </a:fontRef>
+        </p:style>
+      </p:cxnSp>
+      <p:cxnSp>
+        <p:nvCxnSpPr>
+          <p:cNvPr id="79" name="Elbow Connector 78">
+            <a:extLst>
+              <a:ext uri="{FF2B5EF4-FFF2-40B4-BE49-F238E27FC236}">
+                <a16:creationId xmlns:a16="http://schemas.microsoft.com/office/drawing/2014/main" id="{AF83F573-7E0F-3E4B-4CA9-0EBDE7902502}"/>
+              </a:ext>
+            </a:extLst>
+          </p:cNvPr>
+          <p:cNvCxnSpPr>
+            <a:cxnSpLocks/>
+            <a:stCxn id="71" idx="2"/>
+            <a:endCxn id="74" idx="3"/>
+          </p:cNvCxnSpPr>
+          <p:nvPr/>
+        </p:nvCxnSpPr>
+        <p:spPr>
+          <a:xfrm rot="5400000">
+            <a:off x="6632366" y="29699793"/>
+            <a:ext cx="1056262" cy="1071104"/>
+          </a:xfrm>
+          <a:prstGeom prst="bentConnector2">
+            <a:avLst/>
+          </a:prstGeom>
+          <a:ln>
+            <a:tailEnd type="triangle"/>
+          </a:ln>
+        </p:spPr>
+        <p:style>
+          <a:lnRef idx="3">
+            <a:schemeClr val="accent4"/>
+          </a:lnRef>
+          <a:fillRef idx="0">
+            <a:schemeClr val="accent4"/>
+          </a:fillRef>
+          <a:effectRef idx="2">
+            <a:schemeClr val="accent4"/>
+          </a:effectRef>
+          <a:fontRef idx="minor">
+            <a:schemeClr val="tx1"/>
+          </a:fontRef>
+        </p:style>
+      </p:cxnSp>
+      <p:cxnSp>
+        <p:nvCxnSpPr>
+          <p:cNvPr id="80" name="Elbow Connector 79">
+            <a:extLst>
+              <a:ext uri="{FF2B5EF4-FFF2-40B4-BE49-F238E27FC236}">
+                <a16:creationId xmlns:a16="http://schemas.microsoft.com/office/drawing/2014/main" id="{0BF7863D-4936-4F8D-DE26-8067FB66CEEF}"/>
+              </a:ext>
+            </a:extLst>
+          </p:cNvPr>
+          <p:cNvCxnSpPr>
+            <a:cxnSpLocks/>
+            <a:stCxn id="74" idx="1"/>
+            <a:endCxn id="75" idx="2"/>
+          </p:cNvCxnSpPr>
+          <p:nvPr/>
+        </p:nvCxnSpPr>
+        <p:spPr>
+          <a:xfrm rot="10800000">
+            <a:off x="3424697" y="29707214"/>
+            <a:ext cx="1058041" cy="1056262"/>
+          </a:xfrm>
+          <a:prstGeom prst="bentConnector2">
+            <a:avLst/>
+          </a:prstGeom>
+          <a:ln>
+            <a:tailEnd type="triangle"/>
+          </a:ln>
+        </p:spPr>
+        <p:style>
+          <a:lnRef idx="3">
+            <a:schemeClr val="accent4"/>
+          </a:lnRef>
+          <a:fillRef idx="0">
+            <a:schemeClr val="accent4"/>
+          </a:fillRef>
+          <a:effectRef idx="2">
+            <a:schemeClr val="accent4"/>
+          </a:effectRef>
+          <a:fontRef idx="minor">
+            <a:schemeClr val="tx1"/>
+          </a:fontRef>
+        </p:style>
+      </p:cxnSp>
+      <p:cxnSp>
+        <p:nvCxnSpPr>
+          <p:cNvPr id="81" name="Straight Arrow Connector 80">
+            <a:extLst>
+              <a:ext uri="{FF2B5EF4-FFF2-40B4-BE49-F238E27FC236}">
+                <a16:creationId xmlns:a16="http://schemas.microsoft.com/office/drawing/2014/main" id="{479A71D5-4BC1-BCFF-8BA0-99288D7E8800}"/>
+              </a:ext>
+            </a:extLst>
+          </p:cNvPr>
+          <p:cNvCxnSpPr>
+            <a:cxnSpLocks/>
+            <a:stCxn id="75" idx="0"/>
+            <a:endCxn id="72" idx="2"/>
+          </p:cNvCxnSpPr>
+          <p:nvPr/>
+        </p:nvCxnSpPr>
+        <p:spPr>
+          <a:xfrm flipV="1">
+            <a:off x="3424696" y="28018954"/>
+            <a:ext cx="0" cy="648787"/>
+          </a:xfrm>
+          <a:prstGeom prst="straightConnector1">
+            <a:avLst/>
+          </a:prstGeom>
+          <a:ln>
+            <a:tailEnd type="triangle"/>
+          </a:ln>
+        </p:spPr>
+        <p:style>
+          <a:lnRef idx="3">
+            <a:schemeClr val="accent4"/>
+          </a:lnRef>
+          <a:fillRef idx="0">
+            <a:schemeClr val="accent4"/>
+          </a:fillRef>
+          <a:effectRef idx="2">
+            <a:schemeClr val="accent4"/>
+          </a:effectRef>
+          <a:fontRef idx="minor">
+            <a:schemeClr val="tx1"/>
+          </a:fontRef>
+        </p:style>
+      </p:cxnSp>
+      <p:cxnSp>
+        <p:nvCxnSpPr>
+          <p:cNvPr id="82" name="Elbow Connector 81">
+            <a:extLst>
+              <a:ext uri="{FF2B5EF4-FFF2-40B4-BE49-F238E27FC236}">
+                <a16:creationId xmlns:a16="http://schemas.microsoft.com/office/drawing/2014/main" id="{E26ADA8E-7BD8-3DFC-8556-F5874B80AB15}"/>
+              </a:ext>
+            </a:extLst>
+          </p:cNvPr>
+          <p:cNvCxnSpPr>
+            <a:cxnSpLocks/>
+            <a:stCxn id="72" idx="0"/>
+            <a:endCxn id="73" idx="1"/>
+          </p:cNvCxnSpPr>
+          <p:nvPr/>
+        </p:nvCxnSpPr>
+        <p:spPr>
+          <a:xfrm rot="5400000" flipH="1" flipV="1">
+            <a:off x="3432118" y="25915799"/>
+            <a:ext cx="1056261" cy="1071104"/>
+          </a:xfrm>
+          <a:prstGeom prst="bentConnector2">
+            <a:avLst/>
+          </a:prstGeom>
+          <a:ln>
+            <a:tailEnd type="triangle"/>
+          </a:ln>
+        </p:spPr>
+        <p:style>
+          <a:lnRef idx="3">
+            <a:schemeClr val="accent4"/>
+          </a:lnRef>
+          <a:fillRef idx="0">
+            <a:schemeClr val="accent4"/>
+          </a:fillRef>
+          <a:effectRef idx="2">
+            <a:schemeClr val="accent4"/>
+          </a:effectRef>
+          <a:fontRef idx="minor">
+            <a:schemeClr val="tx1"/>
+          </a:fontRef>
+        </p:style>
+      </p:cxnSp>
+      <p:sp>
+        <p:nvSpPr>
+          <p:cNvPr id="83" name="Rectangle 82">
+            <a:extLst>
+              <a:ext uri="{FF2B5EF4-FFF2-40B4-BE49-F238E27FC236}">
+                <a16:creationId xmlns:a16="http://schemas.microsoft.com/office/drawing/2014/main" id="{DE41A37F-5B71-7954-3F52-FBBB3E3211CA}"/>
+              </a:ext>
+            </a:extLst>
+          </p:cNvPr>
+          <p:cNvSpPr/>
+          <p:nvPr/>
+        </p:nvSpPr>
+        <p:spPr>
+          <a:xfrm>
+            <a:off x="11578166" y="25430480"/>
+            <a:ext cx="3052234" cy="830055"/>
+          </a:xfrm>
+          <a:prstGeom prst="rect">
+            <a:avLst/>
+          </a:prstGeom>
+          <a:solidFill>
+            <a:srgbClr val="FCBFBB"/>
+          </a:solidFill>
+          <a:ln/>
+        </p:spPr>
+        <p:style>
+          <a:lnRef idx="1">
+            <a:schemeClr val="accent6"/>
+          </a:lnRef>
+          <a:fillRef idx="2">
+            <a:schemeClr val="accent6"/>
+          </a:fillRef>
+          <a:effectRef idx="1">
+            <a:schemeClr val="accent6"/>
+          </a:effectRef>
+          <a:fontRef idx="minor">
+            <a:schemeClr val="dk1"/>
+          </a:fontRef>
+        </p:style>
+        <p:txBody>
+          <a:bodyPr rtlCol="0" anchor="ctr"/>
+          <a:lstStyle/>
+          <a:p>
+            <a:pPr algn="just"/>
+            <a:r>
+              <a:rPr lang="en-MX" sz="2800" dirty="0">
+                <a:ln w="0"/>
+                <a:solidFill>
+                  <a:schemeClr val="tx1"/>
+                </a:solidFill>
+                <a:effectLst>
+                  <a:outerShdw blurRad="38100" dist="19050" dir="2700000" algn="tl" rotWithShape="0">
+                    <a:schemeClr val="dk1">
+                      <a:alpha val="40000"/>
+                    </a:schemeClr>
+                  </a:outerShdw>
+                </a:effectLst>
+                <a:latin typeface="Arial" panose="020B0604020202020204" pitchFamily="34" charset="0"/>
+                <a:cs typeface="Arial" panose="020B0604020202020204" pitchFamily="34" charset="0"/>
+              </a:rPr>
+              <a:t>peter@gmail.com</a:t>
             </a:r>
           </a:p>
         </p:txBody>
@@ -7948,18 +9221,6 @@
 </file>
 
 <file path=customXml/item1.xml><?xml version="1.0" encoding="utf-8"?>
-<p:properties xmlns:p="http://schemas.microsoft.com/office/2006/metadata/properties" xmlns:xsi="http://www.w3.org/2001/XMLSchema-instance" xmlns:pc="http://schemas.microsoft.com/office/infopath/2007/PartnerControls">
-  <documentManagement>
-    <Tointerview xmlns="1b973d31-3774-4da0-b147-c5c4bcddf3f1" xsi:nil="true"/>
-    <TaxCatchAll xmlns="70993a03-c97d-4535-9029-6811f6dade7d" xsi:nil="true"/>
-    <lcf76f155ced4ddcb4097134ff3c332f xmlns="1b973d31-3774-4da0-b147-c5c4bcddf3f1">
-      <Terms xmlns="http://schemas.microsoft.com/office/infopath/2007/PartnerControls"/>
-    </lcf76f155ced4ddcb4097134ff3c332f>
-  </documentManagement>
-</p:properties>
-</file>
-
-<file path=customXml/item2.xml><?xml version="1.0" encoding="utf-8"?>
 <ct:contentTypeSchema xmlns:ct="http://schemas.microsoft.com/office/2006/metadata/contentType" xmlns:ma="http://schemas.microsoft.com/office/2006/metadata/properties/metaAttributes" ct:_="" ma:_="" ma:contentTypeName="Document" ma:contentTypeID="0x010100417EE05FAEEAC1409A37E08D62A167CC" ma:contentTypeVersion="16" ma:contentTypeDescription="Create a new document." ma:contentTypeScope="" ma:versionID="d38f75698845d0233a434ea18f84529f">
   <xsd:schema xmlns:xsd="http://www.w3.org/2001/XMLSchema" xmlns:xs="http://www.w3.org/2001/XMLSchema" xmlns:p="http://schemas.microsoft.com/office/2006/metadata/properties" xmlns:ns2="1b973d31-3774-4da0-b147-c5c4bcddf3f1" xmlns:ns3="70993a03-c97d-4535-9029-6811f6dade7d" targetNamespace="http://schemas.microsoft.com/office/2006/metadata/properties" ma:root="true" ma:fieldsID="a74dd64343ab600dab1d05f807349ef8" ns2:_="" ns3:_="">
     <xsd:import namespace="1b973d31-3774-4da0-b147-c5c4bcddf3f1"/>
@@ -8203,6 +9464,18 @@
 </ct:contentTypeSchema>
 </file>
 
+<file path=customXml/item2.xml><?xml version="1.0" encoding="utf-8"?>
+<p:properties xmlns:p="http://schemas.microsoft.com/office/2006/metadata/properties" xmlns:xsi="http://www.w3.org/2001/XMLSchema-instance" xmlns:pc="http://schemas.microsoft.com/office/infopath/2007/PartnerControls">
+  <documentManagement>
+    <Tointerview xmlns="1b973d31-3774-4da0-b147-c5c4bcddf3f1" xsi:nil="true"/>
+    <TaxCatchAll xmlns="70993a03-c97d-4535-9029-6811f6dade7d" xsi:nil="true"/>
+    <lcf76f155ced4ddcb4097134ff3c332f xmlns="1b973d31-3774-4da0-b147-c5c4bcddf3f1">
+      <Terms xmlns="http://schemas.microsoft.com/office/infopath/2007/PartnerControls"/>
+    </lcf76f155ced4ddcb4097134ff3c332f>
+  </documentManagement>
+</p:properties>
+</file>
+
 <file path=customXml/item3.xml><?xml version="1.0" encoding="utf-8"?>
 <?mso-contentType ?>
 <FormTemplates xmlns="http://schemas.microsoft.com/sharepoint/v3/contenttype/forms">
@@ -8213,6 +9486,25 @@
 </file>
 
 <file path=customXml/itemProps1.xml><?xml version="1.0" encoding="utf-8"?>
+<ds:datastoreItem xmlns:ds="http://schemas.openxmlformats.org/officeDocument/2006/customXml" ds:itemID="{59D0C72A-7B1C-49EC-9E13-51450835DFE9}">
+  <ds:schemaRefs>
+    <ds:schemaRef ds:uri="http://schemas.microsoft.com/office/2006/metadata/contentType"/>
+    <ds:schemaRef ds:uri="http://schemas.microsoft.com/office/2006/metadata/properties/metaAttributes"/>
+    <ds:schemaRef ds:uri="http://www.w3.org/2001/XMLSchema"/>
+    <ds:schemaRef ds:uri="http://schemas.microsoft.com/office/2006/metadata/properties"/>
+    <ds:schemaRef ds:uri="1b973d31-3774-4da0-b147-c5c4bcddf3f1"/>
+    <ds:schemaRef ds:uri="70993a03-c97d-4535-9029-6811f6dade7d"/>
+    <ds:schemaRef ds:uri="http://schemas.microsoft.com/office/2006/documentManagement/types"/>
+    <ds:schemaRef ds:uri="http://schemas.microsoft.com/office/infopath/2007/PartnerControls"/>
+    <ds:schemaRef ds:uri="http://schemas.openxmlformats.org/package/2006/metadata/core-properties"/>
+    <ds:schemaRef ds:uri="http://purl.org/dc/elements/1.1/"/>
+    <ds:schemaRef ds:uri="http://purl.org/dc/terms/"/>
+    <ds:schemaRef ds:uri="http://schemas.microsoft.com/internal/obd"/>
+  </ds:schemaRefs>
+</ds:datastoreItem>
+</file>
+
+<file path=customXml/itemProps2.xml><?xml version="1.0" encoding="utf-8"?>
 <ds:datastoreItem xmlns:ds="http://schemas.openxmlformats.org/officeDocument/2006/customXml" ds:itemID="{41BEBB12-6065-46A7-A2D8-A1BACDD0BE00}">
   <ds:schemaRefs>
     <ds:schemaRef ds:uri="http://schemas.microsoft.com/office/2006/metadata/properties"/>
@@ -8231,25 +9523,6 @@
 </ds:datastoreItem>
 </file>
 
-<file path=customXml/itemProps2.xml><?xml version="1.0" encoding="utf-8"?>
-<ds:datastoreItem xmlns:ds="http://schemas.openxmlformats.org/officeDocument/2006/customXml" ds:itemID="{59D0C72A-7B1C-49EC-9E13-51450835DFE9}">
-  <ds:schemaRefs>
-    <ds:schemaRef ds:uri="http://schemas.microsoft.com/office/2006/metadata/contentType"/>
-    <ds:schemaRef ds:uri="http://schemas.microsoft.com/office/2006/metadata/properties/metaAttributes"/>
-    <ds:schemaRef ds:uri="http://www.w3.org/2001/XMLSchema"/>
-    <ds:schemaRef ds:uri="http://schemas.microsoft.com/office/2006/metadata/properties"/>
-    <ds:schemaRef ds:uri="1b973d31-3774-4da0-b147-c5c4bcddf3f1"/>
-    <ds:schemaRef ds:uri="70993a03-c97d-4535-9029-6811f6dade7d"/>
-    <ds:schemaRef ds:uri="http://schemas.microsoft.com/office/2006/documentManagement/types"/>
-    <ds:schemaRef ds:uri="http://schemas.microsoft.com/office/infopath/2007/PartnerControls"/>
-    <ds:schemaRef ds:uri="http://schemas.openxmlformats.org/package/2006/metadata/core-properties"/>
-    <ds:schemaRef ds:uri="http://purl.org/dc/elements/1.1/"/>
-    <ds:schemaRef ds:uri="http://purl.org/dc/terms/"/>
-    <ds:schemaRef ds:uri="http://schemas.microsoft.com/internal/obd"/>
-  </ds:schemaRefs>
-</ds:datastoreItem>
-</file>
-
 <file path=customXml/itemProps3.xml><?xml version="1.0" encoding="utf-8"?>
 <ds:datastoreItem xmlns:ds="http://schemas.openxmlformats.org/officeDocument/2006/customXml" ds:itemID="{C5752171-D2AC-449D-BF8B-BB587F6BC2E2}">
   <ds:schemaRefs>

--- a/36x48-poster.pptx
+++ b/36x48-poster.pptx
@@ -485,7 +485,7 @@
               <a:pPr>
                 <a:defRPr/>
               </a:pPr>
-              <a:t>7/27/25</a:t>
+              <a:t>7/29/25</a:t>
             </a:fld>
             <a:endParaRPr lang="en-US"/>
           </a:p>
@@ -4180,7 +4180,7 @@
         </p:nvSpPr>
         <p:spPr bwMode="auto">
           <a:xfrm>
-            <a:off x="10562168" y="2506134"/>
+            <a:off x="10968566" y="1630457"/>
             <a:ext cx="21746632" cy="3115733"/>
           </a:xfrm>
           <a:prstGeom prst="roundRect">
@@ -4256,7 +4256,7 @@
         </p:nvSpPr>
         <p:spPr bwMode="auto">
           <a:xfrm>
-            <a:off x="33189334" y="15036800"/>
+            <a:off x="33161848" y="14548544"/>
             <a:ext cx="9750778" cy="812800"/>
           </a:xfrm>
           <a:prstGeom prst="roundRect">
@@ -4324,7 +4324,7 @@
         </p:nvSpPr>
         <p:spPr bwMode="auto">
           <a:xfrm>
-            <a:off x="33121600" y="8534400"/>
+            <a:off x="33121600" y="7931960"/>
             <a:ext cx="9750778" cy="812800"/>
           </a:xfrm>
           <a:prstGeom prst="roundRect">
@@ -4397,7 +4397,7 @@
         </p:nvSpPr>
         <p:spPr bwMode="auto">
           <a:xfrm>
-            <a:off x="791448" y="22170679"/>
+            <a:off x="831513" y="21338736"/>
             <a:ext cx="9750778" cy="812800"/>
           </a:xfrm>
           <a:prstGeom prst="roundRect">
@@ -4450,7 +4450,7 @@
                 </a:effectLst>
                 <a:latin typeface="Verdana" pitchFamily="34" charset="0"/>
               </a:rPr>
-              <a:t>Methods</a:t>
+              <a:t>Method</a:t>
             </a:r>
           </a:p>
         </p:txBody>
@@ -4465,7 +4465,7 @@
         </p:nvSpPr>
         <p:spPr bwMode="auto">
           <a:xfrm>
-            <a:off x="11578167" y="8534400"/>
+            <a:off x="11428519" y="7934079"/>
             <a:ext cx="20527433" cy="812800"/>
           </a:xfrm>
           <a:prstGeom prst="roundRect">
@@ -4509,7 +4509,7 @@
                 </a:effectLst>
                 <a:latin typeface="Verdana" pitchFamily="34" charset="0"/>
               </a:rPr>
-              <a:t>AI Agent Diagram</a:t>
+              <a:t>	AI Agent Diagram</a:t>
             </a:r>
           </a:p>
         </p:txBody>
@@ -4524,7 +4524,7 @@
         </p:nvSpPr>
         <p:spPr bwMode="auto">
           <a:xfrm>
-            <a:off x="791448" y="13638415"/>
+            <a:off x="839407" y="12916450"/>
             <a:ext cx="9750778" cy="812800"/>
           </a:xfrm>
           <a:prstGeom prst="roundRect">
@@ -4575,123 +4575,6 @@
       </p:sp>
       <p:sp>
         <p:nvSpPr>
-          <p:cNvPr id="1038" name="Text Box 82"/>
-          <p:cNvSpPr txBox="1">
-            <a:spLocks noChangeArrowheads="1"/>
-          </p:cNvSpPr>
-          <p:nvPr/>
-        </p:nvSpPr>
-        <p:spPr bwMode="auto">
-          <a:xfrm>
-            <a:off x="33110311" y="17475200"/>
-            <a:ext cx="9750778" cy="1219200"/>
-          </a:xfrm>
-          <a:prstGeom prst="rect">
-            <a:avLst/>
-          </a:prstGeom>
-          <a:noFill/>
-          <a:ln w="12700">
-            <a:noFill/>
-            <a:miter lim="800000"/>
-            <a:headEnd/>
-            <a:tailEnd/>
-          </a:ln>
-        </p:spPr>
-        <p:txBody>
-          <a:bodyPr lIns="203200"/>
-          <a:lstStyle/>
-          <a:p>
-            <a:pPr marL="254003" indent="-254003" algn="just" eaLnBrk="0" hangingPunct="0">
-              <a:lnSpc>
-                <a:spcPct val="90000"/>
-              </a:lnSpc>
-              <a:buFontTx/>
-              <a:buChar char="1"/>
-            </a:pPr>
-            <a:r>
-              <a:rPr lang="en-US" sz="1600" dirty="0">
-                <a:solidFill>
-                  <a:srgbClr val="000062"/>
-                </a:solidFill>
-                <a:latin typeface="Arial" charset="0"/>
-              </a:rPr>
-              <a:t>Quigley HA, Nickells RW, Kerrigan LA, Pease ME, Thibault DJ, Zack DJ. </a:t>
-            </a:r>
-            <a:r>
-              <a:rPr lang="en-US" sz="1600" b="1" dirty="0">
-                <a:solidFill>
-                  <a:srgbClr val="000062"/>
-                </a:solidFill>
-                <a:latin typeface="Arial" charset="0"/>
-              </a:rPr>
-              <a:t>Retinal ganglion cell death in experimental glaucoma and after axotomy occurs by apoptosis</a:t>
-            </a:r>
-            <a:r>
-              <a:rPr lang="en-US" sz="1600" dirty="0">
-                <a:solidFill>
-                  <a:srgbClr val="000062"/>
-                </a:solidFill>
-                <a:latin typeface="Arial" charset="0"/>
-              </a:rPr>
-              <a:t>. </a:t>
-            </a:r>
-            <a:r>
-              <a:rPr lang="en-US" sz="1600" i="1" dirty="0">
-                <a:solidFill>
-                  <a:srgbClr val="000062"/>
-                </a:solidFill>
-                <a:latin typeface="Arial" charset="0"/>
-              </a:rPr>
-              <a:t>Invest </a:t>
-            </a:r>
-            <a:r>
-              <a:rPr lang="en-US" sz="1600" i="1" dirty="0" err="1">
-                <a:solidFill>
-                  <a:srgbClr val="000062"/>
-                </a:solidFill>
-                <a:latin typeface="Arial" charset="0"/>
-              </a:rPr>
-              <a:t>Ophthalmol</a:t>
-            </a:r>
-            <a:r>
-              <a:rPr lang="en-US" sz="1600" i="1" dirty="0">
-                <a:solidFill>
-                  <a:srgbClr val="000062"/>
-                </a:solidFill>
-                <a:latin typeface="Arial" charset="0"/>
-              </a:rPr>
-              <a:t> Vis Sci</a:t>
-            </a:r>
-            <a:r>
-              <a:rPr lang="en-US" sz="1600" dirty="0">
-                <a:solidFill>
-                  <a:srgbClr val="000062"/>
-                </a:solidFill>
-                <a:latin typeface="Arial" charset="0"/>
-              </a:rPr>
-              <a:t> 1995;36:774-86.</a:t>
-            </a:r>
-          </a:p>
-          <a:p>
-            <a:pPr marL="254003" indent="-254003" algn="just" eaLnBrk="0" hangingPunct="0">
-              <a:lnSpc>
-                <a:spcPct val="90000"/>
-              </a:lnSpc>
-            </a:pPr>
-            <a:r>
-              <a:rPr lang="en-US" sz="1600" dirty="0">
-                <a:solidFill>
-                  <a:srgbClr val="000062"/>
-                </a:solidFill>
-                <a:latin typeface="Arial" charset="0"/>
-              </a:rPr>
-              <a:t>, </a:t>
-            </a:r>
-          </a:p>
-        </p:txBody>
-      </p:sp>
-      <p:sp>
-        <p:nvSpPr>
           <p:cNvPr id="2167" name="AutoShape 119"/>
           <p:cNvSpPr>
             <a:spLocks noChangeArrowheads="1"/>
@@ -4700,7 +4583,7 @@
         </p:nvSpPr>
         <p:spPr bwMode="auto">
           <a:xfrm>
-            <a:off x="811390" y="8534400"/>
+            <a:off x="811389" y="7933262"/>
             <a:ext cx="9750778" cy="812800"/>
           </a:xfrm>
           <a:prstGeom prst="roundRect">
@@ -4866,7 +4749,7 @@
         </p:nvSpPr>
         <p:spPr bwMode="auto">
           <a:xfrm>
-            <a:off x="811388" y="9687801"/>
+            <a:off x="811389" y="9131831"/>
             <a:ext cx="9889067" cy="3539430"/>
           </a:xfrm>
           <a:prstGeom prst="rect">
@@ -4910,7 +4793,7 @@
         </p:nvSpPr>
         <p:spPr bwMode="auto">
           <a:xfrm>
-            <a:off x="791448" y="14821759"/>
+            <a:off x="836369" y="14109821"/>
             <a:ext cx="9889067" cy="6986528"/>
           </a:xfrm>
           <a:prstGeom prst="rect">
@@ -4954,8 +4837,8 @@
         </p:nvSpPr>
         <p:spPr bwMode="auto">
           <a:xfrm>
-            <a:off x="811388" y="23402815"/>
-            <a:ext cx="9889067" cy="1815882"/>
+            <a:off x="861915" y="22534909"/>
+            <a:ext cx="9889067" cy="2246769"/>
           </a:xfrm>
           <a:prstGeom prst="rect">
             <a:avLst/>
@@ -4983,7 +4866,7 @@
               <a:rPr lang="en-US" sz="2800" dirty="0">
                 <a:latin typeface="Arial" charset="0"/>
               </a:rPr>
-              <a:t>The user’s voice is received via Twilio, transcribed to text by Deepgram (STT), processed by the AI agent, converted back to speech by Deepgram (TTS), and played to the user through Twilio.</a:t>
+              <a:t>The user’s voice is received via Twilio, transcribed to text by Deepgram (STT), processed by the AI agent, converted back to speech by Deepgram (TTS), and played to the user through Twilio. The host server acts as the orchestrator, managing the communication between all components.</a:t>
             </a:r>
           </a:p>
         </p:txBody>
@@ -4998,8 +4881,8 @@
         </p:nvSpPr>
         <p:spPr bwMode="auto">
           <a:xfrm>
-            <a:off x="33121600" y="25400000"/>
-            <a:ext cx="9889067" cy="523220"/>
+            <a:off x="33110311" y="21338736"/>
+            <a:ext cx="9889067" cy="1815882"/>
           </a:xfrm>
           <a:prstGeom prst="rect">
             <a:avLst/>
@@ -5028,7 +4911,7 @@
                 <a:latin typeface="Arial" charset="0"/>
                 <a:cs typeface="Arial" charset="0"/>
               </a:rPr>
-              <a:t>Hello</a:t>
+              <a:t>We would like to thank everyone who contributed to the development and support of this project. We are also grateful to our colleagues and mentors for their feedback and encouragement throughout this work.</a:t>
             </a:r>
           </a:p>
         </p:txBody>
@@ -5043,8 +4926,8 @@
         </p:nvSpPr>
         <p:spPr bwMode="auto">
           <a:xfrm>
-            <a:off x="33075096" y="9723968"/>
-            <a:ext cx="9889067" cy="1843069"/>
+            <a:off x="33075096" y="9223455"/>
+            <a:ext cx="9889067" cy="5004447"/>
           </a:xfrm>
           <a:prstGeom prst="rect">
             <a:avLst/>
@@ -5063,16 +4946,48 @@
           </a:bodyPr>
           <a:lstStyle/>
           <a:p>
-            <a:pPr algn="just">
+            <a:pPr marL="457200" indent="-457200" algn="just">
               <a:spcBef>
                 <a:spcPct val="20000"/>
               </a:spcBef>
+              <a:buFont typeface="Arial" panose="020B0604020202020204" pitchFamily="34" charset="0"/>
+              <a:buChar char="•"/>
             </a:pPr>
             <a:r>
               <a:rPr lang="en-US" sz="2800" dirty="0">
                 <a:latin typeface="Arial" charset="0"/>
               </a:rPr>
-              <a:t>This project demonstrates that integrating modern telephony, speech recognition, and conversational AI technologies enables natural, real-time voice interactions between users and AI agents.</a:t>
+              <a:t>This project demonstrates that integrating modern communication tools, speech recognition, and conversational AI technologies enables natural, real-time voice interactions between users and AI agents.</a:t>
+            </a:r>
+          </a:p>
+          <a:p>
+            <a:pPr marL="457200" indent="-457200" algn="just">
+              <a:spcBef>
+                <a:spcPct val="20000"/>
+              </a:spcBef>
+              <a:buFont typeface="Arial" panose="020B0604020202020204" pitchFamily="34" charset="0"/>
+              <a:buChar char="•"/>
+            </a:pPr>
+            <a:r>
+              <a:rPr lang="en-US" sz="2800" dirty="0">
+                <a:latin typeface="Arial" charset="0"/>
+              </a:rPr>
+              <a:t>The system provides an effective platform for customer support, automated data collection, and other voice-enabled applications, reducing manual effort and streamlining workflows.</a:t>
+            </a:r>
+          </a:p>
+          <a:p>
+            <a:pPr marL="457200" indent="-457200" algn="just">
+              <a:spcBef>
+                <a:spcPct val="20000"/>
+              </a:spcBef>
+              <a:buFont typeface="Arial" panose="020B0604020202020204" pitchFamily="34" charset="0"/>
+              <a:buChar char="•"/>
+            </a:pPr>
+            <a:r>
+              <a:rPr lang="en-US" sz="2800" dirty="0">
+                <a:latin typeface="Arial" charset="0"/>
+              </a:rPr>
+              <a:t>Future work could further enhance accuracy, reduce latency, and introduce more advanced dialogue management or personalized experiences.</a:t>
             </a:r>
           </a:p>
         </p:txBody>
@@ -5087,8 +5002,8 @@
         </p:nvSpPr>
         <p:spPr bwMode="auto">
           <a:xfrm>
-            <a:off x="33245778" y="18631605"/>
-            <a:ext cx="9956800" cy="475387"/>
+            <a:off x="33085982" y="15867578"/>
+            <a:ext cx="9739489" cy="3754874"/>
           </a:xfrm>
           <a:prstGeom prst="rect">
             <a:avLst/>
@@ -5102,21 +5017,161 @@
           </a:ln>
         </p:spPr>
         <p:txBody>
-          <a:bodyPr lIns="162560" rIns="162560">
+          <a:bodyPr wrap="square" lIns="162560" rIns="162560">
             <a:spAutoFit/>
           </a:bodyPr>
           <a:lstStyle/>
           <a:p>
-            <a:pPr algn="just">
+            <a:pPr marL="514350" indent="-514350">
               <a:spcBef>
                 <a:spcPct val="50000"/>
               </a:spcBef>
+              <a:buFont typeface="Arial" panose="020B0604020202020204" pitchFamily="34" charset="0"/>
+              <a:buChar char="•"/>
             </a:pPr>
             <a:r>
-              <a:rPr lang="en-US" sz="2489" dirty="0">
+              <a:rPr lang="en-US" sz="2800" dirty="0">
                 <a:latin typeface="Arial" charset="0"/>
               </a:rPr>
-              <a:t>Are required -  Standard Format. Can make smaller if needed</a:t>
+              <a:t>Twilio Documentation, </a:t>
+            </a:r>
+            <a:r>
+              <a:rPr lang="en-US" sz="2800" dirty="0" err="1">
+                <a:latin typeface="Arial" charset="0"/>
+              </a:rPr>
+              <a:t>TwiML</a:t>
+            </a:r>
+            <a:r>
+              <a:rPr lang="en-US" sz="2800" dirty="0">
+                <a:latin typeface="Arial" charset="0"/>
+              </a:rPr>
+              <a:t>, Media Streams, https://</a:t>
+            </a:r>
+            <a:r>
+              <a:rPr lang="en-US" sz="2800" dirty="0" err="1">
+                <a:latin typeface="Arial" charset="0"/>
+              </a:rPr>
+              <a:t>www.twilio.com</a:t>
+            </a:r>
+            <a:r>
+              <a:rPr lang="en-US" sz="2800" dirty="0">
+                <a:latin typeface="Arial" charset="0"/>
+              </a:rPr>
+              <a:t>/docs</a:t>
+            </a:r>
+          </a:p>
+          <a:p>
+            <a:pPr marL="514350" indent="-514350">
+              <a:spcBef>
+                <a:spcPct val="50000"/>
+              </a:spcBef>
+              <a:buFont typeface="Arial" panose="020B0604020202020204" pitchFamily="34" charset="0"/>
+              <a:buChar char="•"/>
+            </a:pPr>
+            <a:r>
+              <a:rPr lang="en-US" sz="2800" dirty="0">
+                <a:latin typeface="Arial" charset="0"/>
+              </a:rPr>
+              <a:t>Deepgram Documentation, Speech-to-Text and Text-to-Speech, https://</a:t>
+            </a:r>
+            <a:r>
+              <a:rPr lang="en-US" sz="2800" dirty="0" err="1">
+                <a:latin typeface="Arial" charset="0"/>
+              </a:rPr>
+              <a:t>developers.deepgram.com</a:t>
+            </a:r>
+            <a:r>
+              <a:rPr lang="en-US" sz="2800" dirty="0">
+                <a:latin typeface="Arial" charset="0"/>
+              </a:rPr>
+              <a:t>/home</a:t>
+            </a:r>
+          </a:p>
+          <a:p>
+            <a:pPr marL="514350" indent="-514350">
+              <a:spcBef>
+                <a:spcPct val="50000"/>
+              </a:spcBef>
+              <a:buFont typeface="Arial" panose="020B0604020202020204" pitchFamily="34" charset="0"/>
+              <a:buChar char="•"/>
+            </a:pPr>
+            <a:r>
+              <a:rPr lang="en-US" sz="2800" dirty="0" err="1">
+                <a:latin typeface="Arial" charset="0"/>
+              </a:rPr>
+              <a:t>Autogen</a:t>
+            </a:r>
+            <a:r>
+              <a:rPr lang="en-US" sz="2800" dirty="0">
+                <a:latin typeface="Arial" charset="0"/>
+              </a:rPr>
+              <a:t> Documentation, https://</a:t>
+            </a:r>
+            <a:r>
+              <a:rPr lang="en-US" sz="2800" dirty="0" err="1">
+                <a:latin typeface="Arial" charset="0"/>
+              </a:rPr>
+              <a:t>microsoft.github.io</a:t>
+            </a:r>
+            <a:r>
+              <a:rPr lang="en-US" sz="2800" dirty="0">
+                <a:latin typeface="Arial" charset="0"/>
+              </a:rPr>
+              <a:t>/</a:t>
+            </a:r>
+            <a:r>
+              <a:rPr lang="en-US" sz="2800" dirty="0" err="1">
+                <a:latin typeface="Arial" charset="0"/>
+              </a:rPr>
+              <a:t>autogen</a:t>
+            </a:r>
+            <a:r>
+              <a:rPr lang="en-US" sz="2800" dirty="0">
+                <a:latin typeface="Arial" charset="0"/>
+              </a:rPr>
+              <a:t>/stable//</a:t>
+            </a:r>
+            <a:r>
+              <a:rPr lang="en-US" sz="2800" dirty="0" err="1">
+                <a:latin typeface="Arial" charset="0"/>
+              </a:rPr>
+              <a:t>index.html</a:t>
+            </a:r>
+            <a:endParaRPr lang="en-US" sz="2800" dirty="0">
+              <a:latin typeface="Arial" charset="0"/>
+            </a:endParaRPr>
+          </a:p>
+          <a:p>
+            <a:pPr marL="514350" indent="-514350">
+              <a:spcBef>
+                <a:spcPct val="50000"/>
+              </a:spcBef>
+              <a:buFont typeface="Arial" panose="020B0604020202020204" pitchFamily="34" charset="0"/>
+              <a:buChar char="•"/>
+            </a:pPr>
+            <a:r>
+              <a:rPr lang="en-US" sz="2800" dirty="0" err="1">
+                <a:latin typeface="Arial" charset="0"/>
+              </a:rPr>
+              <a:t>Jotform</a:t>
+            </a:r>
+            <a:r>
+              <a:rPr lang="en-US" sz="2800" dirty="0">
+                <a:latin typeface="Arial" charset="0"/>
+              </a:rPr>
+              <a:t>, Developer API, https://</a:t>
+            </a:r>
+            <a:r>
+              <a:rPr lang="en-US" sz="2800" dirty="0" err="1">
+                <a:latin typeface="Arial" charset="0"/>
+              </a:rPr>
+              <a:t>api.jotform.com</a:t>
+            </a:r>
+            <a:r>
+              <a:rPr lang="en-US" sz="2800" dirty="0">
+                <a:latin typeface="Arial" charset="0"/>
+              </a:rPr>
+              <a:t>/docs/</a:t>
             </a:r>
           </a:p>
         </p:txBody>
@@ -5131,7 +5186,7 @@
         </p:nvSpPr>
         <p:spPr bwMode="auto">
           <a:xfrm>
-            <a:off x="16594666" y="23024952"/>
+            <a:off x="16516119" y="25414819"/>
             <a:ext cx="4673600" cy="475387"/>
           </a:xfrm>
           <a:prstGeom prst="rect">
@@ -5172,7 +5227,7 @@
         </p:nvSpPr>
         <p:spPr bwMode="auto">
           <a:xfrm>
-            <a:off x="33245778" y="24180800"/>
+            <a:off x="33161848" y="20032503"/>
             <a:ext cx="9750778" cy="812800"/>
           </a:xfrm>
           <a:prstGeom prst="roundRect">
@@ -5238,7 +5293,7 @@
         </p:nvSpPr>
         <p:spPr>
           <a:xfrm>
-            <a:off x="12728905" y="5913494"/>
+            <a:off x="12728906" y="5233242"/>
             <a:ext cx="18433388" cy="861774"/>
           </a:xfrm>
           <a:prstGeom prst="rect">
@@ -5286,7 +5341,7 @@
         </p:nvSpPr>
         <p:spPr>
           <a:xfrm>
-            <a:off x="13013363" y="6789684"/>
+            <a:off x="13013363" y="6035857"/>
             <a:ext cx="17864472" cy="1323439"/>
           </a:xfrm>
           <a:prstGeom prst="rect">
@@ -5367,7 +5422,7 @@
         </p:blipFill>
         <p:spPr>
           <a:xfrm>
-            <a:off x="35003179" y="2047440"/>
+            <a:off x="35374981" y="907128"/>
             <a:ext cx="5450037" cy="5450037"/>
           </a:xfrm>
           <a:prstGeom prst="rect">
@@ -5403,7 +5458,7 @@
         </p:blipFill>
         <p:spPr>
           <a:xfrm>
-            <a:off x="3304573" y="2490851"/>
+            <a:off x="3410311" y="1468289"/>
             <a:ext cx="4563216" cy="4563216"/>
           </a:xfrm>
           <a:prstGeom prst="rect">
@@ -5425,7 +5480,7 @@
         </p:nvSpPr>
         <p:spPr>
           <a:xfrm>
-            <a:off x="11548299" y="20689949"/>
+            <a:off x="11387994" y="22660970"/>
             <a:ext cx="655970" cy="812800"/>
           </a:xfrm>
           <a:prstGeom prst="rect">
@@ -5490,7 +5545,7 @@
         </p:nvSpPr>
         <p:spPr>
           <a:xfrm>
-            <a:off x="17751928" y="20906228"/>
+            <a:off x="17636915" y="23043209"/>
             <a:ext cx="14353671" cy="1578122"/>
           </a:xfrm>
           <a:prstGeom prst="rect">
@@ -5573,7 +5628,7 @@
         </p:nvSpPr>
         <p:spPr>
           <a:xfrm>
-            <a:off x="17751927" y="22942901"/>
+            <a:off x="17636914" y="24828662"/>
             <a:ext cx="14353671" cy="1131640"/>
           </a:xfrm>
           <a:prstGeom prst="rect">
@@ -5656,7 +5711,7 @@
         </p:nvSpPr>
         <p:spPr>
           <a:xfrm>
-            <a:off x="11507066" y="22219655"/>
+            <a:off x="11379285" y="23983205"/>
             <a:ext cx="3433232" cy="1042990"/>
           </a:xfrm>
           <a:prstGeom prst="rect">
@@ -5723,7 +5778,7 @@
         </p:nvSpPr>
         <p:spPr bwMode="auto">
           <a:xfrm>
-            <a:off x="11578166" y="18949259"/>
+            <a:off x="11499618" y="21338736"/>
             <a:ext cx="20527433" cy="812800"/>
           </a:xfrm>
           <a:prstGeom prst="roundRect">
@@ -5800,7 +5855,7 @@
         </p:nvSpPr>
         <p:spPr>
           <a:xfrm>
-            <a:off x="18097261" y="10074529"/>
+            <a:off x="18146171" y="11537240"/>
             <a:ext cx="7152190" cy="8217342"/>
           </a:xfrm>
           <a:prstGeom prst="rect">
@@ -5862,7 +5917,7 @@
         </p:nvSpPr>
         <p:spPr>
           <a:xfrm>
-            <a:off x="18331733" y="10620631"/>
+            <a:off x="18380643" y="12083342"/>
             <a:ext cx="6730524" cy="2466218"/>
           </a:xfrm>
           <a:prstGeom prst="rect">
@@ -6019,7 +6074,7 @@
         </p:nvSpPr>
         <p:spPr>
           <a:xfrm>
-            <a:off x="18339887" y="13207041"/>
+            <a:off x="18388797" y="14669752"/>
             <a:ext cx="6694655" cy="1817784"/>
           </a:xfrm>
           <a:prstGeom prst="rect">
@@ -6100,7 +6155,7 @@
         </p:nvSpPr>
         <p:spPr>
           <a:xfrm>
-            <a:off x="18331733" y="16730290"/>
+            <a:off x="18380643" y="18193001"/>
             <a:ext cx="6730524" cy="1365577"/>
           </a:xfrm>
           <a:prstGeom prst="rect">
@@ -6181,7 +6236,7 @@
         </p:nvSpPr>
         <p:spPr>
           <a:xfrm>
-            <a:off x="18312172" y="15194769"/>
+            <a:off x="18361082" y="16657480"/>
             <a:ext cx="6722370" cy="1365577"/>
           </a:xfrm>
           <a:prstGeom prst="rect">
@@ -6313,8 +6368,8 @@
         </p:nvSpPr>
         <p:spPr>
           <a:xfrm>
-            <a:off x="20266318" y="10074529"/>
-            <a:ext cx="2814075" cy="523220"/>
+            <a:off x="19695631" y="11570390"/>
+            <a:ext cx="4041482" cy="523220"/>
           </a:xfrm>
           <a:prstGeom prst="rect">
             <a:avLst/>
@@ -6333,8 +6388,19 @@
                 <a:latin typeface="Arial" panose="020B0604020202020204" pitchFamily="34" charset="0"/>
                 <a:cs typeface="Arial" panose="020B0604020202020204" pitchFamily="34" charset="0"/>
               </a:rPr>
-              <a:t>FormAgent</a:t>
-            </a:r>
+              <a:t>FormAgent (</a:t>
+            </a:r>
+            <a:r>
+              <a:rPr lang="en-US" sz="2800" b="1" dirty="0">
+                <a:latin typeface="Arial" panose="020B0604020202020204" pitchFamily="34" charset="0"/>
+                <a:cs typeface="Arial" panose="020B0604020202020204" pitchFamily="34" charset="0"/>
+              </a:rPr>
+              <a:t>gpt-4o)</a:t>
+            </a:r>
+            <a:endParaRPr lang="en-MX" sz="2800" b="1" dirty="0">
+              <a:latin typeface="Arial" panose="020B0604020202020204" pitchFamily="34" charset="0"/>
+              <a:cs typeface="Arial" panose="020B0604020202020204" pitchFamily="34" charset="0"/>
+            </a:endParaRPr>
           </a:p>
         </p:txBody>
       </p:sp>
@@ -6352,7 +6418,7 @@
         </p:nvSpPr>
         <p:spPr>
           <a:xfrm>
-            <a:off x="28209836" y="13561376"/>
+            <a:off x="28258746" y="15024087"/>
             <a:ext cx="3070274" cy="1105513"/>
           </a:xfrm>
           <a:prstGeom prst="rect">
@@ -6422,7 +6488,7 @@
                 <a:latin typeface="Arial" panose="020B0604020202020204" pitchFamily="34" charset="0"/>
                 <a:cs typeface="Arial" panose="020B0604020202020204" pitchFamily="34" charset="0"/>
               </a:rPr>
-              <a:t>(Jotform)</a:t>
+              <a:t>(Jotform API)</a:t>
             </a:r>
           </a:p>
         </p:txBody>
@@ -6441,7 +6507,7 @@
         </p:nvSpPr>
         <p:spPr>
           <a:xfrm>
-            <a:off x="12234137" y="13085833"/>
+            <a:off x="12283047" y="14548544"/>
             <a:ext cx="1675835" cy="1938992"/>
           </a:xfrm>
           <a:prstGeom prst="rect">
@@ -6491,7 +6557,7 @@
         </p:nvSpPr>
         <p:spPr>
           <a:xfrm>
-            <a:off x="14315211" y="13109207"/>
+            <a:off x="14364121" y="14571918"/>
             <a:ext cx="1686211" cy="1938992"/>
           </a:xfrm>
           <a:prstGeom prst="rect">
@@ -6541,7 +6607,7 @@
         </p:nvSpPr>
         <p:spPr>
           <a:xfrm>
-            <a:off x="16363067" y="13109207"/>
+            <a:off x="16411977" y="14571918"/>
             <a:ext cx="1485070" cy="1938992"/>
           </a:xfrm>
           <a:prstGeom prst="rect">
@@ -6594,7 +6660,7 @@
         </p:nvCxnSpPr>
         <p:spPr>
           <a:xfrm rot="10800000">
-            <a:off x="13072055" y="15024825"/>
+            <a:off x="13120965" y="16487536"/>
             <a:ext cx="5240116" cy="1104828"/>
           </a:xfrm>
           <a:prstGeom prst="bentConnector2">
@@ -6634,7 +6700,7 @@
         </p:nvCxnSpPr>
         <p:spPr>
           <a:xfrm rot="10800000">
-            <a:off x="15158318" y="15048200"/>
+            <a:off x="15207228" y="16510911"/>
             <a:ext cx="3153855" cy="829359"/>
           </a:xfrm>
           <a:prstGeom prst="bentConnector2">
@@ -6673,7 +6739,7 @@
         </p:nvCxnSpPr>
         <p:spPr>
           <a:xfrm rot="10800000">
-            <a:off x="17105602" y="15048200"/>
+            <a:off x="17154512" y="16510911"/>
             <a:ext cx="1206570" cy="600767"/>
           </a:xfrm>
           <a:prstGeom prst="bentConnector2">
@@ -6712,7 +6778,7 @@
         </p:nvCxnSpPr>
         <p:spPr>
           <a:xfrm rot="5400000" flipH="1" flipV="1">
-            <a:off x="17514202" y="12311237"/>
+            <a:off x="17563112" y="13773948"/>
             <a:ext cx="389371" cy="1206570"/>
           </a:xfrm>
           <a:prstGeom prst="bentConnector2">
@@ -6754,7 +6820,7 @@
         </p:nvCxnSpPr>
         <p:spPr>
           <a:xfrm rot="5400000" flipH="1" flipV="1">
-            <a:off x="16329330" y="11126364"/>
+            <a:off x="16378240" y="12589075"/>
             <a:ext cx="811831" cy="3153857"/>
           </a:xfrm>
           <a:prstGeom prst="bentConnector2">
@@ -6797,7 +6863,7 @@
         </p:nvCxnSpPr>
         <p:spPr>
           <a:xfrm rot="5400000" flipH="1" flipV="1">
-            <a:off x="15085848" y="9839948"/>
+            <a:off x="15134758" y="11302659"/>
             <a:ext cx="1232093" cy="5259678"/>
           </a:xfrm>
           <a:prstGeom prst="bentConnector2">
@@ -6840,7 +6906,7 @@
         </p:nvCxnSpPr>
         <p:spPr>
           <a:xfrm flipV="1">
-            <a:off x="25034542" y="13722372"/>
+            <a:off x="25083452" y="15185083"/>
             <a:ext cx="1508282" cy="393561"/>
           </a:xfrm>
           <a:prstGeom prst="bentConnector2">
@@ -6876,7 +6942,7 @@
         </p:nvSpPr>
         <p:spPr>
           <a:xfrm>
-            <a:off x="25374940" y="11783380"/>
+            <a:off x="25423850" y="13246091"/>
             <a:ext cx="2335768" cy="1938992"/>
           </a:xfrm>
           <a:prstGeom prst="rect">
@@ -6929,7 +6995,7 @@
         </p:nvCxnSpPr>
         <p:spPr>
           <a:xfrm rot="16200000" flipV="1">
-            <a:off x="25617634" y="10858190"/>
+            <a:off x="25666544" y="12320901"/>
             <a:ext cx="389372" cy="1461008"/>
           </a:xfrm>
           <a:prstGeom prst="bentConnector2">
@@ -6972,7 +7038,7 @@
         </p:nvCxnSpPr>
         <p:spPr>
           <a:xfrm flipV="1">
-            <a:off x="25062257" y="16795902"/>
+            <a:off x="25111167" y="18258613"/>
             <a:ext cx="4682716" cy="617177"/>
           </a:xfrm>
           <a:prstGeom prst="bentConnector2">
@@ -7008,7 +7074,7 @@
         </p:nvSpPr>
         <p:spPr>
           <a:xfrm>
-            <a:off x="28209836" y="15226242"/>
+            <a:off x="28258746" y="16688953"/>
             <a:ext cx="3070274" cy="1569660"/>
           </a:xfrm>
           <a:prstGeom prst="rect">
@@ -7079,7 +7145,7 @@
         </p:nvCxnSpPr>
         <p:spPr>
           <a:xfrm flipV="1">
-            <a:off x="29744973" y="14666889"/>
+            <a:off x="29793883" y="16129600"/>
             <a:ext cx="0" cy="559353"/>
           </a:xfrm>
           <a:prstGeom prst="straightConnector1">
@@ -7118,7 +7184,7 @@
         </p:nvSpPr>
         <p:spPr>
           <a:xfrm>
-            <a:off x="11578166" y="23900592"/>
+            <a:off x="11379285" y="25603890"/>
             <a:ext cx="3052234" cy="830055"/>
           </a:xfrm>
           <a:prstGeom prst="rect">
@@ -7183,7 +7249,7 @@
         </p:nvSpPr>
         <p:spPr>
           <a:xfrm>
-            <a:off x="17751926" y="24529970"/>
+            <a:off x="17636913" y="26248095"/>
             <a:ext cx="14353671" cy="1131640"/>
           </a:xfrm>
           <a:prstGeom prst="rect">
@@ -7232,7 +7298,7 @@
                 <a:latin typeface="Arial" panose="020B0604020202020204" pitchFamily="34" charset="0"/>
                 <a:cs typeface="Arial" panose="020B0604020202020204" pitchFamily="34" charset="0"/>
               </a:rPr>
-              <a:t>Got it. Now please describe the problem you are facing </a:t>
+              <a:t>Got it. Now, please describe the problem you are experiencing.</a:t>
             </a:r>
             <a:endParaRPr lang="en-MX" sz="2800" dirty="0">
               <a:ln w="0"/>
@@ -7266,8 +7332,8 @@
         </p:nvSpPr>
         <p:spPr>
           <a:xfrm>
-            <a:off x="2151033" y="26784262"/>
-            <a:ext cx="6840567" cy="3162337"/>
+            <a:off x="2312643" y="26220238"/>
+            <a:ext cx="6840567" cy="3392265"/>
           </a:xfrm>
           <a:prstGeom prst="rect">
             <a:avLst/>
@@ -7339,53 +7405,6 @@
               <a:t>(FastAPI)</a:t>
             </a:r>
           </a:p>
-        </p:txBody>
-      </p:sp>
-      <p:sp>
-        <p:nvSpPr>
-          <p:cNvPr id="71" name="Rectangle 70">
-            <a:extLst>
-              <a:ext uri="{FF2B5EF4-FFF2-40B4-BE49-F238E27FC236}">
-                <a16:creationId xmlns:a16="http://schemas.microsoft.com/office/drawing/2014/main" id="{1BABE2E7-646F-5DF7-38FE-ABE4798D3B46}"/>
-              </a:ext>
-            </a:extLst>
-          </p:cNvPr>
-          <p:cNvSpPr/>
-          <p:nvPr/>
-        </p:nvSpPr>
-        <p:spPr>
-          <a:xfrm>
-            <a:off x="6624945" y="28667741"/>
-            <a:ext cx="2142208" cy="1039473"/>
-          </a:xfrm>
-          <a:prstGeom prst="rect">
-            <a:avLst/>
-          </a:prstGeom>
-          <a:solidFill>
-            <a:schemeClr val="accent5">
-              <a:lumMod val="40000"/>
-              <a:lumOff val="60000"/>
-            </a:schemeClr>
-          </a:solidFill>
-          <a:ln/>
-        </p:spPr>
-        <p:style>
-          <a:lnRef idx="1">
-            <a:schemeClr val="accent6"/>
-          </a:lnRef>
-          <a:fillRef idx="2">
-            <a:schemeClr val="accent6"/>
-          </a:fillRef>
-          <a:effectRef idx="1">
-            <a:schemeClr val="accent6"/>
-          </a:effectRef>
-          <a:fontRef idx="minor">
-            <a:schemeClr val="dk1"/>
-          </a:fontRef>
-        </p:style>
-        <p:txBody>
-          <a:bodyPr rtlCol="0" anchor="ctr"/>
-          <a:lstStyle/>
           <a:p>
             <a:pPr algn="ctr"/>
             <a:r>
@@ -7404,56 +7423,9 @@
                 <a:latin typeface="Arial" panose="020B0604020202020204" pitchFamily="34" charset="0"/>
                 <a:cs typeface="Arial" panose="020B0604020202020204" pitchFamily="34" charset="0"/>
               </a:rPr>
-              <a:t>Deepgram (STT)</a:t>
-            </a:r>
-          </a:p>
-        </p:txBody>
-      </p:sp>
-      <p:sp>
-        <p:nvSpPr>
-          <p:cNvPr id="72" name="Rectangle 71">
-            <a:extLst>
-              <a:ext uri="{FF2B5EF4-FFF2-40B4-BE49-F238E27FC236}">
-                <a16:creationId xmlns:a16="http://schemas.microsoft.com/office/drawing/2014/main" id="{9822C915-D827-7555-7ACA-C6F7AFC85986}"/>
-              </a:ext>
-            </a:extLst>
-          </p:cNvPr>
-          <p:cNvSpPr/>
-          <p:nvPr/>
-        </p:nvSpPr>
-        <p:spPr>
-          <a:xfrm>
-            <a:off x="2353592" y="26979481"/>
-            <a:ext cx="2142208" cy="1039473"/>
-          </a:xfrm>
-          <a:prstGeom prst="rect">
-            <a:avLst/>
-          </a:prstGeom>
-          <a:solidFill>
-            <a:schemeClr val="accent5">
-              <a:lumMod val="40000"/>
-              <a:lumOff val="60000"/>
-            </a:schemeClr>
-          </a:solidFill>
-          <a:ln/>
-        </p:spPr>
-        <p:style>
-          <a:lnRef idx="1">
-            <a:schemeClr val="accent6"/>
-          </a:lnRef>
-          <a:fillRef idx="2">
-            <a:schemeClr val="accent6"/>
-          </a:fillRef>
-          <a:effectRef idx="1">
-            <a:schemeClr val="accent6"/>
-          </a:effectRef>
-          <a:fontRef idx="minor">
-            <a:schemeClr val="dk1"/>
-          </a:fontRef>
-        </p:style>
-        <p:txBody>
-          <a:bodyPr rtlCol="0" anchor="ctr"/>
-          <a:lstStyle/>
+              <a:t>+</a:t>
+            </a:r>
+          </a:p>
           <a:p>
             <a:pPr algn="ctr"/>
             <a:r>
@@ -7472,7 +7444,143 @@
                 <a:latin typeface="Arial" panose="020B0604020202020204" pitchFamily="34" charset="0"/>
                 <a:cs typeface="Arial" panose="020B0604020202020204" pitchFamily="34" charset="0"/>
               </a:rPr>
-              <a:t>Twilio</a:t>
+              <a:t>Ngrok</a:t>
+            </a:r>
+          </a:p>
+        </p:txBody>
+      </p:sp>
+      <p:sp>
+        <p:nvSpPr>
+          <p:cNvPr id="71" name="Rectangle 70">
+            <a:extLst>
+              <a:ext uri="{FF2B5EF4-FFF2-40B4-BE49-F238E27FC236}">
+                <a16:creationId xmlns:a16="http://schemas.microsoft.com/office/drawing/2014/main" id="{1BABE2E7-646F-5DF7-38FE-ABE4798D3B46}"/>
+              </a:ext>
+            </a:extLst>
+          </p:cNvPr>
+          <p:cNvSpPr/>
+          <p:nvPr/>
+        </p:nvSpPr>
+        <p:spPr>
+          <a:xfrm>
+            <a:off x="6786555" y="28249396"/>
+            <a:ext cx="2142208" cy="1039473"/>
+          </a:xfrm>
+          <a:prstGeom prst="rect">
+            <a:avLst/>
+          </a:prstGeom>
+          <a:solidFill>
+            <a:schemeClr val="accent5">
+              <a:lumMod val="40000"/>
+              <a:lumOff val="60000"/>
+            </a:schemeClr>
+          </a:solidFill>
+          <a:ln/>
+        </p:spPr>
+        <p:style>
+          <a:lnRef idx="1">
+            <a:schemeClr val="accent6"/>
+          </a:lnRef>
+          <a:fillRef idx="2">
+            <a:schemeClr val="accent6"/>
+          </a:fillRef>
+          <a:effectRef idx="1">
+            <a:schemeClr val="accent6"/>
+          </a:effectRef>
+          <a:fontRef idx="minor">
+            <a:schemeClr val="dk1"/>
+          </a:fontRef>
+        </p:style>
+        <p:txBody>
+          <a:bodyPr rtlCol="0" anchor="ctr"/>
+          <a:lstStyle/>
+          <a:p>
+            <a:pPr algn="ctr"/>
+            <a:r>
+              <a:rPr lang="en-MX" sz="2800" dirty="0">
+                <a:ln w="0"/>
+                <a:solidFill>
+                  <a:schemeClr val="tx1"/>
+                </a:solidFill>
+                <a:effectLst>
+                  <a:outerShdw blurRad="38100" dist="19050" dir="2700000" algn="tl" rotWithShape="0">
+                    <a:schemeClr val="dk1">
+                      <a:alpha val="40000"/>
+                    </a:schemeClr>
+                  </a:outerShdw>
+                </a:effectLst>
+                <a:latin typeface="Arial" panose="020B0604020202020204" pitchFamily="34" charset="0"/>
+                <a:cs typeface="Arial" panose="020B0604020202020204" pitchFamily="34" charset="0"/>
+              </a:rPr>
+              <a:t>Deepgram API (STT)</a:t>
+            </a:r>
+          </a:p>
+        </p:txBody>
+      </p:sp>
+      <p:sp>
+        <p:nvSpPr>
+          <p:cNvPr id="72" name="Rectangle 71">
+            <a:extLst>
+              <a:ext uri="{FF2B5EF4-FFF2-40B4-BE49-F238E27FC236}">
+                <a16:creationId xmlns:a16="http://schemas.microsoft.com/office/drawing/2014/main" id="{9822C915-D827-7555-7ACA-C6F7AFC85986}"/>
+              </a:ext>
+            </a:extLst>
+          </p:cNvPr>
+          <p:cNvSpPr/>
+          <p:nvPr/>
+        </p:nvSpPr>
+        <p:spPr>
+          <a:xfrm>
+            <a:off x="2515202" y="26561136"/>
+            <a:ext cx="2142208" cy="1039473"/>
+          </a:xfrm>
+          <a:prstGeom prst="rect">
+            <a:avLst/>
+          </a:prstGeom>
+          <a:solidFill>
+            <a:schemeClr val="accent5">
+              <a:lumMod val="40000"/>
+              <a:lumOff val="60000"/>
+            </a:schemeClr>
+          </a:solidFill>
+          <a:ln/>
+        </p:spPr>
+        <p:style>
+          <a:lnRef idx="1">
+            <a:schemeClr val="accent6"/>
+          </a:lnRef>
+          <a:fillRef idx="2">
+            <a:schemeClr val="accent6"/>
+          </a:fillRef>
+          <a:effectRef idx="1">
+            <a:schemeClr val="accent6"/>
+          </a:effectRef>
+          <a:fontRef idx="minor">
+            <a:schemeClr val="dk1"/>
+          </a:fontRef>
+        </p:style>
+        <p:txBody>
+          <a:bodyPr rtlCol="0" anchor="ctr"/>
+          <a:lstStyle/>
+          <a:p>
+            <a:pPr algn="ctr"/>
+            <a:r>
+              <a:rPr lang="en-MX" sz="2800" dirty="0">
+                <a:ln w="0"/>
+                <a:solidFill>
+                  <a:schemeClr val="tx1"/>
+                </a:solidFill>
+                <a:effectLst>
+                  <a:outerShdw blurRad="38100" dist="19050" dir="2700000" algn="tl" rotWithShape="0">
+                    <a:schemeClr val="dk1">
+                      <a:alpha val="40000"/>
+                    </a:schemeClr>
+                  </a:outerShdw>
+                </a:effectLst>
+                <a:latin typeface="Arial" panose="020B0604020202020204" pitchFamily="34" charset="0"/>
+                <a:cs typeface="Arial" panose="020B0604020202020204" pitchFamily="34" charset="0"/>
+              </a:rPr>
+              <a:t>Twilio API</a:t>
             </a:r>
           </a:p>
           <a:p>
@@ -7512,7 +7620,7 @@
         </p:nvSpPr>
         <p:spPr>
           <a:xfrm>
-            <a:off x="4495800" y="25403483"/>
+            <a:off x="4657410" y="24985138"/>
             <a:ext cx="2142208" cy="1039473"/>
           </a:xfrm>
           <a:prstGeom prst="rect">
@@ -7580,7 +7688,7 @@
         </p:nvSpPr>
         <p:spPr>
           <a:xfrm>
-            <a:off x="4482737" y="30243739"/>
+            <a:off x="4644347" y="29825394"/>
             <a:ext cx="2142208" cy="1039473"/>
           </a:xfrm>
           <a:prstGeom prst="rect">
@@ -7629,56 +7737,9 @@
                 <a:latin typeface="Arial" panose="020B0604020202020204" pitchFamily="34" charset="0"/>
                 <a:cs typeface="Arial" panose="020B0604020202020204" pitchFamily="34" charset="0"/>
               </a:rPr>
-              <a:t>AI Agent</a:t>
-            </a:r>
-          </a:p>
-        </p:txBody>
-      </p:sp>
-      <p:sp>
-        <p:nvSpPr>
-          <p:cNvPr id="75" name="Rectangle 74">
-            <a:extLst>
-              <a:ext uri="{FF2B5EF4-FFF2-40B4-BE49-F238E27FC236}">
-                <a16:creationId xmlns:a16="http://schemas.microsoft.com/office/drawing/2014/main" id="{8646AAD4-EAC6-E9DE-DD87-148216F2A36B}"/>
-              </a:ext>
-            </a:extLst>
-          </p:cNvPr>
-          <p:cNvSpPr/>
-          <p:nvPr/>
-        </p:nvSpPr>
-        <p:spPr>
-          <a:xfrm>
-            <a:off x="2353592" y="28667741"/>
-            <a:ext cx="2142208" cy="1039473"/>
-          </a:xfrm>
-          <a:prstGeom prst="rect">
-            <a:avLst/>
-          </a:prstGeom>
-          <a:solidFill>
-            <a:schemeClr val="accent5">
-              <a:lumMod val="40000"/>
-              <a:lumOff val="60000"/>
-            </a:schemeClr>
-          </a:solidFill>
-          <a:ln/>
-        </p:spPr>
-        <p:style>
-          <a:lnRef idx="1">
-            <a:schemeClr val="accent6"/>
-          </a:lnRef>
-          <a:fillRef idx="2">
-            <a:schemeClr val="accent6"/>
-          </a:fillRef>
-          <a:effectRef idx="1">
-            <a:schemeClr val="accent6"/>
-          </a:effectRef>
-          <a:fontRef idx="minor">
-            <a:schemeClr val="dk1"/>
-          </a:fontRef>
-        </p:style>
-        <p:txBody>
-          <a:bodyPr rtlCol="0" anchor="ctr"/>
-          <a:lstStyle/>
+              <a:t>FormAgent</a:t>
+            </a:r>
+          </a:p>
           <a:p>
             <a:pPr algn="ctr"/>
             <a:r>
@@ -7697,9 +7758,56 @@
                 <a:latin typeface="Arial" panose="020B0604020202020204" pitchFamily="34" charset="0"/>
                 <a:cs typeface="Arial" panose="020B0604020202020204" pitchFamily="34" charset="0"/>
               </a:rPr>
-              <a:t>Deepgram</a:t>
-            </a:r>
-          </a:p>
+              <a:t>(AutoGen)</a:t>
+            </a:r>
+          </a:p>
+        </p:txBody>
+      </p:sp>
+      <p:sp>
+        <p:nvSpPr>
+          <p:cNvPr id="75" name="Rectangle 74">
+            <a:extLst>
+              <a:ext uri="{FF2B5EF4-FFF2-40B4-BE49-F238E27FC236}">
+                <a16:creationId xmlns:a16="http://schemas.microsoft.com/office/drawing/2014/main" id="{8646AAD4-EAC6-E9DE-DD87-148216F2A36B}"/>
+              </a:ext>
+            </a:extLst>
+          </p:cNvPr>
+          <p:cNvSpPr/>
+          <p:nvPr/>
+        </p:nvSpPr>
+        <p:spPr>
+          <a:xfrm>
+            <a:off x="2515202" y="28249396"/>
+            <a:ext cx="2142208" cy="1039473"/>
+          </a:xfrm>
+          <a:prstGeom prst="rect">
+            <a:avLst/>
+          </a:prstGeom>
+          <a:solidFill>
+            <a:schemeClr val="accent5">
+              <a:lumMod val="40000"/>
+              <a:lumOff val="60000"/>
+            </a:schemeClr>
+          </a:solidFill>
+          <a:ln/>
+        </p:spPr>
+        <p:style>
+          <a:lnRef idx="1">
+            <a:schemeClr val="accent6"/>
+          </a:lnRef>
+          <a:fillRef idx="2">
+            <a:schemeClr val="accent6"/>
+          </a:fillRef>
+          <a:effectRef idx="1">
+            <a:schemeClr val="accent6"/>
+          </a:effectRef>
+          <a:fontRef idx="minor">
+            <a:schemeClr val="dk1"/>
+          </a:fontRef>
+        </p:style>
+        <p:txBody>
+          <a:bodyPr rtlCol="0" anchor="ctr"/>
+          <a:lstStyle/>
           <a:p>
             <a:pPr algn="ctr"/>
             <a:r>
@@ -7718,56 +7826,9 @@
                 <a:latin typeface="Arial" panose="020B0604020202020204" pitchFamily="34" charset="0"/>
                 <a:cs typeface="Arial" panose="020B0604020202020204" pitchFamily="34" charset="0"/>
               </a:rPr>
-              <a:t>(TTS)</a:t>
-            </a:r>
-          </a:p>
-        </p:txBody>
-      </p:sp>
-      <p:sp>
-        <p:nvSpPr>
-          <p:cNvPr id="76" name="Rectangle 75">
-            <a:extLst>
-              <a:ext uri="{FF2B5EF4-FFF2-40B4-BE49-F238E27FC236}">
-                <a16:creationId xmlns:a16="http://schemas.microsoft.com/office/drawing/2014/main" id="{85F7AF56-23F1-9A0F-D011-71F8A8B911E3}"/>
-              </a:ext>
-            </a:extLst>
-          </p:cNvPr>
-          <p:cNvSpPr/>
-          <p:nvPr/>
-        </p:nvSpPr>
-        <p:spPr>
-          <a:xfrm>
-            <a:off x="6638009" y="26979481"/>
-            <a:ext cx="2142208" cy="1039473"/>
-          </a:xfrm>
-          <a:prstGeom prst="rect">
-            <a:avLst/>
-          </a:prstGeom>
-          <a:solidFill>
-            <a:schemeClr val="accent5">
-              <a:lumMod val="40000"/>
-              <a:lumOff val="60000"/>
-            </a:schemeClr>
-          </a:solidFill>
-          <a:ln/>
-        </p:spPr>
-        <p:style>
-          <a:lnRef idx="1">
-            <a:schemeClr val="accent6"/>
-          </a:lnRef>
-          <a:fillRef idx="2">
-            <a:schemeClr val="accent6"/>
-          </a:fillRef>
-          <a:effectRef idx="1">
-            <a:schemeClr val="accent6"/>
-          </a:effectRef>
-          <a:fontRef idx="minor">
-            <a:schemeClr val="dk1"/>
-          </a:fontRef>
-        </p:style>
-        <p:txBody>
-          <a:bodyPr rtlCol="0" anchor="ctr"/>
-          <a:lstStyle/>
+              <a:t>Deepgram </a:t>
+            </a:r>
+          </a:p>
           <a:p>
             <a:pPr algn="ctr"/>
             <a:r>
@@ -7786,7 +7847,75 @@
                 <a:latin typeface="Arial" panose="020B0604020202020204" pitchFamily="34" charset="0"/>
                 <a:cs typeface="Arial" panose="020B0604020202020204" pitchFamily="34" charset="0"/>
               </a:rPr>
-              <a:t>Twilio</a:t>
+              <a:t>API (TTS)</a:t>
+            </a:r>
+          </a:p>
+        </p:txBody>
+      </p:sp>
+      <p:sp>
+        <p:nvSpPr>
+          <p:cNvPr id="76" name="Rectangle 75">
+            <a:extLst>
+              <a:ext uri="{FF2B5EF4-FFF2-40B4-BE49-F238E27FC236}">
+                <a16:creationId xmlns:a16="http://schemas.microsoft.com/office/drawing/2014/main" id="{85F7AF56-23F1-9A0F-D011-71F8A8B911E3}"/>
+              </a:ext>
+            </a:extLst>
+          </p:cNvPr>
+          <p:cNvSpPr/>
+          <p:nvPr/>
+        </p:nvSpPr>
+        <p:spPr>
+          <a:xfrm>
+            <a:off x="6799619" y="26561136"/>
+            <a:ext cx="2142208" cy="1039473"/>
+          </a:xfrm>
+          <a:prstGeom prst="rect">
+            <a:avLst/>
+          </a:prstGeom>
+          <a:solidFill>
+            <a:schemeClr val="accent5">
+              <a:lumMod val="40000"/>
+              <a:lumOff val="60000"/>
+            </a:schemeClr>
+          </a:solidFill>
+          <a:ln/>
+        </p:spPr>
+        <p:style>
+          <a:lnRef idx="1">
+            <a:schemeClr val="accent6"/>
+          </a:lnRef>
+          <a:fillRef idx="2">
+            <a:schemeClr val="accent6"/>
+          </a:fillRef>
+          <a:effectRef idx="1">
+            <a:schemeClr val="accent6"/>
+          </a:effectRef>
+          <a:fontRef idx="minor">
+            <a:schemeClr val="dk1"/>
+          </a:fontRef>
+        </p:style>
+        <p:txBody>
+          <a:bodyPr rtlCol="0" anchor="ctr"/>
+          <a:lstStyle/>
+          <a:p>
+            <a:pPr algn="ctr"/>
+            <a:r>
+              <a:rPr lang="en-MX" sz="2800" dirty="0">
+                <a:ln w="0"/>
+                <a:solidFill>
+                  <a:schemeClr val="tx1"/>
+                </a:solidFill>
+                <a:effectLst>
+                  <a:outerShdw blurRad="38100" dist="19050" dir="2700000" algn="tl" rotWithShape="0">
+                    <a:schemeClr val="dk1">
+                      <a:alpha val="40000"/>
+                    </a:schemeClr>
+                  </a:outerShdw>
+                </a:effectLst>
+                <a:latin typeface="Arial" panose="020B0604020202020204" pitchFamily="34" charset="0"/>
+                <a:cs typeface="Arial" panose="020B0604020202020204" pitchFamily="34" charset="0"/>
+              </a:rPr>
+              <a:t>Twilio API</a:t>
             </a:r>
           </a:p>
           <a:p>
@@ -7829,7 +7958,7 @@
         </p:nvCxnSpPr>
         <p:spPr>
           <a:xfrm>
-            <a:off x="6638008" y="25923220"/>
+            <a:off x="6799618" y="25504875"/>
             <a:ext cx="1071105" cy="1056261"/>
           </a:xfrm>
           <a:prstGeom prst="bentConnector2">
@@ -7871,7 +8000,7 @@
         </p:nvCxnSpPr>
         <p:spPr>
           <a:xfrm flipH="1">
-            <a:off x="7696049" y="28018954"/>
+            <a:off x="7857659" y="27600609"/>
             <a:ext cx="13064" cy="648787"/>
           </a:xfrm>
           <a:prstGeom prst="straightConnector1">
@@ -7914,7 +8043,7 @@
         </p:nvCxnSpPr>
         <p:spPr>
           <a:xfrm rot="5400000">
-            <a:off x="6632366" y="29699793"/>
+            <a:off x="6793976" y="29281448"/>
             <a:ext cx="1056262" cy="1071104"/>
           </a:xfrm>
           <a:prstGeom prst="bentConnector2">
@@ -7957,7 +8086,7 @@
         </p:nvCxnSpPr>
         <p:spPr>
           <a:xfrm rot="10800000">
-            <a:off x="3424697" y="29707214"/>
+            <a:off x="3586307" y="29288869"/>
             <a:ext cx="1058041" cy="1056262"/>
           </a:xfrm>
           <a:prstGeom prst="bentConnector2">
@@ -8000,7 +8129,7 @@
         </p:nvCxnSpPr>
         <p:spPr>
           <a:xfrm flipV="1">
-            <a:off x="3424696" y="28018954"/>
+            <a:off x="3586306" y="27600609"/>
             <a:ext cx="0" cy="648787"/>
           </a:xfrm>
           <a:prstGeom prst="straightConnector1">
@@ -8043,7 +8172,7 @@
         </p:nvCxnSpPr>
         <p:spPr>
           <a:xfrm rot="5400000" flipH="1" flipV="1">
-            <a:off x="3432118" y="25915799"/>
+            <a:off x="3593728" y="25497454"/>
             <a:ext cx="1056261" cy="1071104"/>
           </a:xfrm>
           <a:prstGeom prst="bentConnector2">
@@ -8082,8 +8211,8 @@
         </p:nvSpPr>
         <p:spPr>
           <a:xfrm>
-            <a:off x="11578166" y="25430480"/>
-            <a:ext cx="3052234" cy="830055"/>
+            <a:off x="11379285" y="27002736"/>
+            <a:ext cx="4031553" cy="937094"/>
           </a:xfrm>
           <a:prstGeom prst="rect">
             <a:avLst/>
@@ -8128,11 +8257,709 @@
                 <a:latin typeface="Arial" panose="020B0604020202020204" pitchFamily="34" charset="0"/>
                 <a:cs typeface="Arial" panose="020B0604020202020204" pitchFamily="34" charset="0"/>
               </a:rPr>
-              <a:t>peter@gmail.com</a:t>
-            </a:r>
-          </a:p>
-        </p:txBody>
-      </p:sp>
+              <a:t>I forgot the password of my service account</a:t>
+            </a:r>
+          </a:p>
+        </p:txBody>
+      </p:sp>
+      <p:sp>
+        <p:nvSpPr>
+          <p:cNvPr id="3" name="Rectangle 2">
+            <a:extLst>
+              <a:ext uri="{FF2B5EF4-FFF2-40B4-BE49-F238E27FC236}">
+                <a16:creationId xmlns:a16="http://schemas.microsoft.com/office/drawing/2014/main" id="{42B2C4BE-BA4F-96B0-F6CB-6D45220D6D0F}"/>
+              </a:ext>
+            </a:extLst>
+          </p:cNvPr>
+          <p:cNvSpPr/>
+          <p:nvPr/>
+        </p:nvSpPr>
+        <p:spPr>
+          <a:xfrm>
+            <a:off x="17636913" y="27685158"/>
+            <a:ext cx="14353671" cy="1131640"/>
+          </a:xfrm>
+          <a:prstGeom prst="rect">
+            <a:avLst/>
+          </a:prstGeom>
+          <a:solidFill>
+            <a:schemeClr val="accent5">
+              <a:lumMod val="40000"/>
+              <a:lumOff val="60000"/>
+            </a:schemeClr>
+          </a:solidFill>
+          <a:ln/>
+        </p:spPr>
+        <p:style>
+          <a:lnRef idx="1">
+            <a:schemeClr val="accent6"/>
+          </a:lnRef>
+          <a:fillRef idx="2">
+            <a:schemeClr val="accent6"/>
+          </a:fillRef>
+          <a:effectRef idx="1">
+            <a:schemeClr val="accent6"/>
+          </a:effectRef>
+          <a:fontRef idx="minor">
+            <a:schemeClr val="dk1"/>
+          </a:fontRef>
+        </p:style>
+        <p:txBody>
+          <a:bodyPr rtlCol="0" anchor="ctr"/>
+          <a:lstStyle/>
+          <a:p>
+            <a:pPr algn="just"/>
+            <a:r>
+              <a:rPr lang="en-US" sz="2800" dirty="0">
+                <a:ln w="0"/>
+                <a:solidFill>
+                  <a:schemeClr val="tx1"/>
+                </a:solidFill>
+                <a:effectLst>
+                  <a:outerShdw blurRad="38100" dist="19050" dir="2700000" algn="tl" rotWithShape="0">
+                    <a:schemeClr val="dk1">
+                      <a:alpha val="40000"/>
+                    </a:schemeClr>
+                  </a:outerShdw>
+                </a:effectLst>
+                <a:latin typeface="Arial" panose="020B0604020202020204" pitchFamily="34" charset="0"/>
+                <a:cs typeface="Arial" panose="020B0604020202020204" pitchFamily="34" charset="0"/>
+              </a:rPr>
+              <a:t>Got it. Now, please provide a subject for your problem. This will help us categorize and prioritize your request.</a:t>
+            </a:r>
+            <a:endParaRPr lang="en-MX" sz="2800" dirty="0">
+              <a:ln w="0"/>
+              <a:solidFill>
+                <a:schemeClr val="tx1"/>
+              </a:solidFill>
+              <a:effectLst>
+                <a:outerShdw blurRad="38100" dist="19050" dir="2700000" algn="tl" rotWithShape="0">
+                  <a:schemeClr val="dk1">
+                    <a:alpha val="40000"/>
+                  </a:schemeClr>
+                </a:outerShdw>
+              </a:effectLst>
+              <a:latin typeface="Arial" panose="020B0604020202020204" pitchFamily="34" charset="0"/>
+              <a:cs typeface="Arial" panose="020B0604020202020204" pitchFamily="34" charset="0"/>
+            </a:endParaRPr>
+          </a:p>
+        </p:txBody>
+      </p:sp>
+      <p:sp>
+        <p:nvSpPr>
+          <p:cNvPr id="4" name="Rectangle 3">
+            <a:extLst>
+              <a:ext uri="{FF2B5EF4-FFF2-40B4-BE49-F238E27FC236}">
+                <a16:creationId xmlns:a16="http://schemas.microsoft.com/office/drawing/2014/main" id="{5E0BD050-6EC6-5FD2-5240-B47DBC210930}"/>
+              </a:ext>
+            </a:extLst>
+          </p:cNvPr>
+          <p:cNvSpPr/>
+          <p:nvPr/>
+        </p:nvSpPr>
+        <p:spPr>
+          <a:xfrm>
+            <a:off x="11379285" y="28517525"/>
+            <a:ext cx="3052234" cy="830055"/>
+          </a:xfrm>
+          <a:prstGeom prst="rect">
+            <a:avLst/>
+          </a:prstGeom>
+          <a:solidFill>
+            <a:srgbClr val="FCBFBB"/>
+          </a:solidFill>
+          <a:ln/>
+        </p:spPr>
+        <p:style>
+          <a:lnRef idx="1">
+            <a:schemeClr val="accent6"/>
+          </a:lnRef>
+          <a:fillRef idx="2">
+            <a:schemeClr val="accent6"/>
+          </a:fillRef>
+          <a:effectRef idx="1">
+            <a:schemeClr val="accent6"/>
+          </a:effectRef>
+          <a:fontRef idx="minor">
+            <a:schemeClr val="dk1"/>
+          </a:fontRef>
+        </p:style>
+        <p:txBody>
+          <a:bodyPr rtlCol="0" anchor="ctr"/>
+          <a:lstStyle/>
+          <a:p>
+            <a:pPr algn="just"/>
+            <a:r>
+              <a:rPr lang="en-MX" sz="2800" dirty="0">
+                <a:ln w="0"/>
+                <a:solidFill>
+                  <a:schemeClr val="tx1"/>
+                </a:solidFill>
+                <a:effectLst>
+                  <a:outerShdw blurRad="38100" dist="19050" dir="2700000" algn="tl" rotWithShape="0">
+                    <a:schemeClr val="dk1">
+                      <a:alpha val="40000"/>
+                    </a:schemeClr>
+                  </a:outerShdw>
+                </a:effectLst>
+                <a:latin typeface="Arial" panose="020B0604020202020204" pitchFamily="34" charset="0"/>
+                <a:cs typeface="Arial" panose="020B0604020202020204" pitchFamily="34" charset="0"/>
+              </a:rPr>
+              <a:t>Need to restart my password</a:t>
+            </a:r>
+          </a:p>
+        </p:txBody>
+      </p:sp>
+      <p:sp>
+        <p:nvSpPr>
+          <p:cNvPr id="5" name="Rectangle 4">
+            <a:extLst>
+              <a:ext uri="{FF2B5EF4-FFF2-40B4-BE49-F238E27FC236}">
+                <a16:creationId xmlns:a16="http://schemas.microsoft.com/office/drawing/2014/main" id="{51313EF2-8D51-9F8C-1C39-3762FC655496}"/>
+              </a:ext>
+            </a:extLst>
+          </p:cNvPr>
+          <p:cNvSpPr/>
+          <p:nvPr/>
+        </p:nvSpPr>
+        <p:spPr>
+          <a:xfrm>
+            <a:off x="17636913" y="29135631"/>
+            <a:ext cx="14353671" cy="1126681"/>
+          </a:xfrm>
+          <a:prstGeom prst="rect">
+            <a:avLst/>
+          </a:prstGeom>
+          <a:solidFill>
+            <a:schemeClr val="accent5">
+              <a:lumMod val="40000"/>
+              <a:lumOff val="60000"/>
+            </a:schemeClr>
+          </a:solidFill>
+          <a:ln/>
+        </p:spPr>
+        <p:style>
+          <a:lnRef idx="1">
+            <a:schemeClr val="accent6"/>
+          </a:lnRef>
+          <a:fillRef idx="2">
+            <a:schemeClr val="accent6"/>
+          </a:fillRef>
+          <a:effectRef idx="1">
+            <a:schemeClr val="accent6"/>
+          </a:effectRef>
+          <a:fontRef idx="minor">
+            <a:schemeClr val="dk1"/>
+          </a:fontRef>
+        </p:style>
+        <p:txBody>
+          <a:bodyPr rtlCol="0" anchor="ctr"/>
+          <a:lstStyle/>
+          <a:p>
+            <a:pPr algn="just"/>
+            <a:r>
+              <a:rPr lang="en-US" sz="2800" dirty="0">
+                <a:ln w="0"/>
+                <a:solidFill>
+                  <a:schemeClr val="tx1"/>
+                </a:solidFill>
+                <a:effectLst>
+                  <a:outerShdw blurRad="38100" dist="19050" dir="2700000" algn="tl" rotWithShape="0">
+                    <a:schemeClr val="dk1">
+                      <a:alpha val="40000"/>
+                    </a:schemeClr>
+                  </a:outerShdw>
+                </a:effectLst>
+                <a:latin typeface="Arial" panose="020B0604020202020204" pitchFamily="34" charset="0"/>
+                <a:cs typeface="Arial" panose="020B0604020202020204" pitchFamily="34" charset="0"/>
+              </a:rPr>
+              <a:t>Your request has been submitted successfully. The IT team will look into your server access permission issue shortly.</a:t>
+            </a:r>
+            <a:endParaRPr lang="en-MX" sz="2800" dirty="0">
+              <a:ln w="0"/>
+              <a:solidFill>
+                <a:schemeClr val="tx1"/>
+              </a:solidFill>
+              <a:effectLst>
+                <a:outerShdw blurRad="38100" dist="19050" dir="2700000" algn="tl" rotWithShape="0">
+                  <a:schemeClr val="dk1">
+                    <a:alpha val="40000"/>
+                  </a:schemeClr>
+                </a:outerShdw>
+              </a:effectLst>
+              <a:latin typeface="Arial" panose="020B0604020202020204" pitchFamily="34" charset="0"/>
+              <a:cs typeface="Arial" panose="020B0604020202020204" pitchFamily="34" charset="0"/>
+            </a:endParaRPr>
+          </a:p>
+        </p:txBody>
+      </p:sp>
+      <p:sp>
+        <p:nvSpPr>
+          <p:cNvPr id="9" name="Rectangle 8">
+            <a:extLst>
+              <a:ext uri="{FF2B5EF4-FFF2-40B4-BE49-F238E27FC236}">
+                <a16:creationId xmlns:a16="http://schemas.microsoft.com/office/drawing/2014/main" id="{3DF8D2D9-0644-8E0D-0952-94366B2EB3CC}"/>
+              </a:ext>
+            </a:extLst>
+          </p:cNvPr>
+          <p:cNvSpPr/>
+          <p:nvPr/>
+        </p:nvSpPr>
+        <p:spPr>
+          <a:xfrm>
+            <a:off x="11379285" y="29916371"/>
+            <a:ext cx="3052234" cy="830055"/>
+          </a:xfrm>
+          <a:prstGeom prst="rect">
+            <a:avLst/>
+          </a:prstGeom>
+          <a:solidFill>
+            <a:srgbClr val="FCBFBB"/>
+          </a:solidFill>
+          <a:ln/>
+        </p:spPr>
+        <p:style>
+          <a:lnRef idx="1">
+            <a:schemeClr val="accent6"/>
+          </a:lnRef>
+          <a:fillRef idx="2">
+            <a:schemeClr val="accent6"/>
+          </a:fillRef>
+          <a:effectRef idx="1">
+            <a:schemeClr val="accent6"/>
+          </a:effectRef>
+          <a:fontRef idx="minor">
+            <a:schemeClr val="dk1"/>
+          </a:fontRef>
+        </p:style>
+        <p:txBody>
+          <a:bodyPr rtlCol="0" anchor="ctr"/>
+          <a:lstStyle/>
+          <a:p>
+            <a:pPr algn="just"/>
+            <a:r>
+              <a:rPr lang="en-MX" sz="2800" dirty="0">
+                <a:ln w="0"/>
+                <a:solidFill>
+                  <a:schemeClr val="tx1"/>
+                </a:solidFill>
+                <a:effectLst>
+                  <a:outerShdw blurRad="38100" dist="19050" dir="2700000" algn="tl" rotWithShape="0">
+                    <a:schemeClr val="dk1">
+                      <a:alpha val="40000"/>
+                    </a:schemeClr>
+                  </a:outerShdw>
+                </a:effectLst>
+                <a:latin typeface="Arial" panose="020B0604020202020204" pitchFamily="34" charset="0"/>
+                <a:cs typeface="Arial" panose="020B0604020202020204" pitchFamily="34" charset="0"/>
+              </a:rPr>
+              <a:t>Thanks, goodbye.</a:t>
+            </a:r>
+          </a:p>
+        </p:txBody>
+      </p:sp>
+      <p:sp>
+        <p:nvSpPr>
+          <p:cNvPr id="13" name="TextBox 12">
+            <a:extLst>
+              <a:ext uri="{FF2B5EF4-FFF2-40B4-BE49-F238E27FC236}">
+                <a16:creationId xmlns:a16="http://schemas.microsoft.com/office/drawing/2014/main" id="{ED76C882-A27E-C53F-4B82-47E05BE7FB94}"/>
+              </a:ext>
+            </a:extLst>
+          </p:cNvPr>
+          <p:cNvSpPr txBox="1"/>
+          <p:nvPr/>
+        </p:nvSpPr>
+        <p:spPr>
+          <a:xfrm>
+            <a:off x="43746821" y="15953874"/>
+            <a:ext cx="184731" cy="461665"/>
+          </a:xfrm>
+          <a:prstGeom prst="rect">
+            <a:avLst/>
+          </a:prstGeom>
+          <a:noFill/>
+        </p:spPr>
+        <p:txBody>
+          <a:bodyPr wrap="none" rtlCol="0">
+            <a:spAutoFit/>
+          </a:bodyPr>
+          <a:lstStyle/>
+          <a:p>
+            <a:endParaRPr lang="en-MX" dirty="0"/>
+          </a:p>
+        </p:txBody>
+      </p:sp>
+      <p:sp>
+        <p:nvSpPr>
+          <p:cNvPr id="12" name="Text Box 215">
+            <a:extLst>
+              <a:ext uri="{FF2B5EF4-FFF2-40B4-BE49-F238E27FC236}">
+                <a16:creationId xmlns:a16="http://schemas.microsoft.com/office/drawing/2014/main" id="{D3BCBD86-24CC-FF6F-FDEF-F908F3D21064}"/>
+              </a:ext>
+            </a:extLst>
+          </p:cNvPr>
+          <p:cNvSpPr txBox="1">
+            <a:spLocks noChangeArrowheads="1"/>
+          </p:cNvSpPr>
+          <p:nvPr/>
+        </p:nvSpPr>
+        <p:spPr bwMode="auto">
+          <a:xfrm>
+            <a:off x="839407" y="31188501"/>
+            <a:ext cx="9722760" cy="523220"/>
+          </a:xfrm>
+          <a:prstGeom prst="rect">
+            <a:avLst/>
+          </a:prstGeom>
+          <a:noFill/>
+          <a:ln w="63500">
+            <a:noFill/>
+            <a:miter lim="800000"/>
+            <a:headEnd/>
+            <a:tailEnd/>
+          </a:ln>
+        </p:spPr>
+        <p:txBody>
+          <a:bodyPr wrap="square" lIns="162560" rIns="162560">
+            <a:spAutoFit/>
+          </a:bodyPr>
+          <a:lstStyle/>
+          <a:p>
+            <a:pPr>
+              <a:spcBef>
+                <a:spcPct val="50000"/>
+              </a:spcBef>
+            </a:pPr>
+            <a:r>
+              <a:rPr lang="en-US" sz="2800" dirty="0">
+                <a:latin typeface="Arial" charset="0"/>
+              </a:rPr>
+              <a:t>Figure 1: High-level diagram of the AI voice agent system.</a:t>
+            </a:r>
+          </a:p>
+        </p:txBody>
+      </p:sp>
+      <p:sp>
+        <p:nvSpPr>
+          <p:cNvPr id="14" name="Text Box 215">
+            <a:extLst>
+              <a:ext uri="{FF2B5EF4-FFF2-40B4-BE49-F238E27FC236}">
+                <a16:creationId xmlns:a16="http://schemas.microsoft.com/office/drawing/2014/main" id="{8E317085-1A97-0887-8397-0BD78DE99D95}"/>
+              </a:ext>
+            </a:extLst>
+          </p:cNvPr>
+          <p:cNvSpPr txBox="1">
+            <a:spLocks noChangeArrowheads="1"/>
+          </p:cNvSpPr>
+          <p:nvPr/>
+        </p:nvSpPr>
+        <p:spPr bwMode="auto">
+          <a:xfrm>
+            <a:off x="18889749" y="20029333"/>
+            <a:ext cx="5653245" cy="539654"/>
+          </a:xfrm>
+          <a:prstGeom prst="rect">
+            <a:avLst/>
+          </a:prstGeom>
+          <a:noFill/>
+          <a:ln w="63500">
+            <a:noFill/>
+            <a:miter lim="800000"/>
+            <a:headEnd/>
+            <a:tailEnd/>
+          </a:ln>
+        </p:spPr>
+        <p:txBody>
+          <a:bodyPr wrap="square" lIns="162560" rIns="162560">
+            <a:spAutoFit/>
+          </a:bodyPr>
+          <a:lstStyle/>
+          <a:p>
+            <a:pPr>
+              <a:spcBef>
+                <a:spcPct val="50000"/>
+              </a:spcBef>
+            </a:pPr>
+            <a:r>
+              <a:rPr lang="en-US" sz="2800" dirty="0">
+                <a:latin typeface="Arial" charset="0"/>
+              </a:rPr>
+              <a:t>Figure 2: FormAgent Overview.</a:t>
+            </a:r>
+          </a:p>
+        </p:txBody>
+      </p:sp>
+      <p:sp>
+        <p:nvSpPr>
+          <p:cNvPr id="19" name="TextBox 18">
+            <a:extLst>
+              <a:ext uri="{FF2B5EF4-FFF2-40B4-BE49-F238E27FC236}">
+                <a16:creationId xmlns:a16="http://schemas.microsoft.com/office/drawing/2014/main" id="{4F9D7994-3C98-266B-EFFF-F05A16326F6C}"/>
+              </a:ext>
+            </a:extLst>
+          </p:cNvPr>
+          <p:cNvSpPr txBox="1"/>
+          <p:nvPr/>
+        </p:nvSpPr>
+        <p:spPr>
+          <a:xfrm>
+            <a:off x="25298361" y="9658555"/>
+            <a:ext cx="2335768" cy="954107"/>
+          </a:xfrm>
+          <a:prstGeom prst="rect">
+            <a:avLst/>
+          </a:prstGeom>
+          <a:noFill/>
+        </p:spPr>
+        <p:txBody>
+          <a:bodyPr wrap="square">
+            <a:spAutoFit/>
+          </a:bodyPr>
+          <a:lstStyle/>
+          <a:p>
+            <a:pPr algn="ctr"/>
+            <a:r>
+              <a:rPr lang="en-MX" sz="2800" dirty="0">
+                <a:ln w="0"/>
+                <a:solidFill>
+                  <a:schemeClr val="tx1"/>
+                </a:solidFill>
+                <a:effectLst>
+                  <a:outerShdw blurRad="38100" dist="19050" dir="2700000" algn="tl" rotWithShape="0">
+                    <a:schemeClr val="dk1">
+                      <a:alpha val="40000"/>
+                    </a:schemeClr>
+                  </a:outerShdw>
+                </a:effectLst>
+                <a:latin typeface="Arial" panose="020B0604020202020204" pitchFamily="34" charset="0"/>
+                <a:cs typeface="Arial" panose="020B0604020202020204" pitchFamily="34" charset="0"/>
+              </a:rPr>
+              <a:t>Deepgram (STT)</a:t>
+            </a:r>
+          </a:p>
+        </p:txBody>
+      </p:sp>
+      <p:sp>
+        <p:nvSpPr>
+          <p:cNvPr id="20" name="TextBox 19">
+            <a:extLst>
+              <a:ext uri="{FF2B5EF4-FFF2-40B4-BE49-F238E27FC236}">
+                <a16:creationId xmlns:a16="http://schemas.microsoft.com/office/drawing/2014/main" id="{CF314D37-8554-3A6F-50CC-87FAC070B25E}"/>
+              </a:ext>
+            </a:extLst>
+          </p:cNvPr>
+          <p:cNvSpPr txBox="1"/>
+          <p:nvPr/>
+        </p:nvSpPr>
+        <p:spPr>
+          <a:xfrm>
+            <a:off x="15810403" y="9658554"/>
+            <a:ext cx="2335768" cy="954107"/>
+          </a:xfrm>
+          <a:prstGeom prst="rect">
+            <a:avLst/>
+          </a:prstGeom>
+          <a:noFill/>
+        </p:spPr>
+        <p:txBody>
+          <a:bodyPr wrap="square">
+            <a:spAutoFit/>
+          </a:bodyPr>
+          <a:lstStyle/>
+          <a:p>
+            <a:pPr algn="ctr"/>
+            <a:r>
+              <a:rPr lang="en-MX" sz="2800" dirty="0">
+                <a:ln w="0"/>
+                <a:solidFill>
+                  <a:schemeClr val="tx1"/>
+                </a:solidFill>
+                <a:effectLst>
+                  <a:outerShdw blurRad="38100" dist="19050" dir="2700000" algn="tl" rotWithShape="0">
+                    <a:schemeClr val="dk1">
+                      <a:alpha val="40000"/>
+                    </a:schemeClr>
+                  </a:outerShdw>
+                </a:effectLst>
+                <a:latin typeface="Arial" panose="020B0604020202020204" pitchFamily="34" charset="0"/>
+                <a:cs typeface="Arial" panose="020B0604020202020204" pitchFamily="34" charset="0"/>
+              </a:rPr>
+              <a:t>Deepgram (TTS)</a:t>
+            </a:r>
+          </a:p>
+        </p:txBody>
+      </p:sp>
+      <p:cxnSp>
+        <p:nvCxnSpPr>
+          <p:cNvPr id="21" name="Elbow Connector 20">
+            <a:extLst>
+              <a:ext uri="{FF2B5EF4-FFF2-40B4-BE49-F238E27FC236}">
+                <a16:creationId xmlns:a16="http://schemas.microsoft.com/office/drawing/2014/main" id="{E6723D81-6AE1-C943-9714-5B06501CA49B}"/>
+              </a:ext>
+            </a:extLst>
+          </p:cNvPr>
+          <p:cNvCxnSpPr>
+            <a:cxnSpLocks/>
+            <a:endCxn id="20" idx="3"/>
+          </p:cNvCxnSpPr>
+          <p:nvPr/>
+        </p:nvCxnSpPr>
+        <p:spPr>
+          <a:xfrm rot="16200000" flipV="1">
+            <a:off x="18089059" y="10192721"/>
+            <a:ext cx="1663685" cy="1549460"/>
+          </a:xfrm>
+          <a:prstGeom prst="bentConnector2">
+            <a:avLst/>
+          </a:prstGeom>
+          <a:ln>
+            <a:tailEnd type="triangle"/>
+          </a:ln>
+        </p:spPr>
+        <p:style>
+          <a:lnRef idx="3">
+            <a:schemeClr val="dk1"/>
+          </a:lnRef>
+          <a:fillRef idx="0">
+            <a:schemeClr val="dk1"/>
+          </a:fillRef>
+          <a:effectRef idx="2">
+            <a:schemeClr val="dk1"/>
+          </a:effectRef>
+          <a:fontRef idx="minor">
+            <a:schemeClr val="tx1"/>
+          </a:fontRef>
+        </p:style>
+      </p:cxnSp>
+      <p:cxnSp>
+        <p:nvCxnSpPr>
+          <p:cNvPr id="25" name="Elbow Connector 24">
+            <a:extLst>
+              <a:ext uri="{FF2B5EF4-FFF2-40B4-BE49-F238E27FC236}">
+                <a16:creationId xmlns:a16="http://schemas.microsoft.com/office/drawing/2014/main" id="{8D905427-FC79-437F-1BEE-0DEE88F94A00}"/>
+              </a:ext>
+            </a:extLst>
+          </p:cNvPr>
+          <p:cNvCxnSpPr>
+            <a:cxnSpLocks/>
+            <a:stCxn id="19" idx="1"/>
+          </p:cNvCxnSpPr>
+          <p:nvPr/>
+        </p:nvCxnSpPr>
+        <p:spPr>
+          <a:xfrm rot="10800000" flipV="1">
+            <a:off x="23737113" y="10135609"/>
+            <a:ext cx="1561248" cy="1721130"/>
+          </a:xfrm>
+          <a:prstGeom prst="bentConnector2">
+            <a:avLst/>
+          </a:prstGeom>
+          <a:ln>
+            <a:tailEnd type="triangle"/>
+          </a:ln>
+        </p:spPr>
+        <p:style>
+          <a:lnRef idx="3">
+            <a:schemeClr val="dk1"/>
+          </a:lnRef>
+          <a:fillRef idx="0">
+            <a:schemeClr val="dk1"/>
+          </a:fillRef>
+          <a:effectRef idx="2">
+            <a:schemeClr val="dk1"/>
+          </a:effectRef>
+          <a:fontRef idx="minor">
+            <a:schemeClr val="tx1"/>
+          </a:fontRef>
+        </p:style>
+      </p:cxnSp>
+      <p:sp>
+        <p:nvSpPr>
+          <p:cNvPr id="53" name="Text Box 215">
+            <a:extLst>
+              <a:ext uri="{FF2B5EF4-FFF2-40B4-BE49-F238E27FC236}">
+                <a16:creationId xmlns:a16="http://schemas.microsoft.com/office/drawing/2014/main" id="{8314BC59-CC46-AE80-1B3E-64CE753590C6}"/>
+              </a:ext>
+            </a:extLst>
+          </p:cNvPr>
+          <p:cNvSpPr txBox="1">
+            <a:spLocks noChangeArrowheads="1"/>
+          </p:cNvSpPr>
+          <p:nvPr/>
+        </p:nvSpPr>
+        <p:spPr bwMode="auto">
+          <a:xfrm>
+            <a:off x="15867115" y="31188501"/>
+            <a:ext cx="12156967" cy="523220"/>
+          </a:xfrm>
+          <a:prstGeom prst="rect">
+            <a:avLst/>
+          </a:prstGeom>
+          <a:noFill/>
+          <a:ln w="63500">
+            <a:noFill/>
+            <a:miter lim="800000"/>
+            <a:headEnd/>
+            <a:tailEnd/>
+          </a:ln>
+        </p:spPr>
+        <p:txBody>
+          <a:bodyPr wrap="square" lIns="162560" rIns="162560">
+            <a:spAutoFit/>
+          </a:bodyPr>
+          <a:lstStyle/>
+          <a:p>
+            <a:pPr>
+              <a:spcBef>
+                <a:spcPct val="50000"/>
+              </a:spcBef>
+            </a:pPr>
+            <a:r>
+              <a:rPr lang="en-US" sz="2800" dirty="0">
+                <a:latin typeface="Arial" charset="0"/>
+              </a:rPr>
+              <a:t>Figure 3: Conversation sequence between a human and the FormAgent.</a:t>
+            </a:r>
+          </a:p>
+        </p:txBody>
+      </p:sp>
+      <p:pic>
+        <p:nvPicPr>
+          <p:cNvPr id="2247" name="Picture 2246" descr="A qr code on a white background&#10;&#10;AI-generated content may be incorrect.">
+            <a:extLst>
+              <a:ext uri="{FF2B5EF4-FFF2-40B4-BE49-F238E27FC236}">
+                <a16:creationId xmlns:a16="http://schemas.microsoft.com/office/drawing/2014/main" id="{72C6E6F5-CDF2-2C71-7DD2-3A53BB06A9F0}"/>
+              </a:ext>
+            </a:extLst>
+          </p:cNvPr>
+          <p:cNvPicPr>
+            <a:picLocks noChangeAspect="1"/>
+          </p:cNvPicPr>
+          <p:nvPr/>
+        </p:nvPicPr>
+        <p:blipFill>
+          <a:blip r:embed="rId5">
+            <a:extLst>
+              <a:ext uri="{28A0092B-C50C-407E-A947-70E740481C1C}">
+                <a14:useLocalDpi xmlns:a14="http://schemas.microsoft.com/office/drawing/2010/main" val="0"/>
+              </a:ext>
+            </a:extLst>
+          </a:blip>
+          <a:stretch>
+            <a:fillRect/>
+          </a:stretch>
+        </p:blipFill>
+        <p:spPr>
+          <a:xfrm>
+            <a:off x="36388809" y="25378988"/>
+            <a:ext cx="3133834" cy="4184590"/>
+          </a:xfrm>
+          <a:prstGeom prst="rect">
+            <a:avLst/>
+          </a:prstGeom>
+        </p:spPr>
+      </p:pic>
     </p:spTree>
   </p:cSld>
   <p:clrMapOvr>
@@ -9221,6 +10048,15 @@
 </file>
 
 <file path=customXml/item1.xml><?xml version="1.0" encoding="utf-8"?>
+<?mso-contentType ?>
+<FormTemplates xmlns="http://schemas.microsoft.com/sharepoint/v3/contenttype/forms">
+  <Display>DocumentLibraryForm</Display>
+  <Edit>DocumentLibraryForm</Edit>
+  <New>DocumentLibraryForm</New>
+</FormTemplates>
+</file>
+
+<file path=customXml/item2.xml><?xml version="1.0" encoding="utf-8"?>
 <ct:contentTypeSchema xmlns:ct="http://schemas.microsoft.com/office/2006/metadata/contentType" xmlns:ma="http://schemas.microsoft.com/office/2006/metadata/properties/metaAttributes" ct:_="" ma:_="" ma:contentTypeName="Document" ma:contentTypeID="0x010100417EE05FAEEAC1409A37E08D62A167CC" ma:contentTypeVersion="16" ma:contentTypeDescription="Create a new document." ma:contentTypeScope="" ma:versionID="d38f75698845d0233a434ea18f84529f">
   <xsd:schema xmlns:xsd="http://www.w3.org/2001/XMLSchema" xmlns:xs="http://www.w3.org/2001/XMLSchema" xmlns:p="http://schemas.microsoft.com/office/2006/metadata/properties" xmlns:ns2="1b973d31-3774-4da0-b147-c5c4bcddf3f1" xmlns:ns3="70993a03-c97d-4535-9029-6811f6dade7d" targetNamespace="http://schemas.microsoft.com/office/2006/metadata/properties" ma:root="true" ma:fieldsID="a74dd64343ab600dab1d05f807349ef8" ns2:_="" ns3:_="">
     <xsd:import namespace="1b973d31-3774-4da0-b147-c5c4bcddf3f1"/>
@@ -9464,7 +10300,7 @@
 </ct:contentTypeSchema>
 </file>
 
-<file path=customXml/item2.xml><?xml version="1.0" encoding="utf-8"?>
+<file path=customXml/item3.xml><?xml version="1.0" encoding="utf-8"?>
 <p:properties xmlns:p="http://schemas.microsoft.com/office/2006/metadata/properties" xmlns:xsi="http://www.w3.org/2001/XMLSchema-instance" xmlns:pc="http://schemas.microsoft.com/office/infopath/2007/PartnerControls">
   <documentManagement>
     <Tointerview xmlns="1b973d31-3774-4da0-b147-c5c4bcddf3f1" xsi:nil="true"/>
@@ -9476,16 +10312,15 @@
 </p:properties>
 </file>
 
-<file path=customXml/item3.xml><?xml version="1.0" encoding="utf-8"?>
-<?mso-contentType ?>
-<FormTemplates xmlns="http://schemas.microsoft.com/sharepoint/v3/contenttype/forms">
-  <Display>DocumentLibraryForm</Display>
-  <Edit>DocumentLibraryForm</Edit>
-  <New>DocumentLibraryForm</New>
-</FormTemplates>
+<file path=customXml/itemProps1.xml><?xml version="1.0" encoding="utf-8"?>
+<ds:datastoreItem xmlns:ds="http://schemas.openxmlformats.org/officeDocument/2006/customXml" ds:itemID="{C5752171-D2AC-449D-BF8B-BB587F6BC2E2}">
+  <ds:schemaRefs>
+    <ds:schemaRef ds:uri="http://schemas.microsoft.com/sharepoint/v3/contenttype/forms"/>
+  </ds:schemaRefs>
+</ds:datastoreItem>
 </file>
 
-<file path=customXml/itemProps1.xml><?xml version="1.0" encoding="utf-8"?>
+<file path=customXml/itemProps2.xml><?xml version="1.0" encoding="utf-8"?>
 <ds:datastoreItem xmlns:ds="http://schemas.openxmlformats.org/officeDocument/2006/customXml" ds:itemID="{59D0C72A-7B1C-49EC-9E13-51450835DFE9}">
   <ds:schemaRefs>
     <ds:schemaRef ds:uri="http://schemas.microsoft.com/office/2006/metadata/contentType"/>
@@ -9504,7 +10339,7 @@
 </ds:datastoreItem>
 </file>
 
-<file path=customXml/itemProps2.xml><?xml version="1.0" encoding="utf-8"?>
+<file path=customXml/itemProps3.xml><?xml version="1.0" encoding="utf-8"?>
 <ds:datastoreItem xmlns:ds="http://schemas.openxmlformats.org/officeDocument/2006/customXml" ds:itemID="{41BEBB12-6065-46A7-A2D8-A1BACDD0BE00}">
   <ds:schemaRefs>
     <ds:schemaRef ds:uri="http://schemas.microsoft.com/office/2006/metadata/properties"/>
@@ -9521,12 +10356,4 @@
     <ds:schemaRef ds:uri="70993a03-c97d-4535-9029-6811f6dade7d"/>
   </ds:schemaRefs>
 </ds:datastoreItem>
-</file>
-
-<file path=customXml/itemProps3.xml><?xml version="1.0" encoding="utf-8"?>
-<ds:datastoreItem xmlns:ds="http://schemas.openxmlformats.org/officeDocument/2006/customXml" ds:itemID="{C5752171-D2AC-449D-BF8B-BB587F6BC2E2}">
-  <ds:schemaRefs>
-    <ds:schemaRef ds:uri="http://schemas.microsoft.com/sharepoint/v3/contenttype/forms"/>
-  </ds:schemaRefs>
-</ds:datastoreItem>
 </file>